--- a/Algoritmic Trading/Algoritmic Trading Práctica.pptx
+++ b/Algoritmic Trading/Algoritmic Trading Práctica.pptx
@@ -5,20 +5,16 @@
     <p:sldMasterId id="2147483660" r:id="rId1"/>
   </p:sldMasterIdLst>
   <p:notesMasterIdLst>
-    <p:notesMasterId r:id="rId13"/>
+    <p:notesMasterId r:id="rId9"/>
   </p:notesMasterIdLst>
   <p:sldIdLst>
     <p:sldId id="265" r:id="rId2"/>
     <p:sldId id="301" r:id="rId3"/>
     <p:sldId id="272" r:id="rId4"/>
     <p:sldId id="318" r:id="rId5"/>
-    <p:sldId id="278" r:id="rId6"/>
-    <p:sldId id="326" r:id="rId7"/>
-    <p:sldId id="327" r:id="rId8"/>
-    <p:sldId id="328" r:id="rId9"/>
-    <p:sldId id="329" r:id="rId10"/>
-    <p:sldId id="330" r:id="rId11"/>
-    <p:sldId id="312" r:id="rId12"/>
+    <p:sldId id="319" r:id="rId6"/>
+    <p:sldId id="320" r:id="rId7"/>
+    <p:sldId id="312" r:id="rId8"/>
   </p:sldIdLst>
   <p:sldSz cx="24384000" cy="13716000"/>
   <p:notesSz cx="6858000" cy="9144000"/>
@@ -207,7 +203,7 @@
           <a:p>
             <a:fld id="{74051A69-C562-4FC5-92DC-994CDC1376A2}" type="datetimeFigureOut">
               <a:rPr lang="en-US" smtClean="0"/>
-              <a:t>2/9/2017</a:t>
+              <a:t>2/13/2017</a:t>
             </a:fld>
             <a:endParaRPr lang="en-US"/>
           </a:p>
@@ -475,510 +471,6 @@
 </p:notesMaster>
 </file>
 
-<file path=ppt/notesSlides/notesSlide1.xml><?xml version="1.0" encoding="utf-8"?>
-<p:notes xmlns:a="http://schemas.openxmlformats.org/drawingml/2006/main" xmlns:r="http://schemas.openxmlformats.org/officeDocument/2006/relationships" xmlns:p="http://schemas.openxmlformats.org/presentationml/2006/main">
-  <p:cSld>
-    <p:spTree>
-      <p:nvGrpSpPr>
-        <p:cNvPr id="1" name=""/>
-        <p:cNvGrpSpPr/>
-        <p:nvPr/>
-      </p:nvGrpSpPr>
-      <p:grpSpPr>
-        <a:xfrm>
-          <a:off x="0" y="0"/>
-          <a:ext cx="0" cy="0"/>
-          <a:chOff x="0" y="0"/>
-          <a:chExt cx="0" cy="0"/>
-        </a:xfrm>
-      </p:grpSpPr>
-      <p:sp>
-        <p:nvSpPr>
-          <p:cNvPr id="2" name="Marcador de imagen de diapositiva 1"/>
-          <p:cNvSpPr>
-            <a:spLocks noGrp="1" noRot="1" noChangeAspect="1"/>
-          </p:cNvSpPr>
-          <p:nvPr>
-            <p:ph type="sldImg"/>
-          </p:nvPr>
-        </p:nvSpPr>
-        <p:spPr/>
-      </p:sp>
-      <p:sp>
-        <p:nvSpPr>
-          <p:cNvPr id="3" name="Marcador de notas 2"/>
-          <p:cNvSpPr>
-            <a:spLocks noGrp="1"/>
-          </p:cNvSpPr>
-          <p:nvPr>
-            <p:ph type="body" idx="1"/>
-          </p:nvPr>
-        </p:nvSpPr>
-        <p:spPr/>
-        <p:txBody>
-          <a:bodyPr/>
-          <a:lstStyle/>
-          <a:p>
-            <a:endParaRPr lang="es-ES_tradnl"/>
-          </a:p>
-        </p:txBody>
-      </p:sp>
-      <p:sp>
-        <p:nvSpPr>
-          <p:cNvPr id="4" name="Marcador de número de diapositiva 3"/>
-          <p:cNvSpPr>
-            <a:spLocks noGrp="1"/>
-          </p:cNvSpPr>
-          <p:nvPr>
-            <p:ph type="sldNum" sz="quarter" idx="10"/>
-          </p:nvPr>
-        </p:nvSpPr>
-        <p:spPr/>
-        <p:txBody>
-          <a:bodyPr/>
-          <a:lstStyle/>
-          <a:p>
-            <a:fld id="{8C747B73-6B03-4EF3-AD40-683CE00DABF6}" type="slidenum">
-              <a:rPr lang="en-US" smtClean="0"/>
-              <a:t>5</a:t>
-            </a:fld>
-            <a:endParaRPr lang="en-US"/>
-          </a:p>
-        </p:txBody>
-      </p:sp>
-    </p:spTree>
-    <p:extLst>
-      <p:ext uri="{BB962C8B-B14F-4D97-AF65-F5344CB8AC3E}">
-        <p14:creationId xmlns:p14="http://schemas.microsoft.com/office/powerpoint/2010/main" val="857734528"/>
-      </p:ext>
-    </p:extLst>
-  </p:cSld>
-  <p:clrMapOvr>
-    <a:masterClrMapping/>
-  </p:clrMapOvr>
-</p:notes>
-</file>
-
-<file path=ppt/notesSlides/notesSlide2.xml><?xml version="1.0" encoding="utf-8"?>
-<p:notes xmlns:a="http://schemas.openxmlformats.org/drawingml/2006/main" xmlns:r="http://schemas.openxmlformats.org/officeDocument/2006/relationships" xmlns:p="http://schemas.openxmlformats.org/presentationml/2006/main">
-  <p:cSld>
-    <p:spTree>
-      <p:nvGrpSpPr>
-        <p:cNvPr id="1" name=""/>
-        <p:cNvGrpSpPr/>
-        <p:nvPr/>
-      </p:nvGrpSpPr>
-      <p:grpSpPr>
-        <a:xfrm>
-          <a:off x="0" y="0"/>
-          <a:ext cx="0" cy="0"/>
-          <a:chOff x="0" y="0"/>
-          <a:chExt cx="0" cy="0"/>
-        </a:xfrm>
-      </p:grpSpPr>
-      <p:sp>
-        <p:nvSpPr>
-          <p:cNvPr id="2" name="Marcador de imagen de diapositiva 1"/>
-          <p:cNvSpPr>
-            <a:spLocks noGrp="1" noRot="1" noChangeAspect="1"/>
-          </p:cNvSpPr>
-          <p:nvPr>
-            <p:ph type="sldImg"/>
-          </p:nvPr>
-        </p:nvSpPr>
-        <p:spPr/>
-      </p:sp>
-      <p:sp>
-        <p:nvSpPr>
-          <p:cNvPr id="3" name="Marcador de notas 2"/>
-          <p:cNvSpPr>
-            <a:spLocks noGrp="1"/>
-          </p:cNvSpPr>
-          <p:nvPr>
-            <p:ph type="body" idx="1"/>
-          </p:nvPr>
-        </p:nvSpPr>
-        <p:spPr/>
-        <p:txBody>
-          <a:bodyPr/>
-          <a:lstStyle/>
-          <a:p>
-            <a:endParaRPr lang="es-ES_tradnl"/>
-          </a:p>
-        </p:txBody>
-      </p:sp>
-      <p:sp>
-        <p:nvSpPr>
-          <p:cNvPr id="4" name="Marcador de número de diapositiva 3"/>
-          <p:cNvSpPr>
-            <a:spLocks noGrp="1"/>
-          </p:cNvSpPr>
-          <p:nvPr>
-            <p:ph type="sldNum" sz="quarter" idx="10"/>
-          </p:nvPr>
-        </p:nvSpPr>
-        <p:spPr/>
-        <p:txBody>
-          <a:bodyPr/>
-          <a:lstStyle/>
-          <a:p>
-            <a:fld id="{8C747B73-6B03-4EF3-AD40-683CE00DABF6}" type="slidenum">
-              <a:rPr lang="en-US" smtClean="0"/>
-              <a:t>6</a:t>
-            </a:fld>
-            <a:endParaRPr lang="en-US"/>
-          </a:p>
-        </p:txBody>
-      </p:sp>
-    </p:spTree>
-    <p:extLst>
-      <p:ext uri="{BB962C8B-B14F-4D97-AF65-F5344CB8AC3E}">
-        <p14:creationId xmlns:p14="http://schemas.microsoft.com/office/powerpoint/2010/main" val="857734528"/>
-      </p:ext>
-    </p:extLst>
-  </p:cSld>
-  <p:clrMapOvr>
-    <a:masterClrMapping/>
-  </p:clrMapOvr>
-</p:notes>
-</file>
-
-<file path=ppt/notesSlides/notesSlide3.xml><?xml version="1.0" encoding="utf-8"?>
-<p:notes xmlns:a="http://schemas.openxmlformats.org/drawingml/2006/main" xmlns:r="http://schemas.openxmlformats.org/officeDocument/2006/relationships" xmlns:p="http://schemas.openxmlformats.org/presentationml/2006/main">
-  <p:cSld>
-    <p:spTree>
-      <p:nvGrpSpPr>
-        <p:cNvPr id="1" name=""/>
-        <p:cNvGrpSpPr/>
-        <p:nvPr/>
-      </p:nvGrpSpPr>
-      <p:grpSpPr>
-        <a:xfrm>
-          <a:off x="0" y="0"/>
-          <a:ext cx="0" cy="0"/>
-          <a:chOff x="0" y="0"/>
-          <a:chExt cx="0" cy="0"/>
-        </a:xfrm>
-      </p:grpSpPr>
-      <p:sp>
-        <p:nvSpPr>
-          <p:cNvPr id="2" name="Marcador de imagen de diapositiva 1"/>
-          <p:cNvSpPr>
-            <a:spLocks noGrp="1" noRot="1" noChangeAspect="1"/>
-          </p:cNvSpPr>
-          <p:nvPr>
-            <p:ph type="sldImg"/>
-          </p:nvPr>
-        </p:nvSpPr>
-        <p:spPr/>
-      </p:sp>
-      <p:sp>
-        <p:nvSpPr>
-          <p:cNvPr id="3" name="Marcador de notas 2"/>
-          <p:cNvSpPr>
-            <a:spLocks noGrp="1"/>
-          </p:cNvSpPr>
-          <p:nvPr>
-            <p:ph type="body" idx="1"/>
-          </p:nvPr>
-        </p:nvSpPr>
-        <p:spPr/>
-        <p:txBody>
-          <a:bodyPr/>
-          <a:lstStyle/>
-          <a:p>
-            <a:endParaRPr lang="es-ES_tradnl"/>
-          </a:p>
-        </p:txBody>
-      </p:sp>
-      <p:sp>
-        <p:nvSpPr>
-          <p:cNvPr id="4" name="Marcador de número de diapositiva 3"/>
-          <p:cNvSpPr>
-            <a:spLocks noGrp="1"/>
-          </p:cNvSpPr>
-          <p:nvPr>
-            <p:ph type="sldNum" sz="quarter" idx="10"/>
-          </p:nvPr>
-        </p:nvSpPr>
-        <p:spPr/>
-        <p:txBody>
-          <a:bodyPr/>
-          <a:lstStyle/>
-          <a:p>
-            <a:fld id="{8C747B73-6B03-4EF3-AD40-683CE00DABF6}" type="slidenum">
-              <a:rPr lang="en-US" smtClean="0"/>
-              <a:t>7</a:t>
-            </a:fld>
-            <a:endParaRPr lang="en-US"/>
-          </a:p>
-        </p:txBody>
-      </p:sp>
-    </p:spTree>
-    <p:extLst>
-      <p:ext uri="{BB962C8B-B14F-4D97-AF65-F5344CB8AC3E}">
-        <p14:creationId xmlns:p14="http://schemas.microsoft.com/office/powerpoint/2010/main" val="857734528"/>
-      </p:ext>
-    </p:extLst>
-  </p:cSld>
-  <p:clrMapOvr>
-    <a:masterClrMapping/>
-  </p:clrMapOvr>
-</p:notes>
-</file>
-
-<file path=ppt/notesSlides/notesSlide4.xml><?xml version="1.0" encoding="utf-8"?>
-<p:notes xmlns:a="http://schemas.openxmlformats.org/drawingml/2006/main" xmlns:r="http://schemas.openxmlformats.org/officeDocument/2006/relationships" xmlns:p="http://schemas.openxmlformats.org/presentationml/2006/main">
-  <p:cSld>
-    <p:spTree>
-      <p:nvGrpSpPr>
-        <p:cNvPr id="1" name=""/>
-        <p:cNvGrpSpPr/>
-        <p:nvPr/>
-      </p:nvGrpSpPr>
-      <p:grpSpPr>
-        <a:xfrm>
-          <a:off x="0" y="0"/>
-          <a:ext cx="0" cy="0"/>
-          <a:chOff x="0" y="0"/>
-          <a:chExt cx="0" cy="0"/>
-        </a:xfrm>
-      </p:grpSpPr>
-      <p:sp>
-        <p:nvSpPr>
-          <p:cNvPr id="2" name="Marcador de imagen de diapositiva 1"/>
-          <p:cNvSpPr>
-            <a:spLocks noGrp="1" noRot="1" noChangeAspect="1"/>
-          </p:cNvSpPr>
-          <p:nvPr>
-            <p:ph type="sldImg"/>
-          </p:nvPr>
-        </p:nvSpPr>
-        <p:spPr/>
-      </p:sp>
-      <p:sp>
-        <p:nvSpPr>
-          <p:cNvPr id="3" name="Marcador de notas 2"/>
-          <p:cNvSpPr>
-            <a:spLocks noGrp="1"/>
-          </p:cNvSpPr>
-          <p:nvPr>
-            <p:ph type="body" idx="1"/>
-          </p:nvPr>
-        </p:nvSpPr>
-        <p:spPr/>
-        <p:txBody>
-          <a:bodyPr/>
-          <a:lstStyle/>
-          <a:p>
-            <a:endParaRPr lang="es-ES_tradnl"/>
-          </a:p>
-        </p:txBody>
-      </p:sp>
-      <p:sp>
-        <p:nvSpPr>
-          <p:cNvPr id="4" name="Marcador de número de diapositiva 3"/>
-          <p:cNvSpPr>
-            <a:spLocks noGrp="1"/>
-          </p:cNvSpPr>
-          <p:nvPr>
-            <p:ph type="sldNum" sz="quarter" idx="10"/>
-          </p:nvPr>
-        </p:nvSpPr>
-        <p:spPr/>
-        <p:txBody>
-          <a:bodyPr/>
-          <a:lstStyle/>
-          <a:p>
-            <a:fld id="{8C747B73-6B03-4EF3-AD40-683CE00DABF6}" type="slidenum">
-              <a:rPr lang="en-US" smtClean="0"/>
-              <a:t>8</a:t>
-            </a:fld>
-            <a:endParaRPr lang="en-US"/>
-          </a:p>
-        </p:txBody>
-      </p:sp>
-    </p:spTree>
-    <p:extLst>
-      <p:ext uri="{BB962C8B-B14F-4D97-AF65-F5344CB8AC3E}">
-        <p14:creationId xmlns:p14="http://schemas.microsoft.com/office/powerpoint/2010/main" val="857734528"/>
-      </p:ext>
-    </p:extLst>
-  </p:cSld>
-  <p:clrMapOvr>
-    <a:masterClrMapping/>
-  </p:clrMapOvr>
-</p:notes>
-</file>
-
-<file path=ppt/notesSlides/notesSlide5.xml><?xml version="1.0" encoding="utf-8"?>
-<p:notes xmlns:a="http://schemas.openxmlformats.org/drawingml/2006/main" xmlns:r="http://schemas.openxmlformats.org/officeDocument/2006/relationships" xmlns:p="http://schemas.openxmlformats.org/presentationml/2006/main">
-  <p:cSld>
-    <p:spTree>
-      <p:nvGrpSpPr>
-        <p:cNvPr id="1" name=""/>
-        <p:cNvGrpSpPr/>
-        <p:nvPr/>
-      </p:nvGrpSpPr>
-      <p:grpSpPr>
-        <a:xfrm>
-          <a:off x="0" y="0"/>
-          <a:ext cx="0" cy="0"/>
-          <a:chOff x="0" y="0"/>
-          <a:chExt cx="0" cy="0"/>
-        </a:xfrm>
-      </p:grpSpPr>
-      <p:sp>
-        <p:nvSpPr>
-          <p:cNvPr id="2" name="Marcador de imagen de diapositiva 1"/>
-          <p:cNvSpPr>
-            <a:spLocks noGrp="1" noRot="1" noChangeAspect="1"/>
-          </p:cNvSpPr>
-          <p:nvPr>
-            <p:ph type="sldImg"/>
-          </p:nvPr>
-        </p:nvSpPr>
-        <p:spPr/>
-      </p:sp>
-      <p:sp>
-        <p:nvSpPr>
-          <p:cNvPr id="3" name="Marcador de notas 2"/>
-          <p:cNvSpPr>
-            <a:spLocks noGrp="1"/>
-          </p:cNvSpPr>
-          <p:nvPr>
-            <p:ph type="body" idx="1"/>
-          </p:nvPr>
-        </p:nvSpPr>
-        <p:spPr/>
-        <p:txBody>
-          <a:bodyPr/>
-          <a:lstStyle/>
-          <a:p>
-            <a:endParaRPr lang="es-ES_tradnl"/>
-          </a:p>
-        </p:txBody>
-      </p:sp>
-      <p:sp>
-        <p:nvSpPr>
-          <p:cNvPr id="4" name="Marcador de número de diapositiva 3"/>
-          <p:cNvSpPr>
-            <a:spLocks noGrp="1"/>
-          </p:cNvSpPr>
-          <p:nvPr>
-            <p:ph type="sldNum" sz="quarter" idx="10"/>
-          </p:nvPr>
-        </p:nvSpPr>
-        <p:spPr/>
-        <p:txBody>
-          <a:bodyPr/>
-          <a:lstStyle/>
-          <a:p>
-            <a:fld id="{8C747B73-6B03-4EF3-AD40-683CE00DABF6}" type="slidenum">
-              <a:rPr lang="en-US" smtClean="0"/>
-              <a:t>9</a:t>
-            </a:fld>
-            <a:endParaRPr lang="en-US"/>
-          </a:p>
-        </p:txBody>
-      </p:sp>
-    </p:spTree>
-    <p:extLst>
-      <p:ext uri="{BB962C8B-B14F-4D97-AF65-F5344CB8AC3E}">
-        <p14:creationId xmlns:p14="http://schemas.microsoft.com/office/powerpoint/2010/main" val="857734528"/>
-      </p:ext>
-    </p:extLst>
-  </p:cSld>
-  <p:clrMapOvr>
-    <a:masterClrMapping/>
-  </p:clrMapOvr>
-</p:notes>
-</file>
-
-<file path=ppt/notesSlides/notesSlide6.xml><?xml version="1.0" encoding="utf-8"?>
-<p:notes xmlns:a="http://schemas.openxmlformats.org/drawingml/2006/main" xmlns:r="http://schemas.openxmlformats.org/officeDocument/2006/relationships" xmlns:p="http://schemas.openxmlformats.org/presentationml/2006/main">
-  <p:cSld>
-    <p:spTree>
-      <p:nvGrpSpPr>
-        <p:cNvPr id="1" name=""/>
-        <p:cNvGrpSpPr/>
-        <p:nvPr/>
-      </p:nvGrpSpPr>
-      <p:grpSpPr>
-        <a:xfrm>
-          <a:off x="0" y="0"/>
-          <a:ext cx="0" cy="0"/>
-          <a:chOff x="0" y="0"/>
-          <a:chExt cx="0" cy="0"/>
-        </a:xfrm>
-      </p:grpSpPr>
-      <p:sp>
-        <p:nvSpPr>
-          <p:cNvPr id="2" name="Marcador de imagen de diapositiva 1"/>
-          <p:cNvSpPr>
-            <a:spLocks noGrp="1" noRot="1" noChangeAspect="1"/>
-          </p:cNvSpPr>
-          <p:nvPr>
-            <p:ph type="sldImg"/>
-          </p:nvPr>
-        </p:nvSpPr>
-        <p:spPr/>
-      </p:sp>
-      <p:sp>
-        <p:nvSpPr>
-          <p:cNvPr id="3" name="Marcador de notas 2"/>
-          <p:cNvSpPr>
-            <a:spLocks noGrp="1"/>
-          </p:cNvSpPr>
-          <p:nvPr>
-            <p:ph type="body" idx="1"/>
-          </p:nvPr>
-        </p:nvSpPr>
-        <p:spPr/>
-        <p:txBody>
-          <a:bodyPr/>
-          <a:lstStyle/>
-          <a:p>
-            <a:endParaRPr lang="es-ES_tradnl"/>
-          </a:p>
-        </p:txBody>
-      </p:sp>
-      <p:sp>
-        <p:nvSpPr>
-          <p:cNvPr id="4" name="Marcador de número de diapositiva 3"/>
-          <p:cNvSpPr>
-            <a:spLocks noGrp="1"/>
-          </p:cNvSpPr>
-          <p:nvPr>
-            <p:ph type="sldNum" sz="quarter" idx="10"/>
-          </p:nvPr>
-        </p:nvSpPr>
-        <p:spPr/>
-        <p:txBody>
-          <a:bodyPr/>
-          <a:lstStyle/>
-          <a:p>
-            <a:fld id="{8C747B73-6B03-4EF3-AD40-683CE00DABF6}" type="slidenum">
-              <a:rPr lang="en-US" smtClean="0"/>
-              <a:t>10</a:t>
-            </a:fld>
-            <a:endParaRPr lang="en-US"/>
-          </a:p>
-        </p:txBody>
-      </p:sp>
-    </p:spTree>
-    <p:extLst>
-      <p:ext uri="{BB962C8B-B14F-4D97-AF65-F5344CB8AC3E}">
-        <p14:creationId xmlns:p14="http://schemas.microsoft.com/office/powerpoint/2010/main" val="857734528"/>
-      </p:ext>
-    </p:extLst>
-  </p:cSld>
-  <p:clrMapOvr>
-    <a:masterClrMapping/>
-  </p:clrMapOvr>
-</p:notes>
-</file>
-
 <file path=ppt/slideLayouts/slideLayout1.xml><?xml version="1.0" encoding="utf-8"?>
 <p:sldLayout xmlns:a="http://schemas.openxmlformats.org/drawingml/2006/main" xmlns:r="http://schemas.openxmlformats.org/officeDocument/2006/relationships" xmlns:p="http://schemas.openxmlformats.org/presentationml/2006/main" type="title" preserve="1">
   <p:cSld name="Title Slide">
@@ -1110,7 +602,7 @@
           <a:p>
             <a:fld id="{E7245559-42C1-534F-8AEC-C8C3D8A15265}" type="datetime1">
               <a:rPr lang="es-ES_tradnl" smtClean="0"/>
-              <a:t>09/02/2017</a:t>
+              <a:t>13/02/2017</a:t>
             </a:fld>
             <a:endParaRPr lang="en-US"/>
           </a:p>
@@ -1287,7 +779,7 @@
           <a:p>
             <a:fld id="{13AFC3BD-663B-D543-8A5D-1D74E64E8318}" type="datetime1">
               <a:rPr lang="es-ES_tradnl" smtClean="0"/>
-              <a:t>09/02/2017</a:t>
+              <a:t>13/02/2017</a:t>
             </a:fld>
             <a:endParaRPr lang="en-US"/>
           </a:p>
@@ -1467,7 +959,7 @@
           <a:p>
             <a:fld id="{418CEE0C-B7E3-0340-8EB8-6483FA1DB795}" type="datetime1">
               <a:rPr lang="es-ES_tradnl" smtClean="0"/>
-              <a:t>09/02/2017</a:t>
+              <a:t>13/02/2017</a:t>
             </a:fld>
             <a:endParaRPr lang="en-US"/>
           </a:p>
@@ -1637,7 +1129,7 @@
           <a:p>
             <a:fld id="{2ECD535B-6F91-B64C-8FFD-4CA6E4D9E02B}" type="datetime1">
               <a:rPr lang="es-ES_tradnl" smtClean="0"/>
-              <a:t>09/02/2017</a:t>
+              <a:t>13/02/2017</a:t>
             </a:fld>
             <a:endParaRPr lang="en-US"/>
           </a:p>
@@ -1883,7 +1375,7 @@
           <a:p>
             <a:fld id="{3C0DF3A0-C8D1-214C-B943-FF2CE5358DC5}" type="datetime1">
               <a:rPr lang="es-ES_tradnl" smtClean="0"/>
-              <a:t>09/02/2017</a:t>
+              <a:t>13/02/2017</a:t>
             </a:fld>
             <a:endParaRPr lang="en-US"/>
           </a:p>
@@ -2115,7 +1607,7 @@
           <a:p>
             <a:fld id="{8E308F36-A34C-5849-902F-30374CE1EB61}" type="datetime1">
               <a:rPr lang="es-ES_tradnl" smtClean="0"/>
-              <a:t>09/02/2017</a:t>
+              <a:t>13/02/2017</a:t>
             </a:fld>
             <a:endParaRPr lang="en-US"/>
           </a:p>
@@ -2482,7 +1974,7 @@
           <a:p>
             <a:fld id="{671B5884-ACD9-4B4A-B433-78CA728A9551}" type="datetime1">
               <a:rPr lang="es-ES_tradnl" smtClean="0"/>
-              <a:t>09/02/2017</a:t>
+              <a:t>13/02/2017</a:t>
             </a:fld>
             <a:endParaRPr lang="en-US"/>
           </a:p>
@@ -2600,7 +2092,7 @@
           <a:p>
             <a:fld id="{D9A7DC59-0F86-8244-BC55-B8B7BDBA0B4D}" type="datetime1">
               <a:rPr lang="es-ES_tradnl" smtClean="0"/>
-              <a:t>09/02/2017</a:t>
+              <a:t>13/02/2017</a:t>
             </a:fld>
             <a:endParaRPr lang="en-US"/>
           </a:p>
@@ -2695,7 +2187,7 @@
           <a:p>
             <a:fld id="{CF98EED9-EF18-3E41-BC4D-714AB063B23C}" type="datetime1">
               <a:rPr lang="es-ES_tradnl" smtClean="0"/>
-              <a:t>09/02/2017</a:t>
+              <a:t>13/02/2017</a:t>
             </a:fld>
             <a:endParaRPr lang="en-US"/>
           </a:p>
@@ -2972,7 +2464,7 @@
           <a:p>
             <a:fld id="{28C4528B-9998-B545-A0AD-AA59EB34F02F}" type="datetime1">
               <a:rPr lang="es-ES_tradnl" smtClean="0"/>
-              <a:t>09/02/2017</a:t>
+              <a:t>13/02/2017</a:t>
             </a:fld>
             <a:endParaRPr lang="en-US"/>
           </a:p>
@@ -3229,7 +2721,7 @@
           <a:p>
             <a:fld id="{15C6D003-8DAD-1340-AC4E-DE67553D29D8}" type="datetime1">
               <a:rPr lang="es-ES_tradnl" smtClean="0"/>
-              <a:t>09/02/2017</a:t>
+              <a:t>13/02/2017</a:t>
             </a:fld>
             <a:endParaRPr lang="en-US"/>
           </a:p>
@@ -3442,7 +2934,7 @@
           <a:p>
             <a:fld id="{48FB16F0-692B-8447-98B5-7C52146245FA}" type="datetime1">
               <a:rPr lang="es-ES_tradnl" smtClean="0"/>
-              <a:t>09/02/2017</a:t>
+              <a:t>13/02/2017</a:t>
             </a:fld>
             <a:endParaRPr lang="en-US"/>
           </a:p>
@@ -3964,7 +3456,7 @@
           </a:p>
           <a:p>
             <a:r>
-              <a:rPr lang="es-ES" sz="6000" i="1" spc="100" dirty="0" smtClean="0">
+              <a:rPr lang="es-ES" sz="6000" i="1" spc="100" smtClean="0">
                 <a:solidFill>
                   <a:schemeClr val="bg1"/>
                 </a:solidFill>
@@ -3972,7 +3464,7 @@
                 <a:ea typeface="Open Sans" panose="020B0606030504020204" pitchFamily="34" charset="0"/>
                 <a:cs typeface="Open Sans" panose="020B0606030504020204" pitchFamily="34" charset="0"/>
               </a:rPr>
-              <a:t>Práctica</a:t>
+              <a:t>Práctica    </a:t>
             </a:r>
             <a:endParaRPr lang="tr-TR" sz="6000" i="1" spc="100" dirty="0">
               <a:solidFill>
@@ -4079,1044 +3571,6 @@
     <p:extLst>
       <p:ext uri="{BB962C8B-B14F-4D97-AF65-F5344CB8AC3E}">
         <p14:creationId xmlns:p14="http://schemas.microsoft.com/office/powerpoint/2010/main" val="683289155"/>
-      </p:ext>
-    </p:extLst>
-  </p:cSld>
-  <p:clrMapOvr>
-    <a:masterClrMapping/>
-  </p:clrMapOvr>
-  <mc:AlternateContent xmlns:mc="http://schemas.openxmlformats.org/markup-compatibility/2006" xmlns:p14="http://schemas.microsoft.com/office/powerpoint/2010/main">
-    <mc:Choice Requires="p14">
-      <p:transition spd="med" p14:dur="700">
-        <p:fade/>
-      </p:transition>
-    </mc:Choice>
-    <mc:Fallback xmlns="">
-      <p:transition spd="med">
-        <p:fade/>
-      </p:transition>
-    </mc:Fallback>
-  </mc:AlternateContent>
-  <p:timing>
-    <p:tnLst>
-      <p:par>
-        <p:cTn id="1" dur="indefinite" restart="never" nodeType="tmRoot"/>
-      </p:par>
-    </p:tnLst>
-  </p:timing>
-</p:sld>
-</file>
-
-<file path=ppt/slides/slide10.xml><?xml version="1.0" encoding="utf-8"?>
-<p:sld xmlns:a="http://schemas.openxmlformats.org/drawingml/2006/main" xmlns:r="http://schemas.openxmlformats.org/officeDocument/2006/relationships" xmlns:p="http://schemas.openxmlformats.org/presentationml/2006/main">
-  <p:cSld>
-    <p:bg>
-      <p:bgPr>
-        <a:solidFill>
-          <a:schemeClr val="bg1"/>
-        </a:solidFill>
-        <a:effectLst/>
-      </p:bgPr>
-    </p:bg>
-    <p:spTree>
-      <p:nvGrpSpPr>
-        <p:cNvPr id="1" name=""/>
-        <p:cNvGrpSpPr/>
-        <p:nvPr/>
-      </p:nvGrpSpPr>
-      <p:grpSpPr>
-        <a:xfrm>
-          <a:off x="0" y="0"/>
-          <a:ext cx="0" cy="0"/>
-          <a:chOff x="0" y="0"/>
-          <a:chExt cx="0" cy="0"/>
-        </a:xfrm>
-      </p:grpSpPr>
-      <p:cxnSp>
-        <p:nvCxnSpPr>
-          <p:cNvPr id="14" name="Straight Connector 13"/>
-          <p:cNvCxnSpPr/>
-          <p:nvPr/>
-        </p:nvCxnSpPr>
-        <p:spPr>
-          <a:xfrm flipV="1">
-            <a:off x="3258951" y="2232255"/>
-            <a:ext cx="17706934" cy="16195"/>
-          </a:xfrm>
-          <a:prstGeom prst="line">
-            <a:avLst/>
-          </a:prstGeom>
-          <a:ln w="50800">
-            <a:solidFill>
-              <a:srgbClr val="507392">
-                <a:alpha val="30000"/>
-              </a:srgbClr>
-            </a:solidFill>
-          </a:ln>
-        </p:spPr>
-        <p:style>
-          <a:lnRef idx="1">
-            <a:schemeClr val="accent1"/>
-          </a:lnRef>
-          <a:fillRef idx="0">
-            <a:schemeClr val="accent1"/>
-          </a:fillRef>
-          <a:effectRef idx="0">
-            <a:schemeClr val="accent1"/>
-          </a:effectRef>
-          <a:fontRef idx="minor">
-            <a:schemeClr val="tx1"/>
-          </a:fontRef>
-        </p:style>
-      </p:cxnSp>
-      <p:cxnSp>
-        <p:nvCxnSpPr>
-          <p:cNvPr id="20" name="Straight Connector 19"/>
-          <p:cNvCxnSpPr/>
-          <p:nvPr/>
-        </p:nvCxnSpPr>
-        <p:spPr>
-          <a:xfrm>
-            <a:off x="3258951" y="2248450"/>
-            <a:ext cx="6200078" cy="0"/>
-          </a:xfrm>
-          <a:prstGeom prst="line">
-            <a:avLst/>
-          </a:prstGeom>
-          <a:ln w="50800">
-            <a:solidFill>
-              <a:srgbClr val="507392"/>
-            </a:solidFill>
-          </a:ln>
-        </p:spPr>
-        <p:style>
-          <a:lnRef idx="1">
-            <a:schemeClr val="accent1"/>
-          </a:lnRef>
-          <a:fillRef idx="0">
-            <a:schemeClr val="accent1"/>
-          </a:fillRef>
-          <a:effectRef idx="0">
-            <a:schemeClr val="accent1"/>
-          </a:effectRef>
-          <a:fontRef idx="minor">
-            <a:schemeClr val="tx1"/>
-          </a:fontRef>
-        </p:style>
-      </p:cxnSp>
-      <p:sp>
-        <p:nvSpPr>
-          <p:cNvPr id="10" name="Rectangle 9"/>
-          <p:cNvSpPr/>
-          <p:nvPr/>
-        </p:nvSpPr>
-        <p:spPr>
-          <a:xfrm flipH="1">
-            <a:off x="-3" y="1419726"/>
-            <a:ext cx="192507" cy="1528009"/>
-          </a:xfrm>
-          <a:prstGeom prst="rect">
-            <a:avLst/>
-          </a:prstGeom>
-          <a:solidFill>
-            <a:srgbClr val="507392"/>
-          </a:solidFill>
-          <a:ln>
-            <a:noFill/>
-          </a:ln>
-        </p:spPr>
-        <p:style>
-          <a:lnRef idx="2">
-            <a:schemeClr val="accent1">
-              <a:shade val="50000"/>
-            </a:schemeClr>
-          </a:lnRef>
-          <a:fillRef idx="1">
-            <a:schemeClr val="accent1"/>
-          </a:fillRef>
-          <a:effectRef idx="0">
-            <a:schemeClr val="accent1"/>
-          </a:effectRef>
-          <a:fontRef idx="minor">
-            <a:schemeClr val="lt1"/>
-          </a:fontRef>
-        </p:style>
-        <p:txBody>
-          <a:bodyPr rtlCol="0" anchor="ctr"/>
-          <a:lstStyle/>
-          <a:p>
-            <a:pPr algn="ctr"/>
-            <a:endParaRPr lang="en-US">
-              <a:solidFill>
-                <a:srgbClr val="2C9398"/>
-              </a:solidFill>
-            </a:endParaRPr>
-          </a:p>
-        </p:txBody>
-      </p:sp>
-      <p:cxnSp>
-        <p:nvCxnSpPr>
-          <p:cNvPr id="18" name="Straight Connector 17"/>
-          <p:cNvCxnSpPr/>
-          <p:nvPr/>
-        </p:nvCxnSpPr>
-        <p:spPr>
-          <a:xfrm flipV="1">
-            <a:off x="12190592" y="12771979"/>
-            <a:ext cx="21772" cy="504917"/>
-          </a:xfrm>
-          <a:prstGeom prst="line">
-            <a:avLst/>
-          </a:prstGeom>
-          <a:ln w="50800">
-            <a:solidFill>
-              <a:srgbClr val="507392"/>
-            </a:solidFill>
-          </a:ln>
-        </p:spPr>
-        <p:style>
-          <a:lnRef idx="1">
-            <a:schemeClr val="accent1"/>
-          </a:lnRef>
-          <a:fillRef idx="0">
-            <a:schemeClr val="accent1"/>
-          </a:fillRef>
-          <a:effectRef idx="0">
-            <a:schemeClr val="accent1"/>
-          </a:effectRef>
-          <a:fontRef idx="minor">
-            <a:schemeClr val="tx1"/>
-          </a:fontRef>
-        </p:style>
-      </p:cxnSp>
-      <p:sp>
-        <p:nvSpPr>
-          <p:cNvPr id="19" name="TextBox 18"/>
-          <p:cNvSpPr txBox="1"/>
-          <p:nvPr/>
-        </p:nvSpPr>
-        <p:spPr>
-          <a:xfrm>
-            <a:off x="3169056" y="1204036"/>
-            <a:ext cx="9021535" cy="2123658"/>
-          </a:xfrm>
-          <a:prstGeom prst="rect">
-            <a:avLst/>
-          </a:prstGeom>
-          <a:noFill/>
-        </p:spPr>
-        <p:txBody>
-          <a:bodyPr wrap="square" rtlCol="0">
-            <a:spAutoFit/>
-          </a:bodyPr>
-          <a:lstStyle/>
-          <a:p>
-            <a:r>
-              <a:rPr lang="tr-TR" sz="6600" spc="100" dirty="0" smtClean="0">
-                <a:solidFill>
-                  <a:srgbClr val="507392"/>
-                </a:solidFill>
-                <a:latin typeface="Bebas Neue Bold" panose="020B0606020202050201" pitchFamily="34" charset="-94"/>
-                <a:ea typeface="Open Sans" panose="020B0606030504020204" pitchFamily="34" charset="0"/>
-                <a:cs typeface="Open Sans" panose="020B0606030504020204" pitchFamily="34" charset="0"/>
-              </a:rPr>
-              <a:t>A</a:t>
-            </a:r>
-            <a:r>
-              <a:rPr lang="es-ES" sz="6600" spc="100" dirty="0" err="1" smtClean="0">
-                <a:solidFill>
-                  <a:srgbClr val="507392"/>
-                </a:solidFill>
-                <a:latin typeface="Bebas Neue Bold" panose="020B0606020202050201" pitchFamily="34" charset="-94"/>
-                <a:ea typeface="Open Sans" panose="020B0606030504020204" pitchFamily="34" charset="0"/>
-                <a:cs typeface="Open Sans" panose="020B0606030504020204" pitchFamily="34" charset="0"/>
-              </a:rPr>
-              <a:t>nálisis</a:t>
-            </a:r>
-            <a:r>
-              <a:rPr lang="es-ES" sz="6600" spc="100" dirty="0" smtClean="0">
-                <a:solidFill>
-                  <a:srgbClr val="507392"/>
-                </a:solidFill>
-                <a:latin typeface="Bebas Neue Bold" panose="020B0606020202050201" pitchFamily="34" charset="-94"/>
-                <a:ea typeface="Open Sans" panose="020B0606030504020204" pitchFamily="34" charset="0"/>
-                <a:cs typeface="Open Sans" panose="020B0606030504020204" pitchFamily="34" charset="0"/>
-              </a:rPr>
-              <a:t> técnico</a:t>
-            </a:r>
-            <a:endParaRPr lang="tr-TR" sz="6600" spc="100" dirty="0">
-              <a:solidFill>
-                <a:srgbClr val="507392"/>
-              </a:solidFill>
-              <a:latin typeface="Bebas Neue Bold" panose="020B0606020202050201" pitchFamily="34" charset="-94"/>
-              <a:ea typeface="Open Sans" panose="020B0606030504020204" pitchFamily="34" charset="0"/>
-              <a:cs typeface="Open Sans" panose="020B0606030504020204" pitchFamily="34" charset="0"/>
-            </a:endParaRPr>
-          </a:p>
-          <a:p>
-            <a:r>
-              <a:rPr lang="es-ES" sz="6600" spc="100" dirty="0" err="1" smtClean="0">
-                <a:solidFill>
-                  <a:srgbClr val="507392"/>
-                </a:solidFill>
-                <a:latin typeface="Bebas Neue Bold" panose="020B0606020202050201" pitchFamily="34" charset="-94"/>
-                <a:ea typeface="Open Sans" panose="020B0606030504020204" pitchFamily="34" charset="0"/>
-                <a:cs typeface="Open Sans" panose="020B0606030504020204" pitchFamily="34" charset="0"/>
-              </a:rPr>
-              <a:t>Chartista</a:t>
-            </a:r>
-            <a:endParaRPr lang="tr-TR" sz="6600" spc="100" dirty="0">
-              <a:solidFill>
-                <a:srgbClr val="507392"/>
-              </a:solidFill>
-              <a:latin typeface="Bebas Neue Bold" panose="020B0606020202050201" pitchFamily="34" charset="-94"/>
-              <a:ea typeface="Open Sans" panose="020B0606030504020204" pitchFamily="34" charset="0"/>
-              <a:cs typeface="Open Sans" panose="020B0606030504020204" pitchFamily="34" charset="0"/>
-            </a:endParaRPr>
-          </a:p>
-        </p:txBody>
-      </p:sp>
-      <p:sp>
-        <p:nvSpPr>
-          <p:cNvPr id="27" name="TextBox 7"/>
-          <p:cNvSpPr txBox="1"/>
-          <p:nvPr/>
-        </p:nvSpPr>
-        <p:spPr>
-          <a:xfrm>
-            <a:off x="10508125" y="12793750"/>
-            <a:ext cx="8051729" cy="492443"/>
-          </a:xfrm>
-          <a:prstGeom prst="rect">
-            <a:avLst/>
-          </a:prstGeom>
-          <a:noFill/>
-        </p:spPr>
-        <p:txBody>
-          <a:bodyPr wrap="square" rtlCol="0">
-            <a:spAutoFit/>
-          </a:bodyPr>
-          <a:lstStyle/>
-          <a:p>
-            <a:pPr algn="ctr"/>
-            <a:r>
-              <a:rPr lang="es-ES" sz="2600" spc="300" dirty="0" smtClean="0">
-                <a:solidFill>
-                  <a:srgbClr val="507392"/>
-                </a:solidFill>
-                <a:latin typeface="Bebas Neue Bold" panose="020B0606020202050201" pitchFamily="34" charset="-94"/>
-                <a:ea typeface="Open Sans" panose="020B0606030504020204" pitchFamily="34" charset="0"/>
-                <a:cs typeface="Open Sans" panose="020B0606030504020204" pitchFamily="34" charset="0"/>
-              </a:rPr>
-              <a:t>TRADE &amp; INVESTMENT</a:t>
-            </a:r>
-            <a:endParaRPr lang="en-US" sz="2600" spc="300" dirty="0">
-              <a:solidFill>
-                <a:srgbClr val="507392"/>
-              </a:solidFill>
-              <a:latin typeface="Bebas Neue Bold" panose="020B0606020202050201" pitchFamily="34" charset="-94"/>
-              <a:ea typeface="Open Sans" panose="020B0606030504020204" pitchFamily="34" charset="0"/>
-              <a:cs typeface="Open Sans" panose="020B0606030504020204" pitchFamily="34" charset="0"/>
-            </a:endParaRPr>
-          </a:p>
-        </p:txBody>
-      </p:sp>
-      <p:sp>
-        <p:nvSpPr>
-          <p:cNvPr id="29" name="TextBox 22"/>
-          <p:cNvSpPr txBox="1"/>
-          <p:nvPr/>
-        </p:nvSpPr>
-        <p:spPr>
-          <a:xfrm>
-            <a:off x="18699911" y="12793750"/>
-            <a:ext cx="3021645" cy="492443"/>
-          </a:xfrm>
-          <a:prstGeom prst="rect">
-            <a:avLst/>
-          </a:prstGeom>
-          <a:noFill/>
-        </p:spPr>
-        <p:txBody>
-          <a:bodyPr wrap="square" rtlCol="0">
-            <a:spAutoFit/>
-          </a:bodyPr>
-          <a:lstStyle/>
-          <a:p>
-            <a:pPr algn="ctr"/>
-            <a:r>
-              <a:rPr lang="tr-TR" sz="2600" spc="300" smtClean="0">
-                <a:solidFill>
-                  <a:srgbClr val="507392"/>
-                </a:solidFill>
-                <a:latin typeface="Bebas Neue Bold" panose="020B0606020202050201" pitchFamily="34" charset="-94"/>
-                <a:ea typeface="Open Sans" panose="020B0606030504020204" pitchFamily="34" charset="0"/>
-                <a:cs typeface="Open Sans" panose="020B0606030504020204" pitchFamily="34" charset="0"/>
-              </a:rPr>
-              <a:t>PRACTICA</a:t>
-            </a:r>
-            <a:endParaRPr lang="en-US" sz="2600" spc="300" dirty="0">
-              <a:solidFill>
-                <a:srgbClr val="507392"/>
-              </a:solidFill>
-              <a:latin typeface="Bebas Neue Bold" panose="020B0606020202050201" pitchFamily="34" charset="-94"/>
-              <a:ea typeface="Open Sans" panose="020B0606030504020204" pitchFamily="34" charset="0"/>
-              <a:cs typeface="Open Sans" panose="020B0606030504020204" pitchFamily="34" charset="0"/>
-            </a:endParaRPr>
-          </a:p>
-        </p:txBody>
-      </p:sp>
-      <p:sp>
-        <p:nvSpPr>
-          <p:cNvPr id="3" name="Marcador de número de diapositiva 2"/>
-          <p:cNvSpPr>
-            <a:spLocks noGrp="1"/>
-          </p:cNvSpPr>
-          <p:nvPr>
-            <p:ph type="sldNum" sz="quarter" idx="12"/>
-          </p:nvPr>
-        </p:nvSpPr>
-        <p:spPr/>
-        <p:txBody>
-          <a:bodyPr/>
-          <a:lstStyle/>
-          <a:p>
-            <a:r>
-              <a:rPr lang="en-US" dirty="0"/>
-              <a:t>5</a:t>
-            </a:r>
-          </a:p>
-        </p:txBody>
-      </p:sp>
-      <p:pic>
-        <p:nvPicPr>
-          <p:cNvPr id="7170" name="Picture 2"/>
-          <p:cNvPicPr>
-            <a:picLocks noChangeAspect="1" noChangeArrowheads="1"/>
-          </p:cNvPicPr>
-          <p:nvPr/>
-        </p:nvPicPr>
-        <p:blipFill>
-          <a:blip r:embed="rId3">
-            <a:extLst>
-              <a:ext uri="{28A0092B-C50C-407E-A947-70E740481C1C}">
-                <a14:useLocalDpi xmlns:a14="http://schemas.microsoft.com/office/drawing/2010/main" val="0"/>
-              </a:ext>
-            </a:extLst>
-          </a:blip>
-          <a:srcRect/>
-          <a:stretch>
-            <a:fillRect/>
-          </a:stretch>
-        </p:blipFill>
-        <p:spPr bwMode="auto">
-          <a:xfrm>
-            <a:off x="8790305" y="2478408"/>
-            <a:ext cx="15015159" cy="6533928"/>
-          </a:xfrm>
-          <a:prstGeom prst="rect">
-            <a:avLst/>
-          </a:prstGeom>
-          <a:noFill/>
-          <a:ln>
-            <a:noFill/>
-          </a:ln>
-          <a:extLst>
-            <a:ext uri="{909E8E84-426E-40DD-AFC4-6F175D3DCCD1}">
-              <a14:hiddenFill xmlns:a14="http://schemas.microsoft.com/office/drawing/2010/main">
-                <a:solidFill>
-                  <a:schemeClr val="accent1"/>
-                </a:solidFill>
-              </a14:hiddenFill>
-            </a:ext>
-            <a:ext uri="{91240B29-F687-4F45-9708-019B960494DF}">
-              <a14:hiddenLine xmlns:a14="http://schemas.microsoft.com/office/drawing/2010/main" w="9525">
-                <a:solidFill>
-                  <a:schemeClr val="tx1"/>
-                </a:solidFill>
-                <a:miter lim="800000"/>
-                <a:headEnd/>
-                <a:tailEnd/>
-              </a14:hiddenLine>
-            </a:ext>
-          </a:extLst>
-        </p:spPr>
-      </p:pic>
-      <p:sp>
-        <p:nvSpPr>
-          <p:cNvPr id="13" name="Rectangle 12"/>
-          <p:cNvSpPr/>
-          <p:nvPr/>
-        </p:nvSpPr>
-        <p:spPr>
-          <a:xfrm>
-            <a:off x="1620536" y="9830483"/>
-            <a:ext cx="21807023" cy="3785652"/>
-          </a:xfrm>
-          <a:prstGeom prst="rect">
-            <a:avLst/>
-          </a:prstGeom>
-        </p:spPr>
-        <p:txBody>
-          <a:bodyPr wrap="square">
-            <a:spAutoFit/>
-          </a:bodyPr>
-          <a:lstStyle/>
-          <a:p>
-            <a:pPr marL="342900" indent="-342900">
-              <a:buFont typeface="Arial" charset="0"/>
-              <a:buChar char="•"/>
-            </a:pPr>
-            <a:r>
-              <a:rPr lang="es-ES_tradnl" sz="2400" dirty="0" smtClean="0">
-                <a:solidFill>
-                  <a:schemeClr val="bg2">
-                    <a:lumMod val="50000"/>
-                  </a:schemeClr>
-                </a:solidFill>
-                <a:latin typeface="Open Sans" panose="020B0606030504020204" pitchFamily="34" charset="0"/>
-                <a:ea typeface="Open Sans" panose="020B0606030504020204" pitchFamily="34" charset="0"/>
-                <a:cs typeface="Open Sans" panose="020B0606030504020204" pitchFamily="34" charset="0"/>
-              </a:rPr>
-              <a:t>Parece que hay una tendencia histórica alcista, al menos el ultimo año. De hecho, los últimos mínimos son alcistas, por lo que estaría bien ver si rompe la barrera de los 19.000, en cuyo caso podría continuar la tendencia alcista. También cabe la posibilidad de ser un hombro cabeza hombro, y que tras el segundo hombro se desplome el valor.</a:t>
-            </a:r>
-          </a:p>
-          <a:p>
-            <a:pPr marL="342900" indent="-342900">
-              <a:buFont typeface="Arial" charset="0"/>
-              <a:buChar char="•"/>
-            </a:pPr>
-            <a:r>
-              <a:rPr lang="es-ES_tradnl" sz="2400" dirty="0" smtClean="0">
-                <a:solidFill>
-                  <a:schemeClr val="bg2">
-                    <a:lumMod val="50000"/>
-                  </a:schemeClr>
-                </a:solidFill>
-                <a:latin typeface="Open Sans" panose="020B0606030504020204" pitchFamily="34" charset="0"/>
-                <a:ea typeface="Open Sans" panose="020B0606030504020204" pitchFamily="34" charset="0"/>
-                <a:cs typeface="Open Sans" panose="020B0606030504020204" pitchFamily="34" charset="0"/>
-              </a:rPr>
-              <a:t>Sin embargo, el RSI está a mínimo lo que indica que no hay ninguna fuerza</a:t>
-            </a:r>
-          </a:p>
-          <a:p>
-            <a:pPr marL="342900" indent="-342900">
-              <a:buFont typeface="Arial" charset="0"/>
-              <a:buChar char="•"/>
-            </a:pPr>
-            <a:r>
-              <a:rPr lang="es-ES_tradnl" sz="2400" dirty="0" smtClean="0">
-                <a:solidFill>
-                  <a:schemeClr val="bg2">
-                    <a:lumMod val="50000"/>
-                  </a:schemeClr>
-                </a:solidFill>
-                <a:latin typeface="Open Sans" panose="020B0606030504020204" pitchFamily="34" charset="0"/>
-                <a:ea typeface="Open Sans" panose="020B0606030504020204" pitchFamily="34" charset="0"/>
-                <a:cs typeface="Open Sans" panose="020B0606030504020204" pitchFamily="34" charset="0"/>
-              </a:rPr>
-              <a:t>También el volumen nos indica que no hay mucho volumen en movimiento lo que indica que no es buen momento de invertir</a:t>
-            </a:r>
-          </a:p>
-          <a:p>
-            <a:pPr marL="342900" indent="-342900">
-              <a:buFont typeface="Arial" charset="0"/>
-              <a:buChar char="•"/>
-            </a:pPr>
-            <a:r>
-              <a:rPr lang="es-ES_tradnl" sz="2400" dirty="0" smtClean="0">
-                <a:solidFill>
-                  <a:schemeClr val="bg2">
-                    <a:lumMod val="50000"/>
-                  </a:schemeClr>
-                </a:solidFill>
-                <a:latin typeface="Open Sans" panose="020B0606030504020204" pitchFamily="34" charset="0"/>
-                <a:ea typeface="Open Sans" panose="020B0606030504020204" pitchFamily="34" charset="0"/>
-                <a:cs typeface="Open Sans" panose="020B0606030504020204" pitchFamily="34" charset="0"/>
-              </a:rPr>
-              <a:t>Las medias móviles no se cruzan (al menos la mayor y la menor), por lo que tampoco es indicativo de que sea un buen momento, ni para vender ni para comprar.</a:t>
-            </a:r>
-            <a:endParaRPr lang="es-ES_tradnl" sz="2400" dirty="0">
-              <a:solidFill>
-                <a:schemeClr val="bg2">
-                  <a:lumMod val="50000"/>
-                </a:schemeClr>
-              </a:solidFill>
-              <a:latin typeface="Open Sans" panose="020B0606030504020204" pitchFamily="34" charset="0"/>
-              <a:ea typeface="Open Sans" panose="020B0606030504020204" pitchFamily="34" charset="0"/>
-              <a:cs typeface="Open Sans" panose="020B0606030504020204" pitchFamily="34" charset="0"/>
-            </a:endParaRPr>
-          </a:p>
-          <a:p>
-            <a:pPr marL="342900" indent="-342900">
-              <a:buFont typeface="Arial" charset="0"/>
-              <a:buChar char="•"/>
-            </a:pPr>
-            <a:r>
-              <a:rPr lang="es-ES_tradnl" sz="2400" dirty="0" smtClean="0">
-                <a:solidFill>
-                  <a:schemeClr val="bg2">
-                    <a:lumMod val="50000"/>
-                  </a:schemeClr>
-                </a:solidFill>
-                <a:latin typeface="Open Sans" panose="020B0606030504020204" pitchFamily="34" charset="0"/>
-                <a:ea typeface="Open Sans" panose="020B0606030504020204" pitchFamily="34" charset="0"/>
-                <a:cs typeface="Open Sans" panose="020B0606030504020204" pitchFamily="34" charset="0"/>
-              </a:rPr>
-              <a:t>Aunque los indicadores muestran que no es el momento idóneo de invertir, o salirse, si que parece claro que es el momento en que habrá un cambio de tendencia, posiblemente al alza.</a:t>
-            </a:r>
-            <a:endParaRPr lang="es-ES_tradnl" sz="2200" dirty="0" smtClean="0">
-              <a:solidFill>
-                <a:schemeClr val="bg2">
-                  <a:lumMod val="50000"/>
-                </a:schemeClr>
-              </a:solidFill>
-              <a:latin typeface="Open Sans" panose="020B0606030504020204" pitchFamily="34" charset="0"/>
-              <a:ea typeface="Open Sans" panose="020B0606030504020204" pitchFamily="34" charset="0"/>
-              <a:cs typeface="Open Sans" panose="020B0606030504020204" pitchFamily="34" charset="0"/>
-            </a:endParaRPr>
-          </a:p>
-          <a:p>
-            <a:pPr marL="1257300" lvl="1" indent="-342900">
-              <a:buFont typeface="Arial" charset="0"/>
-              <a:buChar char="•"/>
-            </a:pPr>
-            <a:endParaRPr lang="es-ES_tradnl" sz="2400" dirty="0" smtClean="0">
-              <a:solidFill>
-                <a:schemeClr val="bg2">
-                  <a:lumMod val="50000"/>
-                </a:schemeClr>
-              </a:solidFill>
-              <a:latin typeface="Open Sans" panose="020B0606030504020204" pitchFamily="34" charset="0"/>
-              <a:ea typeface="Open Sans" panose="020B0606030504020204" pitchFamily="34" charset="0"/>
-              <a:cs typeface="Open Sans" panose="020B0606030504020204" pitchFamily="34" charset="0"/>
-            </a:endParaRPr>
-          </a:p>
-        </p:txBody>
-      </p:sp>
-      <p:sp>
-        <p:nvSpPr>
-          <p:cNvPr id="15" name="Rectangle 14"/>
-          <p:cNvSpPr/>
-          <p:nvPr/>
-        </p:nvSpPr>
-        <p:spPr>
-          <a:xfrm>
-            <a:off x="1620536" y="3943040"/>
-            <a:ext cx="4242853" cy="3416320"/>
-          </a:xfrm>
-          <a:prstGeom prst="rect">
-            <a:avLst/>
-          </a:prstGeom>
-        </p:spPr>
-        <p:txBody>
-          <a:bodyPr wrap="square">
-            <a:spAutoFit/>
-          </a:bodyPr>
-          <a:lstStyle/>
-          <a:p>
-            <a:pPr marL="342900" indent="-342900">
-              <a:buFont typeface="Arial" charset="0"/>
-              <a:buChar char="•"/>
-            </a:pPr>
-            <a:r>
-              <a:rPr lang="es-ES_tradnl" sz="2400" dirty="0" smtClean="0">
-                <a:solidFill>
-                  <a:schemeClr val="bg2">
-                    <a:lumMod val="50000"/>
-                  </a:schemeClr>
-                </a:solidFill>
-                <a:latin typeface="Open Sans" panose="020B0606030504020204" pitchFamily="34" charset="0"/>
-                <a:ea typeface="Open Sans" panose="020B0606030504020204" pitchFamily="34" charset="0"/>
-                <a:cs typeface="Open Sans" panose="020B0606030504020204" pitchFamily="34" charset="0"/>
-              </a:rPr>
-              <a:t>Se ha utilizado en el gráfico 5 tipos de información distinta:</a:t>
-            </a:r>
-          </a:p>
-          <a:p>
-            <a:pPr marL="342900" indent="-342900">
-              <a:buFont typeface="Arial" charset="0"/>
-              <a:buChar char="•"/>
-            </a:pPr>
-            <a:r>
-              <a:rPr lang="es-ES_tradnl" sz="2400" dirty="0" smtClean="0">
-                <a:solidFill>
-                  <a:schemeClr val="bg2">
-                    <a:lumMod val="50000"/>
-                  </a:schemeClr>
-                </a:solidFill>
-                <a:latin typeface="Open Sans" panose="020B0606030504020204" pitchFamily="34" charset="0"/>
-                <a:ea typeface="Open Sans" panose="020B0606030504020204" pitchFamily="34" charset="0"/>
-                <a:cs typeface="Open Sans" panose="020B0606030504020204" pitchFamily="34" charset="0"/>
-              </a:rPr>
-              <a:t>Canales</a:t>
-            </a:r>
-          </a:p>
-          <a:p>
-            <a:pPr marL="342900" indent="-342900">
-              <a:buFont typeface="Arial" charset="0"/>
-              <a:buChar char="•"/>
-            </a:pPr>
-            <a:r>
-              <a:rPr lang="es-ES_tradnl" sz="2400" dirty="0" smtClean="0">
-                <a:solidFill>
-                  <a:schemeClr val="bg2">
-                    <a:lumMod val="50000"/>
-                  </a:schemeClr>
-                </a:solidFill>
-                <a:latin typeface="Open Sans" panose="020B0606030504020204" pitchFamily="34" charset="0"/>
-                <a:ea typeface="Open Sans" panose="020B0606030504020204" pitchFamily="34" charset="0"/>
-                <a:cs typeface="Open Sans" panose="020B0606030504020204" pitchFamily="34" charset="0"/>
-              </a:rPr>
-              <a:t>Líneas de tendencia</a:t>
-            </a:r>
-          </a:p>
-          <a:p>
-            <a:pPr marL="342900" indent="-342900">
-              <a:buFont typeface="Arial" charset="0"/>
-              <a:buChar char="•"/>
-            </a:pPr>
-            <a:r>
-              <a:rPr lang="es-ES_tradnl" sz="2400" dirty="0" smtClean="0">
-                <a:solidFill>
-                  <a:schemeClr val="bg2">
-                    <a:lumMod val="50000"/>
-                  </a:schemeClr>
-                </a:solidFill>
-                <a:latin typeface="Open Sans" panose="020B0606030504020204" pitchFamily="34" charset="0"/>
-                <a:ea typeface="Open Sans" panose="020B0606030504020204" pitchFamily="34" charset="0"/>
-                <a:cs typeface="Open Sans" panose="020B0606030504020204" pitchFamily="34" charset="0"/>
-              </a:rPr>
-              <a:t>Volumen</a:t>
-            </a:r>
-          </a:p>
-          <a:p>
-            <a:pPr marL="342900" indent="-342900">
-              <a:buFont typeface="Arial" charset="0"/>
-              <a:buChar char="•"/>
-            </a:pPr>
-            <a:r>
-              <a:rPr lang="es-ES_tradnl" sz="2400" dirty="0" smtClean="0">
-                <a:solidFill>
-                  <a:schemeClr val="bg2">
-                    <a:lumMod val="50000"/>
-                  </a:schemeClr>
-                </a:solidFill>
-                <a:latin typeface="Open Sans" panose="020B0606030504020204" pitchFamily="34" charset="0"/>
-                <a:ea typeface="Open Sans" panose="020B0606030504020204" pitchFamily="34" charset="0"/>
-                <a:cs typeface="Open Sans" panose="020B0606030504020204" pitchFamily="34" charset="0"/>
-              </a:rPr>
-              <a:t>RSI </a:t>
-            </a:r>
-          </a:p>
-          <a:p>
-            <a:pPr marL="342900" indent="-342900">
-              <a:buFont typeface="Arial" charset="0"/>
-              <a:buChar char="•"/>
-            </a:pPr>
-            <a:r>
-              <a:rPr lang="es-ES_tradnl" sz="2400" dirty="0" smtClean="0">
-                <a:solidFill>
-                  <a:schemeClr val="bg2">
-                    <a:lumMod val="50000"/>
-                  </a:schemeClr>
-                </a:solidFill>
-                <a:latin typeface="Open Sans" panose="020B0606030504020204" pitchFamily="34" charset="0"/>
-                <a:ea typeface="Open Sans" panose="020B0606030504020204" pitchFamily="34" charset="0"/>
-                <a:cs typeface="Open Sans" panose="020B0606030504020204" pitchFamily="34" charset="0"/>
-              </a:rPr>
-              <a:t>Medias Móviles </a:t>
-            </a:r>
-            <a:endParaRPr lang="es-ES_tradnl" sz="2200" dirty="0" smtClean="0">
-              <a:solidFill>
-                <a:schemeClr val="bg2">
-                  <a:lumMod val="50000"/>
-                </a:schemeClr>
-              </a:solidFill>
-              <a:latin typeface="Open Sans" panose="020B0606030504020204" pitchFamily="34" charset="0"/>
-              <a:ea typeface="Open Sans" panose="020B0606030504020204" pitchFamily="34" charset="0"/>
-              <a:cs typeface="Open Sans" panose="020B0606030504020204" pitchFamily="34" charset="0"/>
-            </a:endParaRPr>
-          </a:p>
-          <a:p>
-            <a:pPr marL="1257300" lvl="1" indent="-342900">
-              <a:buFont typeface="Arial" charset="0"/>
-              <a:buChar char="•"/>
-            </a:pPr>
-            <a:endParaRPr lang="es-ES_tradnl" sz="2400" dirty="0" smtClean="0">
-              <a:solidFill>
-                <a:schemeClr val="bg2">
-                  <a:lumMod val="50000"/>
-                </a:schemeClr>
-              </a:solidFill>
-              <a:latin typeface="Open Sans" panose="020B0606030504020204" pitchFamily="34" charset="0"/>
-              <a:ea typeface="Open Sans" panose="020B0606030504020204" pitchFamily="34" charset="0"/>
-              <a:cs typeface="Open Sans" panose="020B0606030504020204" pitchFamily="34" charset="0"/>
-            </a:endParaRPr>
-          </a:p>
-        </p:txBody>
-      </p:sp>
-    </p:spTree>
-    <p:extLst>
-      <p:ext uri="{BB962C8B-B14F-4D97-AF65-F5344CB8AC3E}">
-        <p14:creationId xmlns:p14="http://schemas.microsoft.com/office/powerpoint/2010/main" val="870360862"/>
-      </p:ext>
-    </p:extLst>
-  </p:cSld>
-  <p:clrMapOvr>
-    <a:masterClrMapping/>
-  </p:clrMapOvr>
-  <mc:AlternateContent xmlns:mc="http://schemas.openxmlformats.org/markup-compatibility/2006" xmlns:p14="http://schemas.microsoft.com/office/powerpoint/2010/main">
-    <mc:Choice Requires="p14">
-      <p:transition spd="med" p14:dur="700">
-        <p:fade/>
-      </p:transition>
-    </mc:Choice>
-    <mc:Fallback xmlns="">
-      <p:transition spd="med">
-        <p:fade/>
-      </p:transition>
-    </mc:Fallback>
-  </mc:AlternateContent>
-  <p:timing>
-    <p:tnLst>
-      <p:par>
-        <p:cTn id="1" dur="indefinite" restart="never" nodeType="tmRoot"/>
-      </p:par>
-    </p:tnLst>
-  </p:timing>
-</p:sld>
-</file>
-
-<file path=ppt/slides/slide11.xml><?xml version="1.0" encoding="utf-8"?>
-<p:sld xmlns:a="http://schemas.openxmlformats.org/drawingml/2006/main" xmlns:r="http://schemas.openxmlformats.org/officeDocument/2006/relationships" xmlns:p="http://schemas.openxmlformats.org/presentationml/2006/main">
-  <p:cSld>
-    <p:bg>
-      <p:bgPr>
-        <a:solidFill>
-          <a:schemeClr val="bg1"/>
-        </a:solidFill>
-        <a:effectLst/>
-      </p:bgPr>
-    </p:bg>
-    <p:spTree>
-      <p:nvGrpSpPr>
-        <p:cNvPr id="1" name=""/>
-        <p:cNvGrpSpPr/>
-        <p:nvPr/>
-      </p:nvGrpSpPr>
-      <p:grpSpPr>
-        <a:xfrm>
-          <a:off x="0" y="0"/>
-          <a:ext cx="0" cy="0"/>
-          <a:chOff x="0" y="0"/>
-          <a:chExt cx="0" cy="0"/>
-        </a:xfrm>
-      </p:grpSpPr>
-      <p:cxnSp>
-        <p:nvCxnSpPr>
-          <p:cNvPr id="20" name="Straight Connector 19"/>
-          <p:cNvCxnSpPr/>
-          <p:nvPr/>
-        </p:nvCxnSpPr>
-        <p:spPr>
-          <a:xfrm>
-            <a:off x="9030290" y="6716541"/>
-            <a:ext cx="6200078" cy="0"/>
-          </a:xfrm>
-          <a:prstGeom prst="line">
-            <a:avLst/>
-          </a:prstGeom>
-          <a:ln w="50800">
-            <a:solidFill>
-              <a:srgbClr val="507392"/>
-            </a:solidFill>
-          </a:ln>
-        </p:spPr>
-        <p:style>
-          <a:lnRef idx="1">
-            <a:schemeClr val="accent1"/>
-          </a:lnRef>
-          <a:fillRef idx="0">
-            <a:schemeClr val="accent1"/>
-          </a:fillRef>
-          <a:effectRef idx="0">
-            <a:schemeClr val="accent1"/>
-          </a:effectRef>
-          <a:fontRef idx="minor">
-            <a:schemeClr val="tx1"/>
-          </a:fontRef>
-        </p:style>
-      </p:cxnSp>
-      <p:sp>
-        <p:nvSpPr>
-          <p:cNvPr id="77" name="TextBox 76"/>
-          <p:cNvSpPr txBox="1"/>
-          <p:nvPr/>
-        </p:nvSpPr>
-        <p:spPr>
-          <a:xfrm>
-            <a:off x="7268317" y="7081375"/>
-            <a:ext cx="9861143" cy="1107996"/>
-          </a:xfrm>
-          <a:prstGeom prst="rect">
-            <a:avLst/>
-          </a:prstGeom>
-          <a:noFill/>
-        </p:spPr>
-        <p:txBody>
-          <a:bodyPr wrap="square" rtlCol="0">
-            <a:spAutoFit/>
-          </a:bodyPr>
-          <a:lstStyle/>
-          <a:p>
-            <a:pPr algn="ctr"/>
-            <a:r>
-              <a:rPr lang="tr-TR" sz="6600" spc="100" dirty="0" smtClean="0">
-                <a:solidFill>
-                  <a:srgbClr val="507392"/>
-                </a:solidFill>
-                <a:latin typeface="Bebas Neue Bold" panose="020B0606020202050201" pitchFamily="34" charset="-94"/>
-                <a:ea typeface="Open Sans" panose="020B0606030504020204" pitchFamily="34" charset="0"/>
-                <a:cs typeface="Open Sans" panose="020B0606030504020204" pitchFamily="34" charset="0"/>
-              </a:rPr>
-              <a:t>MUCHAS GRACIAS</a:t>
-            </a:r>
-            <a:endParaRPr lang="en-US" sz="6600" spc="100" dirty="0">
-              <a:solidFill>
-                <a:srgbClr val="507392"/>
-              </a:solidFill>
-              <a:latin typeface="Bebas Neue Bold" panose="020B0606020202050201" pitchFamily="34" charset="-94"/>
-              <a:ea typeface="Open Sans" panose="020B0606030504020204" pitchFamily="34" charset="0"/>
-              <a:cs typeface="Open Sans" panose="020B0606030504020204" pitchFamily="34" charset="0"/>
-            </a:endParaRPr>
-          </a:p>
-        </p:txBody>
-      </p:sp>
-      <p:pic>
-        <p:nvPicPr>
-          <p:cNvPr id="10" name="Picture 9"/>
-          <p:cNvPicPr>
-            <a:picLocks noChangeAspect="1"/>
-          </p:cNvPicPr>
-          <p:nvPr/>
-        </p:nvPicPr>
-        <p:blipFill>
-          <a:blip r:embed="rId2"/>
-          <a:stretch>
-            <a:fillRect/>
-          </a:stretch>
-        </p:blipFill>
-        <p:spPr>
-          <a:xfrm>
-            <a:off x="11606475" y="4802684"/>
-            <a:ext cx="1091250" cy="933750"/>
-          </a:xfrm>
-          <a:prstGeom prst="rect">
-            <a:avLst/>
-          </a:prstGeom>
-        </p:spPr>
-      </p:pic>
-      <p:sp>
-        <p:nvSpPr>
-          <p:cNvPr id="2" name="Marcador de número de diapositiva 1"/>
-          <p:cNvSpPr>
-            <a:spLocks noGrp="1"/>
-          </p:cNvSpPr>
-          <p:nvPr>
-            <p:ph type="sldNum" sz="quarter" idx="12"/>
-          </p:nvPr>
-        </p:nvSpPr>
-        <p:spPr/>
-        <p:txBody>
-          <a:bodyPr/>
-          <a:lstStyle/>
-          <a:p>
-            <a:fld id="{C7575539-BFBE-477A-BDB6-9CA7B44D81A5}" type="slidenum">
-              <a:rPr lang="en-US" smtClean="0"/>
-              <a:t>11</a:t>
-            </a:fld>
-            <a:endParaRPr lang="en-US"/>
-          </a:p>
-        </p:txBody>
-      </p:sp>
-      <p:sp>
-        <p:nvSpPr>
-          <p:cNvPr id="12" name="Oval 53"/>
-          <p:cNvSpPr/>
-          <p:nvPr/>
-        </p:nvSpPr>
-        <p:spPr>
-          <a:xfrm>
-            <a:off x="11163294" y="4235948"/>
-            <a:ext cx="1990539" cy="1990539"/>
-          </a:xfrm>
-          <a:prstGeom prst="ellipse">
-            <a:avLst/>
-          </a:prstGeom>
-          <a:solidFill>
-            <a:srgbClr val="507392"/>
-          </a:solidFill>
-          <a:ln>
-            <a:noFill/>
-          </a:ln>
-        </p:spPr>
-        <p:style>
-          <a:lnRef idx="2">
-            <a:schemeClr val="accent1">
-              <a:shade val="50000"/>
-            </a:schemeClr>
-          </a:lnRef>
-          <a:fillRef idx="1">
-            <a:schemeClr val="accent1"/>
-          </a:fillRef>
-          <a:effectRef idx="0">
-            <a:schemeClr val="accent1"/>
-          </a:effectRef>
-          <a:fontRef idx="minor">
-            <a:schemeClr val="lt1"/>
-          </a:fontRef>
-        </p:style>
-        <p:txBody>
-          <a:bodyPr rtlCol="0" anchor="ctr"/>
-          <a:lstStyle/>
-          <a:p>
-            <a:pPr algn="ctr"/>
-            <a:endParaRPr lang="en-US">
-              <a:latin typeface="Bebas Neue Bold" panose="020B0606020202050201" pitchFamily="34" charset="-94"/>
-            </a:endParaRPr>
-          </a:p>
-        </p:txBody>
-      </p:sp>
-      <p:pic>
-        <p:nvPicPr>
-          <p:cNvPr id="13" name="Picture 20"/>
-          <p:cNvPicPr>
-            <a:picLocks noChangeAspect="1"/>
-          </p:cNvPicPr>
-          <p:nvPr/>
-        </p:nvPicPr>
-        <p:blipFill>
-          <a:blip r:embed="rId3"/>
-          <a:stretch>
-            <a:fillRect/>
-          </a:stretch>
-        </p:blipFill>
-        <p:spPr>
-          <a:xfrm>
-            <a:off x="11648739" y="4834412"/>
-            <a:ext cx="1071662" cy="801333"/>
-          </a:xfrm>
-          <a:prstGeom prst="rect">
-            <a:avLst/>
-          </a:prstGeom>
-        </p:spPr>
-      </p:pic>
-    </p:spTree>
-    <p:extLst>
-      <p:ext uri="{BB962C8B-B14F-4D97-AF65-F5344CB8AC3E}">
-        <p14:creationId xmlns:p14="http://schemas.microsoft.com/office/powerpoint/2010/main" val="3152439242"/>
       </p:ext>
     </p:extLst>
   </p:cSld>
@@ -5725,20 +4179,7 @@
                 <a:ea typeface="Open Sans" panose="020B0606030504020204" pitchFamily="34" charset="0"/>
                 <a:cs typeface="Open Sans" panose="020B0606030504020204" pitchFamily="34" charset="0"/>
               </a:rPr>
-              <a:t>SLIDES 5-</a:t>
-            </a:r>
-            <a:r>
-              <a:rPr lang="es-ES" sz="3800" spc="100" dirty="0" smtClean="0">
-                <a:solidFill>
-                  <a:schemeClr val="bg2">
-                    <a:lumMod val="50000"/>
-                  </a:schemeClr>
-                </a:solidFill>
-                <a:latin typeface="Bebas Neue Bold" panose="020B0606020202050201" pitchFamily="34" charset="-94"/>
-                <a:ea typeface="Open Sans" panose="020B0606030504020204" pitchFamily="34" charset="0"/>
-                <a:cs typeface="Open Sans" panose="020B0606030504020204" pitchFamily="34" charset="0"/>
-              </a:rPr>
-              <a:t>8</a:t>
+              <a:t>SLIDES 5</a:t>
             </a:r>
             <a:endParaRPr lang="en-US" sz="3800" spc="100" dirty="0">
               <a:solidFill>
@@ -5848,7 +4289,7 @@
                 <a:ea typeface="Open Sans" panose="020B0606030504020204" pitchFamily="34" charset="0"/>
                 <a:cs typeface="Open Sans" panose="020B0606030504020204" pitchFamily="34" charset="0"/>
               </a:rPr>
-              <a:t>09-10</a:t>
+              <a:t>6</a:t>
             </a:r>
             <a:endParaRPr lang="en-US" sz="3800" spc="100" dirty="0">
               <a:solidFill>
@@ -6269,18 +4710,7 @@
                 <a:ea typeface="Open Sans" panose="020B0606030504020204" pitchFamily="34" charset="0"/>
                 <a:cs typeface="Open Sans" panose="020B0606030504020204" pitchFamily="34" charset="0"/>
               </a:rPr>
-              <a:t>Selección de </a:t>
-            </a:r>
-            <a:r>
-              <a:rPr lang="es-ES" sz="6200" spc="100" dirty="0" smtClean="0">
-                <a:solidFill>
-                  <a:srgbClr val="507392"/>
-                </a:solidFill>
-                <a:latin typeface="Bebas Neue Bold" panose="020B0606020202050201" pitchFamily="34" charset="-94"/>
-                <a:ea typeface="Open Sans" panose="020B0606030504020204" pitchFamily="34" charset="0"/>
-                <a:cs typeface="Open Sans" panose="020B0606030504020204" pitchFamily="34" charset="0"/>
-              </a:rPr>
-              <a:t>empresas e indicadores</a:t>
+              <a:t>Selección de empresas e indicadores</a:t>
             </a:r>
             <a:endParaRPr lang="tr-TR" sz="6200" spc="100" dirty="0" smtClean="0">
               <a:solidFill>
@@ -6360,7 +4790,7 @@
         <p:spPr>
           <a:xfrm>
             <a:off x="676536" y="2790469"/>
-            <a:ext cx="11535828" cy="7879080"/>
+            <a:ext cx="9213422" cy="8894743"/>
           </a:xfrm>
           <a:prstGeom prst="rect">
             <a:avLst/>
@@ -6651,7 +5081,7 @@
               <a:t>moviles</a:t>
             </a:r>
             <a:r>
-              <a:rPr lang="es-ES_tradnl" sz="2200" smtClean="0">
+              <a:rPr lang="es-ES_tradnl" sz="2200" dirty="0" smtClean="0">
                 <a:solidFill>
                   <a:schemeClr val="bg2">
                     <a:lumMod val="50000"/>
@@ -6663,16 +5093,6 @@
               </a:rPr>
               <a:t> y RSI</a:t>
             </a:r>
-            <a:endParaRPr lang="es-ES_tradnl" sz="2200" dirty="0" smtClean="0">
-              <a:solidFill>
-                <a:schemeClr val="bg2">
-                  <a:lumMod val="50000"/>
-                </a:schemeClr>
-              </a:solidFill>
-              <a:latin typeface="Open Sans" panose="020B0606030504020204" pitchFamily="34" charset="0"/>
-              <a:ea typeface="Open Sans" panose="020B0606030504020204" pitchFamily="34" charset="0"/>
-              <a:cs typeface="Open Sans" panose="020B0606030504020204" pitchFamily="34" charset="0"/>
-            </a:endParaRPr>
           </a:p>
           <a:p>
             <a:pPr marL="342900" indent="-342900">
@@ -6784,7 +5204,7 @@
       </p:sp>
       <p:pic>
         <p:nvPicPr>
-          <p:cNvPr id="1026" name="Picture 2"/>
+          <p:cNvPr id="3" name="Picture 2"/>
           <p:cNvPicPr>
             <a:picLocks noChangeAspect="1" noChangeArrowheads="1"/>
           </p:cNvPicPr>
@@ -6805,8 +5225,8 @@
         </p:blipFill>
         <p:spPr bwMode="auto">
           <a:xfrm>
-            <a:off x="13559984" y="3559910"/>
-            <a:ext cx="9363075" cy="6429375"/>
+            <a:off x="10123115" y="3428998"/>
+            <a:ext cx="13668297" cy="6966286"/>
           </a:xfrm>
           <a:prstGeom prst="rect">
             <a:avLst/>
@@ -6871,14 +5291,6 @@
 <file path=ppt/slides/slide5.xml><?xml version="1.0" encoding="utf-8"?>
 <p:sld xmlns:a="http://schemas.openxmlformats.org/drawingml/2006/main" xmlns:r="http://schemas.openxmlformats.org/officeDocument/2006/relationships" xmlns:p="http://schemas.openxmlformats.org/presentationml/2006/main">
   <p:cSld>
-    <p:bg>
-      <p:bgPr>
-        <a:solidFill>
-          <a:schemeClr val="bg1"/>
-        </a:solidFill>
-        <a:effectLst/>
-      </p:bgPr>
-    </p:bg>
     <p:spTree>
       <p:nvGrpSpPr>
         <p:cNvPr id="1" name=""/>
@@ -7015,9 +5427,64 @@
           </a:p>
         </p:txBody>
       </p:sp>
+      <p:sp>
+        <p:nvSpPr>
+          <p:cNvPr id="19" name="TextBox 18"/>
+          <p:cNvSpPr txBox="1"/>
+          <p:nvPr/>
+        </p:nvSpPr>
+        <p:spPr>
+          <a:xfrm>
+            <a:off x="3169057" y="1204036"/>
+            <a:ext cx="15530854" cy="1046440"/>
+          </a:xfrm>
+          <a:prstGeom prst="rect">
+            <a:avLst/>
+          </a:prstGeom>
+          <a:noFill/>
+        </p:spPr>
+        <p:txBody>
+          <a:bodyPr wrap="square" rtlCol="0">
+            <a:spAutoFit/>
+          </a:bodyPr>
+          <a:lstStyle/>
+          <a:p>
+            <a:r>
+              <a:rPr lang="es-ES" sz="6200" spc="100" dirty="0" smtClean="0">
+                <a:solidFill>
+                  <a:srgbClr val="507392"/>
+                </a:solidFill>
+                <a:latin typeface="Bebas Neue Bold" panose="020B0606020202050201" pitchFamily="34" charset="-94"/>
+                <a:ea typeface="Open Sans" panose="020B0606030504020204" pitchFamily="34" charset="0"/>
+                <a:cs typeface="Open Sans" panose="020B0606030504020204" pitchFamily="34" charset="0"/>
+              </a:rPr>
+              <a:t>Generación del </a:t>
+            </a:r>
+            <a:r>
+              <a:rPr lang="es-ES" sz="6200" spc="100" dirty="0" err="1" smtClean="0">
+                <a:solidFill>
+                  <a:srgbClr val="507392"/>
+                </a:solidFill>
+                <a:latin typeface="Bebas Neue Bold" panose="020B0606020202050201" pitchFamily="34" charset="-94"/>
+                <a:ea typeface="Open Sans" panose="020B0606030504020204" pitchFamily="34" charset="0"/>
+                <a:cs typeface="Open Sans" panose="020B0606030504020204" pitchFamily="34" charset="0"/>
+              </a:rPr>
+              <a:t>backtesting</a:t>
+            </a:r>
+            <a:endParaRPr lang="tr-TR" sz="6200" spc="100" dirty="0" smtClean="0">
+              <a:solidFill>
+                <a:srgbClr val="507392"/>
+              </a:solidFill>
+              <a:latin typeface="Bebas Neue Bold" panose="020B0606020202050201" pitchFamily="34" charset="-94"/>
+              <a:ea typeface="Open Sans" panose="020B0606030504020204" pitchFamily="34" charset="0"/>
+              <a:cs typeface="Open Sans" panose="020B0606030504020204" pitchFamily="34" charset="0"/>
+            </a:endParaRPr>
+          </a:p>
+        </p:txBody>
+      </p:sp>
       <p:cxnSp>
         <p:nvCxnSpPr>
-          <p:cNvPr id="18" name="Straight Connector 17"/>
+          <p:cNvPr id="28" name="Straight Connector 17"/>
           <p:cNvCxnSpPr/>
           <p:nvPr/>
         </p:nvCxnSpPr>
@@ -7052,105 +5519,41 @@
       </p:cxnSp>
       <p:sp>
         <p:nvSpPr>
-          <p:cNvPr id="19" name="TextBox 18"/>
-          <p:cNvSpPr txBox="1"/>
+          <p:cNvPr id="2" name="Marcador de número de diapositiva 1"/>
+          <p:cNvSpPr>
+            <a:spLocks noGrp="1"/>
+          </p:cNvSpPr>
+          <p:nvPr>
+            <p:ph type="sldNum" sz="quarter" idx="12"/>
+          </p:nvPr>
+        </p:nvSpPr>
+        <p:spPr/>
+        <p:txBody>
+          <a:bodyPr/>
+          <a:lstStyle/>
+          <a:p>
+            <a:fld id="{C7575539-BFBE-477A-BDB6-9CA7B44D81A5}" type="slidenum">
+              <a:rPr lang="en-US" smtClean="0"/>
+              <a:t>5</a:t>
+            </a:fld>
+            <a:endParaRPr lang="en-US"/>
+          </a:p>
+        </p:txBody>
+      </p:sp>
+      <p:sp>
+        <p:nvSpPr>
+          <p:cNvPr id="11" name="Rectangle 10"/>
+          <p:cNvSpPr/>
           <p:nvPr/>
         </p:nvSpPr>
         <p:spPr>
           <a:xfrm>
-            <a:off x="3169056" y="1204036"/>
-            <a:ext cx="9021535" cy="2123658"/>
+            <a:off x="676536" y="2790469"/>
+            <a:ext cx="9213422" cy="9910405"/>
           </a:xfrm>
           <a:prstGeom prst="rect">
             <a:avLst/>
           </a:prstGeom>
-          <a:noFill/>
-        </p:spPr>
-        <p:txBody>
-          <a:bodyPr wrap="square" rtlCol="0">
-            <a:spAutoFit/>
-          </a:bodyPr>
-          <a:lstStyle/>
-          <a:p>
-            <a:r>
-              <a:rPr lang="tr-TR" sz="6600" spc="100" dirty="0" smtClean="0">
-                <a:solidFill>
-                  <a:srgbClr val="507392"/>
-                </a:solidFill>
-                <a:latin typeface="Bebas Neue Bold" panose="020B0606020202050201" pitchFamily="34" charset="-94"/>
-                <a:ea typeface="Open Sans" panose="020B0606030504020204" pitchFamily="34" charset="0"/>
-                <a:cs typeface="Open Sans" panose="020B0606030504020204" pitchFamily="34" charset="0"/>
-              </a:rPr>
-              <a:t>A</a:t>
-            </a:r>
-            <a:r>
-              <a:rPr lang="es-ES" sz="6600" spc="100" dirty="0" err="1" smtClean="0">
-                <a:solidFill>
-                  <a:srgbClr val="507392"/>
-                </a:solidFill>
-                <a:latin typeface="Bebas Neue Bold" panose="020B0606020202050201" pitchFamily="34" charset="-94"/>
-                <a:ea typeface="Open Sans" panose="020B0606030504020204" pitchFamily="34" charset="0"/>
-                <a:cs typeface="Open Sans" panose="020B0606030504020204" pitchFamily="34" charset="0"/>
-              </a:rPr>
-              <a:t>nálisis</a:t>
-            </a:r>
-            <a:r>
-              <a:rPr lang="es-ES" sz="6600" spc="100" dirty="0" smtClean="0">
-                <a:solidFill>
-                  <a:srgbClr val="507392"/>
-                </a:solidFill>
-                <a:latin typeface="Bebas Neue Bold" panose="020B0606020202050201" pitchFamily="34" charset="-94"/>
-                <a:ea typeface="Open Sans" panose="020B0606030504020204" pitchFamily="34" charset="0"/>
-                <a:cs typeface="Open Sans" panose="020B0606030504020204" pitchFamily="34" charset="0"/>
-              </a:rPr>
-              <a:t> fundamental</a:t>
-            </a:r>
-            <a:endParaRPr lang="tr-TR" sz="6600" spc="100" dirty="0">
-              <a:solidFill>
-                <a:srgbClr val="507392"/>
-              </a:solidFill>
-              <a:latin typeface="Bebas Neue Bold" panose="020B0606020202050201" pitchFamily="34" charset="-94"/>
-              <a:ea typeface="Open Sans" panose="020B0606030504020204" pitchFamily="34" charset="0"/>
-              <a:cs typeface="Open Sans" panose="020B0606030504020204" pitchFamily="34" charset="0"/>
-            </a:endParaRPr>
-          </a:p>
-          <a:p>
-            <a:r>
-              <a:rPr lang="es-ES" sz="6600" spc="100" dirty="0" smtClean="0">
-                <a:solidFill>
-                  <a:srgbClr val="507392"/>
-                </a:solidFill>
-                <a:latin typeface="Bebas Neue Bold" panose="020B0606020202050201" pitchFamily="34" charset="-94"/>
-                <a:ea typeface="Open Sans" panose="020B0606030504020204" pitchFamily="34" charset="0"/>
-                <a:cs typeface="Open Sans" panose="020B0606030504020204" pitchFamily="34" charset="0"/>
-              </a:rPr>
-              <a:t>Ratios Endesa</a:t>
-            </a:r>
-            <a:endParaRPr lang="tr-TR" sz="6600" spc="100" dirty="0">
-              <a:solidFill>
-                <a:srgbClr val="507392"/>
-              </a:solidFill>
-              <a:latin typeface="Bebas Neue Bold" panose="020B0606020202050201" pitchFamily="34" charset="-94"/>
-              <a:ea typeface="Open Sans" panose="020B0606030504020204" pitchFamily="34" charset="0"/>
-              <a:cs typeface="Open Sans" panose="020B0606030504020204" pitchFamily="34" charset="0"/>
-            </a:endParaRPr>
-          </a:p>
-        </p:txBody>
-      </p:sp>
-      <p:sp>
-        <p:nvSpPr>
-          <p:cNvPr id="7" name="Rectangle 6"/>
-          <p:cNvSpPr/>
-          <p:nvPr/>
-        </p:nvSpPr>
-        <p:spPr>
-          <a:xfrm>
-            <a:off x="914400" y="3713462"/>
-            <a:ext cx="8846287" cy="9725739"/>
-          </a:xfrm>
-          <a:prstGeom prst="rect">
-            <a:avLst/>
-          </a:prstGeom>
         </p:spPr>
         <p:txBody>
           <a:bodyPr wrap="square">
@@ -7158,12 +5561,8 @@
           </a:bodyPr>
           <a:lstStyle/>
           <a:p>
-            <a:pPr marL="342900" indent="-342900">
-              <a:buFont typeface="Arial" charset="0"/>
-              <a:buChar char="•"/>
-            </a:pPr>
-            <a:r>
-              <a:rPr lang="es-ES_tradnl" sz="2400" dirty="0" smtClean="0">
+            <a:r>
+              <a:rPr lang="es-ES_tradnl" sz="2200" dirty="0" smtClean="0">
                 <a:solidFill>
                   <a:schemeClr val="bg2">
                     <a:lumMod val="50000"/>
@@ -7173,8 +5572,10 @@
                 <a:ea typeface="Open Sans" panose="020B0606030504020204" pitchFamily="34" charset="0"/>
                 <a:cs typeface="Open Sans" panose="020B0606030504020204" pitchFamily="34" charset="0"/>
               </a:rPr>
-              <a:t>Nos fijaremos en la evolución de ratios fundamentales en el transcurso temporal de los últimos 3 años (y el estimado que nos dan los analistas del medio) por empresa:</a:t>
-            </a:r>
+              <a:t>Hemos configurado una estrategia solo a largo, que se basa en las siguientes condiciones:</a:t>
+            </a:r>
+          </a:p>
+          <a:p>
             <a:endParaRPr lang="es-ES_tradnl" sz="2200" dirty="0">
               <a:solidFill>
                 <a:schemeClr val="bg2">
@@ -7187,9 +5588,9 @@
             </a:endParaRPr>
           </a:p>
           <a:p>
-            <a:pPr marL="342900" indent="-342900">
-              <a:buFont typeface="Arial" charset="0"/>
-              <a:buChar char="•"/>
+            <a:pPr marL="457200" indent="-457200">
+              <a:buFont typeface="+mj-lt"/>
+              <a:buAutoNum type="arabicPeriod"/>
             </a:pPr>
             <a:r>
               <a:rPr lang="es-ES_tradnl" sz="2200" dirty="0" smtClean="0">
@@ -7202,16 +5603,10 @@
                 <a:ea typeface="Open Sans" panose="020B0606030504020204" pitchFamily="34" charset="0"/>
                 <a:cs typeface="Open Sans" panose="020B0606030504020204" pitchFamily="34" charset="0"/>
               </a:rPr>
-              <a:t>EBITDA: </a:t>
-            </a:r>
-          </a:p>
-          <a:p>
-            <a:pPr marL="1257300" lvl="1" indent="-342900">
-              <a:buFont typeface="Arial" charset="0"/>
-              <a:buChar char="•"/>
-            </a:pPr>
-            <a:r>
-              <a:rPr lang="es-ES_tradnl" sz="2200" dirty="0" smtClean="0">
+              <a:t>Jugando con las medias móviles. Cuando la media </a:t>
+            </a:r>
+            <a:r>
+              <a:rPr lang="es-ES_tradnl" sz="2200" dirty="0" err="1" smtClean="0">
                 <a:solidFill>
                   <a:schemeClr val="bg2">
                     <a:lumMod val="50000"/>
@@ -7221,14 +5616,8 @@
                 <a:ea typeface="Open Sans" panose="020B0606030504020204" pitchFamily="34" charset="0"/>
                 <a:cs typeface="Open Sans" panose="020B0606030504020204" pitchFamily="34" charset="0"/>
               </a:rPr>
-              <a:t>En el caso de Endesa, vemos que el EBITDA baja considerablemente en el 2015. Seria conveniente acudir a las notificaciones de prensa y comunicaciones de Endesa para ver las posibles causas.  Sin embargo en 2016 sube considerablemente un 12% y se espera subida en los subsiguientes años.</a:t>
-            </a:r>
-          </a:p>
-          <a:p>
-            <a:pPr marL="342900" indent="-342900">
-              <a:buFont typeface="Arial" charset="0"/>
-              <a:buChar char="•"/>
-            </a:pPr>
+              <a:t>movil</a:t>
+            </a:r>
             <a:r>
               <a:rPr lang="es-ES_tradnl" sz="2200" dirty="0" smtClean="0">
                 <a:solidFill>
@@ -7240,13 +5629,13 @@
                 <a:ea typeface="Open Sans" panose="020B0606030504020204" pitchFamily="34" charset="0"/>
                 <a:cs typeface="Open Sans" panose="020B0606030504020204" pitchFamily="34" charset="0"/>
               </a:rPr>
-              <a:t>ROE (Beneficio neto/Recursos propios) : </a:t>
-            </a:r>
-          </a:p>
-          <a:p>
-            <a:pPr marL="1257300" lvl="1" indent="-342900">
-              <a:buFont typeface="Arial" charset="0"/>
-              <a:buChar char="•"/>
+              <a:t> de 20 días cruza por encima de la media móvil de 50  </a:t>
+            </a:r>
+          </a:p>
+          <a:p>
+            <a:pPr marL="457200" indent="-457200">
+              <a:buFont typeface="+mj-lt"/>
+              <a:buAutoNum type="arabicPeriod"/>
             </a:pPr>
             <a:r>
               <a:rPr lang="es-ES_tradnl" sz="2200" dirty="0" smtClean="0">
@@ -7259,13 +5648,13 @@
                 <a:ea typeface="Open Sans" panose="020B0606030504020204" pitchFamily="34" charset="0"/>
                 <a:cs typeface="Open Sans" panose="020B0606030504020204" pitchFamily="34" charset="0"/>
               </a:rPr>
-              <a:t>Vemos una evolución de crecimiento de entre 0,1 y 0,3 en los últimos 3 años, sin embargo se estima un estancamiento en los próximos dos años. Esto es una señal negativa. Lo compararemos con IBERDROLA</a:t>
-            </a:r>
-          </a:p>
-          <a:p>
-            <a:pPr marL="342900" indent="-342900">
-              <a:buFont typeface="Arial" charset="0"/>
-              <a:buChar char="•"/>
+              <a:t>Cuando la fuerza del RSI de un periodo es superior a la del periodo anterior (el movimiento viene con fuerza), pero sin poner límites de valores.</a:t>
+            </a:r>
+          </a:p>
+          <a:p>
+            <a:pPr marL="457200" indent="-457200">
+              <a:buFont typeface="+mj-lt"/>
+              <a:buAutoNum type="arabicPeriod"/>
             </a:pPr>
             <a:r>
               <a:rPr lang="es-ES_tradnl" sz="2200" dirty="0" smtClean="0">
@@ -7278,72 +5667,15 @@
                 <a:ea typeface="Open Sans" panose="020B0606030504020204" pitchFamily="34" charset="0"/>
                 <a:cs typeface="Open Sans" panose="020B0606030504020204" pitchFamily="34" charset="0"/>
               </a:rPr>
-              <a:t>PER:</a:t>
-            </a:r>
-          </a:p>
-          <a:p>
-            <a:pPr marL="1257300" lvl="1" indent="-342900">
-              <a:buFont typeface="Arial" charset="0"/>
-              <a:buChar char="•"/>
+              <a:t>Cuando el volumen es mayor de 5000 (viendo la gráfica de volumen, podemos ver que las variaciones de tendencia siempre ocurrieron por encima de ese volumen. </a:t>
+            </a:r>
+          </a:p>
+          <a:p>
+            <a:pPr marL="457200" indent="-457200">
+              <a:buFont typeface="+mj-lt"/>
+              <a:buAutoNum type="arabicPeriod"/>
             </a:pPr>
-            <a:r>
-              <a:rPr lang="es-ES_tradnl" sz="2200" dirty="0" smtClean="0">
-                <a:solidFill>
-                  <a:schemeClr val="bg2">
-                    <a:lumMod val="50000"/>
-                  </a:schemeClr>
-                </a:solidFill>
-                <a:latin typeface="Open Sans" panose="020B0606030504020204" pitchFamily="34" charset="0"/>
-                <a:ea typeface="Open Sans" panose="020B0606030504020204" pitchFamily="34" charset="0"/>
-                <a:cs typeface="Open Sans" panose="020B0606030504020204" pitchFamily="34" charset="0"/>
-              </a:rPr>
-              <a:t>Vemos un descenso del PER en los últimos años, lo cual puede ser debido a un incremento del beneficio por acción o un bajo crecimiento de la empresa. De hecho, si vemos el beneficio neto decrece, aunque no en a misma proporción. Esto es un freno en crecimiento, sobre todo en los años actuales donde se estanca.</a:t>
-            </a:r>
-          </a:p>
-          <a:p>
-            <a:pPr marL="342900" indent="-342900">
-              <a:buFont typeface="Arial" charset="0"/>
-              <a:buChar char="•"/>
-            </a:pPr>
-            <a:r>
-              <a:rPr lang="es-ES_tradnl" sz="2200" dirty="0" smtClean="0">
-                <a:solidFill>
-                  <a:schemeClr val="bg2">
-                    <a:lumMod val="50000"/>
-                  </a:schemeClr>
-                </a:solidFill>
-                <a:latin typeface="Open Sans" panose="020B0606030504020204" pitchFamily="34" charset="0"/>
-                <a:ea typeface="Open Sans" panose="020B0606030504020204" pitchFamily="34" charset="0"/>
-                <a:cs typeface="Open Sans" panose="020B0606030504020204" pitchFamily="34" charset="0"/>
-              </a:rPr>
-              <a:t>Rentabilidad por dividendo</a:t>
-            </a:r>
-          </a:p>
-          <a:p>
-            <a:pPr marL="1257300" lvl="1" indent="-342900">
-              <a:buFont typeface="Arial" charset="0"/>
-              <a:buChar char="•"/>
-            </a:pPr>
-            <a:r>
-              <a:rPr lang="es-ES_tradnl" sz="2200" dirty="0" smtClean="0">
-                <a:solidFill>
-                  <a:schemeClr val="bg2">
-                    <a:lumMod val="50000"/>
-                  </a:schemeClr>
-                </a:solidFill>
-                <a:latin typeface="Open Sans" panose="020B0606030504020204" pitchFamily="34" charset="0"/>
-                <a:ea typeface="Open Sans" panose="020B0606030504020204" pitchFamily="34" charset="0"/>
-                <a:cs typeface="Open Sans" panose="020B0606030504020204" pitchFamily="34" charset="0"/>
-              </a:rPr>
-              <a:t>Es un indicador que se incrementa durante 2015,2016,2017, de manera que hay que tenerlo en cuenta de forma positiva.</a:t>
-            </a:r>
-          </a:p>
-          <a:p>
-            <a:pPr marL="1257300" lvl="1" indent="-342900">
-              <a:buFont typeface="Arial" charset="0"/>
-              <a:buChar char="•"/>
-            </a:pPr>
-            <a:endParaRPr lang="es-ES_tradnl" sz="2400" dirty="0" smtClean="0">
+            <a:endParaRPr lang="es-ES_tradnl" sz="2200" dirty="0">
               <a:solidFill>
                 <a:schemeClr val="bg2">
                   <a:lumMod val="50000"/>
@@ -7354,11 +5686,211 @@
               <a:cs typeface="Open Sans" panose="020B0606030504020204" pitchFamily="34" charset="0"/>
             </a:endParaRPr>
           </a:p>
-        </p:txBody>
-      </p:sp>
-      <p:sp>
-        <p:nvSpPr>
-          <p:cNvPr id="27" name="TextBox 7"/>
+          <a:p>
+            <a:r>
+              <a:rPr lang="es-ES_tradnl" sz="2200" dirty="0" smtClean="0">
+                <a:solidFill>
+                  <a:schemeClr val="bg2">
+                    <a:lumMod val="50000"/>
+                  </a:schemeClr>
+                </a:solidFill>
+                <a:latin typeface="Open Sans" panose="020B0606030504020204" pitchFamily="34" charset="0"/>
+                <a:ea typeface="Open Sans" panose="020B0606030504020204" pitchFamily="34" charset="0"/>
+                <a:cs typeface="Open Sans" panose="020B0606030504020204" pitchFamily="34" charset="0"/>
+              </a:rPr>
+              <a:t>Por otro lado, las ordenes de venta a largo, con las condiciones complementarias:</a:t>
+            </a:r>
+          </a:p>
+          <a:p>
+            <a:endParaRPr lang="es-ES_tradnl" sz="2200" dirty="0">
+              <a:solidFill>
+                <a:schemeClr val="bg2">
+                  <a:lumMod val="50000"/>
+                </a:schemeClr>
+              </a:solidFill>
+              <a:latin typeface="Open Sans" panose="020B0606030504020204" pitchFamily="34" charset="0"/>
+              <a:ea typeface="Open Sans" panose="020B0606030504020204" pitchFamily="34" charset="0"/>
+              <a:cs typeface="Open Sans" panose="020B0606030504020204" pitchFamily="34" charset="0"/>
+            </a:endParaRPr>
+          </a:p>
+          <a:p>
+            <a:pPr marL="457200" indent="-457200">
+              <a:buFont typeface="+mj-lt"/>
+              <a:buAutoNum type="arabicPeriod"/>
+            </a:pPr>
+            <a:r>
+              <a:rPr lang="es-ES_tradnl" sz="2200" dirty="0" smtClean="0">
+                <a:solidFill>
+                  <a:schemeClr val="bg2">
+                    <a:lumMod val="50000"/>
+                  </a:schemeClr>
+                </a:solidFill>
+                <a:latin typeface="Open Sans" panose="020B0606030504020204" pitchFamily="34" charset="0"/>
+                <a:ea typeface="Open Sans" panose="020B0606030504020204" pitchFamily="34" charset="0"/>
+                <a:cs typeface="Open Sans" panose="020B0606030504020204" pitchFamily="34" charset="0"/>
+              </a:rPr>
+              <a:t>Cuando la media móvil corta (20 días) cruce por debajo de la media móvil mas larga (50)</a:t>
+            </a:r>
+          </a:p>
+          <a:p>
+            <a:pPr marL="457200" indent="-457200">
+              <a:buFont typeface="+mj-lt"/>
+              <a:buAutoNum type="arabicPeriod"/>
+            </a:pPr>
+            <a:r>
+              <a:rPr lang="es-ES_tradnl" sz="2200" dirty="0" smtClean="0">
+                <a:solidFill>
+                  <a:schemeClr val="bg2">
+                    <a:lumMod val="50000"/>
+                  </a:schemeClr>
+                </a:solidFill>
+                <a:latin typeface="Open Sans" panose="020B0606030504020204" pitchFamily="34" charset="0"/>
+                <a:ea typeface="Open Sans" panose="020B0606030504020204" pitchFamily="34" charset="0"/>
+                <a:cs typeface="Open Sans" panose="020B0606030504020204" pitchFamily="34" charset="0"/>
+              </a:rPr>
+              <a:t>Cuando el RSI sea menor de un 0,6</a:t>
+            </a:r>
+          </a:p>
+          <a:p>
+            <a:pPr marL="457200" indent="-457200">
+              <a:buFont typeface="+mj-lt"/>
+              <a:buAutoNum type="arabicPeriod"/>
+            </a:pPr>
+            <a:r>
+              <a:rPr lang="es-ES_tradnl" sz="2200" dirty="0" smtClean="0">
+                <a:solidFill>
+                  <a:schemeClr val="bg2">
+                    <a:lumMod val="50000"/>
+                  </a:schemeClr>
+                </a:solidFill>
+                <a:latin typeface="Open Sans" panose="020B0606030504020204" pitchFamily="34" charset="0"/>
+                <a:ea typeface="Open Sans" panose="020B0606030504020204" pitchFamily="34" charset="0"/>
+                <a:cs typeface="Open Sans" panose="020B0606030504020204" pitchFamily="34" charset="0"/>
+              </a:rPr>
+              <a:t>Cuando el volumen sea mayor de 5000 (es decir, haya movimiento en mercado)</a:t>
+            </a:r>
+          </a:p>
+          <a:p>
+            <a:pPr marL="457200" indent="-457200">
+              <a:buFont typeface="+mj-lt"/>
+              <a:buAutoNum type="arabicPeriod"/>
+            </a:pPr>
+            <a:endParaRPr lang="es-ES_tradnl" sz="2200" dirty="0">
+              <a:solidFill>
+                <a:schemeClr val="bg2">
+                  <a:lumMod val="50000"/>
+                </a:schemeClr>
+              </a:solidFill>
+              <a:latin typeface="Open Sans" panose="020B0606030504020204" pitchFamily="34" charset="0"/>
+              <a:ea typeface="Open Sans" panose="020B0606030504020204" pitchFamily="34" charset="0"/>
+              <a:cs typeface="Open Sans" panose="020B0606030504020204" pitchFamily="34" charset="0"/>
+            </a:endParaRPr>
+          </a:p>
+          <a:p>
+            <a:pPr marL="457200" indent="-457200">
+              <a:buFont typeface="+mj-lt"/>
+              <a:buAutoNum type="arabicPeriod"/>
+            </a:pPr>
+            <a:endParaRPr lang="es-ES_tradnl" sz="2200" dirty="0" smtClean="0">
+              <a:solidFill>
+                <a:schemeClr val="bg2">
+                  <a:lumMod val="50000"/>
+                </a:schemeClr>
+              </a:solidFill>
+              <a:latin typeface="Open Sans" panose="020B0606030504020204" pitchFamily="34" charset="0"/>
+              <a:ea typeface="Open Sans" panose="020B0606030504020204" pitchFamily="34" charset="0"/>
+              <a:cs typeface="Open Sans" panose="020B0606030504020204" pitchFamily="34" charset="0"/>
+            </a:endParaRPr>
+          </a:p>
+          <a:p>
+            <a:r>
+              <a:rPr lang="es-ES_tradnl" sz="2200" dirty="0" smtClean="0">
+                <a:solidFill>
+                  <a:schemeClr val="bg2">
+                    <a:lumMod val="50000"/>
+                  </a:schemeClr>
+                </a:solidFill>
+                <a:latin typeface="Open Sans" panose="020B0606030504020204" pitchFamily="34" charset="0"/>
+                <a:ea typeface="Open Sans" panose="020B0606030504020204" pitchFamily="34" charset="0"/>
+                <a:cs typeface="Open Sans" panose="020B0606030504020204" pitchFamily="34" charset="0"/>
+              </a:rPr>
+              <a:t>También hemos puesto dentro de las condiciones de simulación, comisiones del </a:t>
+            </a:r>
+            <a:r>
+              <a:rPr lang="es-ES_tradnl" sz="2200" dirty="0" err="1" smtClean="0">
+                <a:solidFill>
+                  <a:schemeClr val="bg2">
+                    <a:lumMod val="50000"/>
+                  </a:schemeClr>
+                </a:solidFill>
+                <a:latin typeface="Open Sans" panose="020B0606030504020204" pitchFamily="34" charset="0"/>
+                <a:ea typeface="Open Sans" panose="020B0606030504020204" pitchFamily="34" charset="0"/>
+                <a:cs typeface="Open Sans" panose="020B0606030504020204" pitchFamily="34" charset="0"/>
+              </a:rPr>
+              <a:t>broker</a:t>
+            </a:r>
+            <a:r>
+              <a:rPr lang="es-ES_tradnl" sz="2200" dirty="0" smtClean="0">
+                <a:solidFill>
+                  <a:schemeClr val="bg2">
+                    <a:lumMod val="50000"/>
+                  </a:schemeClr>
+                </a:solidFill>
+                <a:latin typeface="Open Sans" panose="020B0606030504020204" pitchFamily="34" charset="0"/>
+                <a:ea typeface="Open Sans" panose="020B0606030504020204" pitchFamily="34" charset="0"/>
+                <a:cs typeface="Open Sans" panose="020B0606030504020204" pitchFamily="34" charset="0"/>
+              </a:rPr>
+              <a:t> (importante porque el número de operaciones penaliza) y el periodo de pruebas dentro del último año.</a:t>
+            </a:r>
+          </a:p>
+          <a:p>
+            <a:endParaRPr lang="es-ES_tradnl" sz="2200" dirty="0">
+              <a:solidFill>
+                <a:schemeClr val="bg2">
+                  <a:lumMod val="50000"/>
+                </a:schemeClr>
+              </a:solidFill>
+              <a:latin typeface="Open Sans" panose="020B0606030504020204" pitchFamily="34" charset="0"/>
+              <a:ea typeface="Open Sans" panose="020B0606030504020204" pitchFamily="34" charset="0"/>
+              <a:cs typeface="Open Sans" panose="020B0606030504020204" pitchFamily="34" charset="0"/>
+            </a:endParaRPr>
+          </a:p>
+          <a:p>
+            <a:r>
+              <a:rPr lang="es-ES_tradnl" sz="2200" dirty="0" smtClean="0">
+                <a:solidFill>
+                  <a:schemeClr val="bg2">
+                    <a:lumMod val="50000"/>
+                  </a:schemeClr>
+                </a:solidFill>
+                <a:latin typeface="Open Sans" panose="020B0606030504020204" pitchFamily="34" charset="0"/>
+                <a:ea typeface="Open Sans" panose="020B0606030504020204" pitchFamily="34" charset="0"/>
+                <a:cs typeface="Open Sans" panose="020B0606030504020204" pitchFamily="34" charset="0"/>
+              </a:rPr>
+              <a:t>Hemos puesto que ante cada entrada, entrabamos con 500€ por operación. </a:t>
+            </a:r>
+          </a:p>
+          <a:p>
+            <a:pPr marL="342900" indent="-342900">
+              <a:buFont typeface="Arial" panose="020B0604020202020204" pitchFamily="34" charset="0"/>
+              <a:buChar char="•"/>
+            </a:pPr>
+            <a:endParaRPr lang="es-ES_tradnl" sz="2200" dirty="0" smtClean="0">
+              <a:solidFill>
+                <a:schemeClr val="bg2">
+                  <a:lumMod val="50000"/>
+                </a:schemeClr>
+              </a:solidFill>
+              <a:latin typeface="Open Sans" panose="020B0606030504020204" pitchFamily="34" charset="0"/>
+              <a:ea typeface="Open Sans" panose="020B0606030504020204" pitchFamily="34" charset="0"/>
+              <a:cs typeface="Open Sans" panose="020B0606030504020204" pitchFamily="34" charset="0"/>
+            </a:endParaRPr>
+          </a:p>
+        </p:txBody>
+      </p:sp>
+      <p:sp>
+        <p:nvSpPr>
+          <p:cNvPr id="12" name="TextBox 7"/>
           <p:cNvSpPr txBox="1"/>
           <p:nvPr/>
         </p:nvSpPr>
@@ -7403,7 +5935,7 @@
       </p:sp>
       <p:sp>
         <p:nvSpPr>
-          <p:cNvPr id="29" name="TextBox 22"/>
+          <p:cNvPr id="13" name="TextBox 22"/>
           <p:cNvSpPr txBox="1"/>
           <p:nvPr/>
         </p:nvSpPr>
@@ -7446,31 +5978,63 @@
           </a:p>
         </p:txBody>
       </p:sp>
-      <p:sp>
-        <p:nvSpPr>
-          <p:cNvPr id="3" name="Marcador de número de diapositiva 2"/>
-          <p:cNvSpPr>
-            <a:spLocks noGrp="1"/>
-          </p:cNvSpPr>
-          <p:nvPr>
-            <p:ph type="sldNum" sz="quarter" idx="12"/>
-          </p:nvPr>
-        </p:nvSpPr>
-        <p:spPr/>
-        <p:txBody>
-          <a:bodyPr/>
-          <a:lstStyle/>
-          <a:p>
-            <a:r>
-              <a:rPr lang="en-US" dirty="0"/>
-              <a:t>5</a:t>
-            </a:r>
-          </a:p>
-        </p:txBody>
-      </p:sp>
       <p:pic>
         <p:nvPicPr>
-          <p:cNvPr id="1026" name="Picture 2"/>
+          <p:cNvPr id="2053" name="Picture 5"/>
+          <p:cNvPicPr>
+            <a:picLocks noChangeAspect="1" noChangeArrowheads="1"/>
+          </p:cNvPicPr>
+          <p:nvPr/>
+        </p:nvPicPr>
+        <p:blipFill>
+          <a:blip r:embed="rId2">
+            <a:extLst>
+              <a:ext uri="{28A0092B-C50C-407E-A947-70E740481C1C}">
+                <a14:useLocalDpi xmlns:a14="http://schemas.microsoft.com/office/drawing/2010/main" val="0"/>
+              </a:ext>
+            </a:extLst>
+          </a:blip>
+          <a:srcRect/>
+          <a:stretch>
+            <a:fillRect/>
+          </a:stretch>
+        </p:blipFill>
+        <p:spPr bwMode="auto">
+          <a:xfrm>
+            <a:off x="12921915" y="2699322"/>
+            <a:ext cx="7116019" cy="4908912"/>
+          </a:xfrm>
+          <a:prstGeom prst="rect">
+            <a:avLst/>
+          </a:prstGeom>
+          <a:noFill/>
+          <a:ln>
+            <a:noFill/>
+          </a:ln>
+          <a:extLst>
+            <a:ext uri="{909E8E84-426E-40DD-AFC4-6F175D3DCCD1}">
+              <a14:hiddenFill xmlns:a14="http://schemas.microsoft.com/office/drawing/2010/main">
+                <a:solidFill>
+                  <a:schemeClr val="accent1"/>
+                </a:solidFill>
+              </a14:hiddenFill>
+            </a:ext>
+            <a:ext uri="{91240B29-F687-4F45-9708-019B960494DF}">
+              <a14:hiddenLine xmlns:a14="http://schemas.microsoft.com/office/drawing/2010/main" w="9525">
+                <a:solidFill>
+                  <a:schemeClr val="tx1"/>
+                </a:solidFill>
+                <a:miter lim="800000"/>
+                <a:headEnd/>
+                <a:tailEnd/>
+              </a14:hiddenLine>
+            </a:ext>
+          </a:extLst>
+        </p:spPr>
+      </p:pic>
+      <p:pic>
+        <p:nvPicPr>
+          <p:cNvPr id="2054" name="Picture 6"/>
           <p:cNvPicPr>
             <a:picLocks noChangeAspect="1" noChangeArrowheads="1"/>
           </p:cNvPicPr>
@@ -7491,8 +6055,8 @@
         </p:blipFill>
         <p:spPr bwMode="auto">
           <a:xfrm>
-            <a:off x="10342016" y="3580380"/>
-            <a:ext cx="13025736" cy="6887923"/>
+            <a:off x="12921916" y="7808491"/>
+            <a:ext cx="7154120" cy="4419094"/>
           </a:xfrm>
           <a:prstGeom prst="rect">
             <a:avLst/>
@@ -7522,10 +6086,64 @@
           </a:extLst>
         </p:spPr>
       </p:pic>
+      <p:pic>
+        <p:nvPicPr>
+          <p:cNvPr id="2055" name="Picture 7"/>
+          <p:cNvPicPr>
+            <a:picLocks noChangeAspect="1" noChangeArrowheads="1"/>
+          </p:cNvPicPr>
+          <p:nvPr/>
+        </p:nvPicPr>
+        <p:blipFill>
+          <a:blip r:embed="rId4">
+            <a:extLst>
+              <a:ext uri="{28A0092B-C50C-407E-A947-70E740481C1C}">
+                <a14:useLocalDpi xmlns:a14="http://schemas.microsoft.com/office/drawing/2010/main" val="0"/>
+              </a:ext>
+            </a:extLst>
+          </a:blip>
+          <a:srcRect/>
+          <a:stretch>
+            <a:fillRect/>
+          </a:stretch>
+        </p:blipFill>
+        <p:spPr bwMode="auto">
+          <a:xfrm>
+            <a:off x="20924631" y="3975526"/>
+            <a:ext cx="2886075" cy="6524625"/>
+          </a:xfrm>
+          <a:prstGeom prst="rect">
+            <a:avLst/>
+          </a:prstGeom>
+          <a:noFill/>
+          <a:ln>
+            <a:noFill/>
+          </a:ln>
+          <a:extLst>
+            <a:ext uri="{909E8E84-426E-40DD-AFC4-6F175D3DCCD1}">
+              <a14:hiddenFill xmlns:a14="http://schemas.microsoft.com/office/drawing/2010/main">
+                <a:solidFill>
+                  <a:schemeClr val="accent1"/>
+                </a:solidFill>
+              </a14:hiddenFill>
+            </a:ext>
+            <a:ext uri="{91240B29-F687-4F45-9708-019B960494DF}">
+              <a14:hiddenLine xmlns:a14="http://schemas.microsoft.com/office/drawing/2010/main" w="9525">
+                <a:solidFill>
+                  <a:schemeClr val="tx1"/>
+                </a:solidFill>
+                <a:miter lim="800000"/>
+                <a:headEnd/>
+                <a:tailEnd/>
+              </a14:hiddenLine>
+            </a:ext>
+          </a:extLst>
+        </p:spPr>
+      </p:pic>
     </p:spTree>
     <p:extLst>
       <p:ext uri="{BB962C8B-B14F-4D97-AF65-F5344CB8AC3E}">
-        <p14:creationId xmlns:p14="http://schemas.microsoft.com/office/powerpoint/2010/main" val="3915793688"/>
+        <p14:creationId xmlns:p14="http://schemas.microsoft.com/office/powerpoint/2010/main" val="575078500"/>
       </p:ext>
     </p:extLst>
   </p:cSld>
@@ -7557,14 +6175,6 @@
 <file path=ppt/slides/slide6.xml><?xml version="1.0" encoding="utf-8"?>
 <p:sld xmlns:a="http://schemas.openxmlformats.org/drawingml/2006/main" xmlns:r="http://schemas.openxmlformats.org/officeDocument/2006/relationships" xmlns:p="http://schemas.openxmlformats.org/presentationml/2006/main">
   <p:cSld>
-    <p:bg>
-      <p:bgPr>
-        <a:solidFill>
-          <a:schemeClr val="bg1"/>
-        </a:solidFill>
-        <a:effectLst/>
-      </p:bgPr>
-    </p:bg>
     <p:spTree>
       <p:nvGrpSpPr>
         <p:cNvPr id="1" name=""/>
@@ -7701,9 +6311,53 @@
           </a:p>
         </p:txBody>
       </p:sp>
+      <p:sp>
+        <p:nvSpPr>
+          <p:cNvPr id="19" name="TextBox 18"/>
+          <p:cNvSpPr txBox="1"/>
+          <p:nvPr/>
+        </p:nvSpPr>
+        <p:spPr>
+          <a:xfrm>
+            <a:off x="3169057" y="1204036"/>
+            <a:ext cx="15530854" cy="1046440"/>
+          </a:xfrm>
+          <a:prstGeom prst="rect">
+            <a:avLst/>
+          </a:prstGeom>
+          <a:noFill/>
+        </p:spPr>
+        <p:txBody>
+          <a:bodyPr wrap="square" rtlCol="0">
+            <a:spAutoFit/>
+          </a:bodyPr>
+          <a:lstStyle/>
+          <a:p>
+            <a:r>
+              <a:rPr lang="es-ES" sz="6200" spc="100" dirty="0" smtClean="0">
+                <a:solidFill>
+                  <a:srgbClr val="507392"/>
+                </a:solidFill>
+                <a:latin typeface="Bebas Neue Bold" panose="020B0606020202050201" pitchFamily="34" charset="-94"/>
+                <a:ea typeface="Open Sans" panose="020B0606030504020204" pitchFamily="34" charset="0"/>
+                <a:cs typeface="Open Sans" panose="020B0606030504020204" pitchFamily="34" charset="0"/>
+              </a:rPr>
+              <a:t>Análisis de los resultados</a:t>
+            </a:r>
+            <a:endParaRPr lang="tr-TR" sz="6200" spc="100" dirty="0" smtClean="0">
+              <a:solidFill>
+                <a:srgbClr val="507392"/>
+              </a:solidFill>
+              <a:latin typeface="Bebas Neue Bold" panose="020B0606020202050201" pitchFamily="34" charset="-94"/>
+              <a:ea typeface="Open Sans" panose="020B0606030504020204" pitchFamily="34" charset="0"/>
+              <a:cs typeface="Open Sans" panose="020B0606030504020204" pitchFamily="34" charset="0"/>
+            </a:endParaRPr>
+          </a:p>
+        </p:txBody>
+      </p:sp>
       <p:cxnSp>
         <p:nvCxnSpPr>
-          <p:cNvPr id="18" name="Straight Connector 17"/>
+          <p:cNvPr id="28" name="Straight Connector 17"/>
           <p:cNvCxnSpPr/>
           <p:nvPr/>
         </p:nvCxnSpPr>
@@ -7738,105 +6392,41 @@
       </p:cxnSp>
       <p:sp>
         <p:nvSpPr>
-          <p:cNvPr id="19" name="TextBox 18"/>
-          <p:cNvSpPr txBox="1"/>
+          <p:cNvPr id="2" name="Marcador de número de diapositiva 1"/>
+          <p:cNvSpPr>
+            <a:spLocks noGrp="1"/>
+          </p:cNvSpPr>
+          <p:nvPr>
+            <p:ph type="sldNum" sz="quarter" idx="12"/>
+          </p:nvPr>
+        </p:nvSpPr>
+        <p:spPr/>
+        <p:txBody>
+          <a:bodyPr/>
+          <a:lstStyle/>
+          <a:p>
+            <a:fld id="{C7575539-BFBE-477A-BDB6-9CA7B44D81A5}" type="slidenum">
+              <a:rPr lang="en-US" smtClean="0"/>
+              <a:t>6</a:t>
+            </a:fld>
+            <a:endParaRPr lang="en-US"/>
+          </a:p>
+        </p:txBody>
+      </p:sp>
+      <p:sp>
+        <p:nvSpPr>
+          <p:cNvPr id="11" name="Rectangle 10"/>
+          <p:cNvSpPr/>
           <p:nvPr/>
         </p:nvSpPr>
         <p:spPr>
           <a:xfrm>
-            <a:off x="3169056" y="1204036"/>
-            <a:ext cx="9021535" cy="2123658"/>
+            <a:off x="3169057" y="2947735"/>
+            <a:ext cx="15022690" cy="4832092"/>
           </a:xfrm>
           <a:prstGeom prst="rect">
             <a:avLst/>
           </a:prstGeom>
-          <a:noFill/>
-        </p:spPr>
-        <p:txBody>
-          <a:bodyPr wrap="square" rtlCol="0">
-            <a:spAutoFit/>
-          </a:bodyPr>
-          <a:lstStyle/>
-          <a:p>
-            <a:r>
-              <a:rPr lang="tr-TR" sz="6600" spc="100" dirty="0" smtClean="0">
-                <a:solidFill>
-                  <a:srgbClr val="507392"/>
-                </a:solidFill>
-                <a:latin typeface="Bebas Neue Bold" panose="020B0606020202050201" pitchFamily="34" charset="-94"/>
-                <a:ea typeface="Open Sans" panose="020B0606030504020204" pitchFamily="34" charset="0"/>
-                <a:cs typeface="Open Sans" panose="020B0606030504020204" pitchFamily="34" charset="0"/>
-              </a:rPr>
-              <a:t>A</a:t>
-            </a:r>
-            <a:r>
-              <a:rPr lang="es-ES" sz="6600" spc="100" dirty="0" err="1" smtClean="0">
-                <a:solidFill>
-                  <a:srgbClr val="507392"/>
-                </a:solidFill>
-                <a:latin typeface="Bebas Neue Bold" panose="020B0606020202050201" pitchFamily="34" charset="-94"/>
-                <a:ea typeface="Open Sans" panose="020B0606030504020204" pitchFamily="34" charset="0"/>
-                <a:cs typeface="Open Sans" panose="020B0606030504020204" pitchFamily="34" charset="0"/>
-              </a:rPr>
-              <a:t>nálisis</a:t>
-            </a:r>
-            <a:r>
-              <a:rPr lang="es-ES" sz="6600" spc="100" dirty="0" smtClean="0">
-                <a:solidFill>
-                  <a:srgbClr val="507392"/>
-                </a:solidFill>
-                <a:latin typeface="Bebas Neue Bold" panose="020B0606020202050201" pitchFamily="34" charset="-94"/>
-                <a:ea typeface="Open Sans" panose="020B0606030504020204" pitchFamily="34" charset="0"/>
-                <a:cs typeface="Open Sans" panose="020B0606030504020204" pitchFamily="34" charset="0"/>
-              </a:rPr>
-              <a:t> fundamental</a:t>
-            </a:r>
-            <a:endParaRPr lang="tr-TR" sz="6600" spc="100" dirty="0">
-              <a:solidFill>
-                <a:srgbClr val="507392"/>
-              </a:solidFill>
-              <a:latin typeface="Bebas Neue Bold" panose="020B0606020202050201" pitchFamily="34" charset="-94"/>
-              <a:ea typeface="Open Sans" panose="020B0606030504020204" pitchFamily="34" charset="0"/>
-              <a:cs typeface="Open Sans" panose="020B0606030504020204" pitchFamily="34" charset="0"/>
-            </a:endParaRPr>
-          </a:p>
-          <a:p>
-            <a:r>
-              <a:rPr lang="es-ES" sz="6600" spc="100" dirty="0" smtClean="0">
-                <a:solidFill>
-                  <a:srgbClr val="507392"/>
-                </a:solidFill>
-                <a:latin typeface="Bebas Neue Bold" panose="020B0606020202050201" pitchFamily="34" charset="-94"/>
-                <a:ea typeface="Open Sans" panose="020B0606030504020204" pitchFamily="34" charset="0"/>
-                <a:cs typeface="Open Sans" panose="020B0606030504020204" pitchFamily="34" charset="0"/>
-              </a:rPr>
-              <a:t>Ratios Iberdrola</a:t>
-            </a:r>
-            <a:endParaRPr lang="tr-TR" sz="6600" spc="100" dirty="0">
-              <a:solidFill>
-                <a:srgbClr val="507392"/>
-              </a:solidFill>
-              <a:latin typeface="Bebas Neue Bold" panose="020B0606020202050201" pitchFamily="34" charset="-94"/>
-              <a:ea typeface="Open Sans" panose="020B0606030504020204" pitchFamily="34" charset="0"/>
-              <a:cs typeface="Open Sans" panose="020B0606030504020204" pitchFamily="34" charset="0"/>
-            </a:endParaRPr>
-          </a:p>
-        </p:txBody>
-      </p:sp>
-      <p:sp>
-        <p:nvSpPr>
-          <p:cNvPr id="7" name="Rectangle 6"/>
-          <p:cNvSpPr/>
-          <p:nvPr/>
-        </p:nvSpPr>
-        <p:spPr>
-          <a:xfrm>
-            <a:off x="914400" y="3713462"/>
-            <a:ext cx="8846287" cy="8710077"/>
-          </a:xfrm>
-          <a:prstGeom prst="rect">
-            <a:avLst/>
-          </a:prstGeom>
         </p:spPr>
         <p:txBody>
           <a:bodyPr wrap="square">
@@ -7844,12 +6434,8 @@
           </a:bodyPr>
           <a:lstStyle/>
           <a:p>
-            <a:pPr marL="342900" indent="-342900">
-              <a:buFont typeface="Arial" charset="0"/>
-              <a:buChar char="•"/>
-            </a:pPr>
-            <a:r>
-              <a:rPr lang="es-ES_tradnl" sz="2400" dirty="0" smtClean="0">
+            <a:r>
+              <a:rPr lang="es-ES_tradnl" sz="2200" dirty="0" smtClean="0">
                 <a:solidFill>
                   <a:schemeClr val="bg2">
                     <a:lumMod val="50000"/>
@@ -7859,8 +6445,10 @@
                 <a:ea typeface="Open Sans" panose="020B0606030504020204" pitchFamily="34" charset="0"/>
                 <a:cs typeface="Open Sans" panose="020B0606030504020204" pitchFamily="34" charset="0"/>
               </a:rPr>
-              <a:t>Nos fijaremos en la evolución de ratios fundamentales en el transcurso temporal de los últimos 3 años (y el estimado que nos dan los analistas del medio) por empresa:</a:t>
-            </a:r>
+              <a:t>Vemos el resultado obtenido de la operación:</a:t>
+            </a:r>
+          </a:p>
+          <a:p>
             <a:endParaRPr lang="es-ES_tradnl" sz="2200" dirty="0">
               <a:solidFill>
                 <a:schemeClr val="bg2">
@@ -7873,9 +6461,9 @@
             </a:endParaRPr>
           </a:p>
           <a:p>
-            <a:pPr marL="342900" indent="-342900">
-              <a:buFont typeface="Arial" charset="0"/>
-              <a:buChar char="•"/>
+            <a:pPr marL="457200" indent="-457200">
+              <a:buFont typeface="+mj-lt"/>
+              <a:buAutoNum type="arabicPeriod"/>
             </a:pPr>
             <a:r>
               <a:rPr lang="es-ES_tradnl" sz="2200" dirty="0" smtClean="0">
@@ -7888,13 +6476,13 @@
                 <a:ea typeface="Open Sans" panose="020B0606030504020204" pitchFamily="34" charset="0"/>
                 <a:cs typeface="Open Sans" panose="020B0606030504020204" pitchFamily="34" charset="0"/>
               </a:rPr>
-              <a:t>EBITDA: </a:t>
-            </a:r>
-          </a:p>
-          <a:p>
-            <a:pPr marL="1257300" lvl="1" indent="-342900">
-              <a:buFont typeface="Arial" charset="0"/>
-              <a:buChar char="•"/>
+              <a:t>Vemos que la ganancia ha sido positiva, unos 97,30€ sobre 10000 que teníamos en cartera</a:t>
+            </a:r>
+          </a:p>
+          <a:p>
+            <a:pPr marL="457200" indent="-457200">
+              <a:buFont typeface="+mj-lt"/>
+              <a:buAutoNum type="arabicPeriod"/>
             </a:pPr>
             <a:r>
               <a:rPr lang="es-ES_tradnl" sz="2200" dirty="0" smtClean="0">
@@ -7907,13 +6495,13 @@
                 <a:ea typeface="Open Sans" panose="020B0606030504020204" pitchFamily="34" charset="0"/>
                 <a:cs typeface="Open Sans" panose="020B0606030504020204" pitchFamily="34" charset="0"/>
               </a:rPr>
-              <a:t>En el caso de Iberdrola, vemos que el EBITDA crece progresivamente en los últimos años, e incluso la estimación para 2018 sigue la misma tendencia, lo cual es muy buen indicador.</a:t>
-            </a:r>
-          </a:p>
-          <a:p>
-            <a:pPr marL="342900" indent="-342900">
-              <a:buFont typeface="Arial" charset="0"/>
-              <a:buChar char="•"/>
+              <a:t>En el testeo solo ha entrado una operación en el último año y esta ha salido ganadora. </a:t>
+            </a:r>
+          </a:p>
+          <a:p>
+            <a:pPr marL="457200" indent="-457200">
+              <a:buFont typeface="+mj-lt"/>
+              <a:buAutoNum type="arabicPeriod"/>
             </a:pPr>
             <a:r>
               <a:rPr lang="es-ES_tradnl" sz="2200" dirty="0" smtClean="0">
@@ -7926,110 +6514,15 @@
                 <a:ea typeface="Open Sans" panose="020B0606030504020204" pitchFamily="34" charset="0"/>
                 <a:cs typeface="Open Sans" panose="020B0606030504020204" pitchFamily="34" charset="0"/>
               </a:rPr>
-              <a:t>ROE (Beneficio neto/Recursos propios) : </a:t>
-            </a:r>
-          </a:p>
-          <a:p>
-            <a:pPr marL="1257300" lvl="1" indent="-342900">
-              <a:buFont typeface="Arial" charset="0"/>
-              <a:buChar char="•"/>
+              <a:t>Vemos que la máxima pérdida se situó en 64,64€ y la máxima ganancia en 156,72@ </a:t>
+            </a:r>
+          </a:p>
+          <a:p>
+            <a:pPr marL="457200" indent="-457200">
+              <a:buFont typeface="+mj-lt"/>
+              <a:buAutoNum type="arabicPeriod"/>
             </a:pPr>
-            <a:r>
-              <a:rPr lang="es-ES_tradnl" sz="2200" dirty="0" smtClean="0">
-                <a:solidFill>
-                  <a:schemeClr val="bg2">
-                    <a:lumMod val="50000"/>
-                  </a:schemeClr>
-                </a:solidFill>
-                <a:latin typeface="Open Sans" panose="020B0606030504020204" pitchFamily="34" charset="0"/>
-                <a:ea typeface="Open Sans" panose="020B0606030504020204" pitchFamily="34" charset="0"/>
-                <a:cs typeface="Open Sans" panose="020B0606030504020204" pitchFamily="34" charset="0"/>
-              </a:rPr>
-              <a:t>Es menor que el de ENDESA y es constante y no creciente (o apenas) en los últimos años. Quizás producido por una inversión y aumento de los recursos propios en la misma relación que el beneficio neto, ya que este si que se incrementa en el curso de los años.</a:t>
-            </a:r>
-          </a:p>
-          <a:p>
-            <a:pPr marL="342900" indent="-342900">
-              <a:buFont typeface="Arial" charset="0"/>
-              <a:buChar char="•"/>
-            </a:pPr>
-            <a:r>
-              <a:rPr lang="es-ES_tradnl" sz="2200" dirty="0" smtClean="0">
-                <a:solidFill>
-                  <a:schemeClr val="bg2">
-                    <a:lumMod val="50000"/>
-                  </a:schemeClr>
-                </a:solidFill>
-                <a:latin typeface="Open Sans" panose="020B0606030504020204" pitchFamily="34" charset="0"/>
-                <a:ea typeface="Open Sans" panose="020B0606030504020204" pitchFamily="34" charset="0"/>
-                <a:cs typeface="Open Sans" panose="020B0606030504020204" pitchFamily="34" charset="0"/>
-              </a:rPr>
-              <a:t>PER:</a:t>
-            </a:r>
-          </a:p>
-          <a:p>
-            <a:pPr marL="1257300" lvl="1" indent="-342900">
-              <a:buFont typeface="Arial" charset="0"/>
-              <a:buChar char="•"/>
-            </a:pPr>
-            <a:r>
-              <a:rPr lang="es-ES_tradnl" sz="2200" dirty="0" smtClean="0">
-                <a:solidFill>
-                  <a:schemeClr val="bg2">
-                    <a:lumMod val="50000"/>
-                  </a:schemeClr>
-                </a:solidFill>
-                <a:latin typeface="Open Sans" panose="020B0606030504020204" pitchFamily="34" charset="0"/>
-                <a:ea typeface="Open Sans" panose="020B0606030504020204" pitchFamily="34" charset="0"/>
-                <a:cs typeface="Open Sans" panose="020B0606030504020204" pitchFamily="34" charset="0"/>
-              </a:rPr>
-              <a:t>Vemos un descenso del PER en los últimos años, lo cual puede ser debido a un incremento del beneficio por acción o un bajo crecimiento de la empresa. Se ha ido “abaratando” el precio de la acción.</a:t>
-            </a:r>
-          </a:p>
-          <a:p>
-            <a:pPr marL="342900" indent="-342900">
-              <a:buFont typeface="Arial" charset="0"/>
-              <a:buChar char="•"/>
-            </a:pPr>
-            <a:r>
-              <a:rPr lang="es-ES_tradnl" sz="2200" dirty="0" smtClean="0">
-                <a:solidFill>
-                  <a:schemeClr val="bg2">
-                    <a:lumMod val="50000"/>
-                  </a:schemeClr>
-                </a:solidFill>
-                <a:latin typeface="Open Sans" panose="020B0606030504020204" pitchFamily="34" charset="0"/>
-                <a:ea typeface="Open Sans" panose="020B0606030504020204" pitchFamily="34" charset="0"/>
-                <a:cs typeface="Open Sans" panose="020B0606030504020204" pitchFamily="34" charset="0"/>
-              </a:rPr>
-              <a:t>Rentabilidad por dividendo</a:t>
-            </a:r>
-          </a:p>
-          <a:p>
-            <a:pPr marL="1257300" lvl="1" indent="-342900">
-              <a:buFont typeface="Arial" charset="0"/>
-              <a:buChar char="•"/>
-            </a:pPr>
-            <a:r>
-              <a:rPr lang="es-ES_tradnl" sz="2200" dirty="0" smtClean="0">
-                <a:solidFill>
-                  <a:schemeClr val="bg2">
-                    <a:lumMod val="50000"/>
-                  </a:schemeClr>
-                </a:solidFill>
-                <a:latin typeface="Open Sans" panose="020B0606030504020204" pitchFamily="34" charset="0"/>
-                <a:ea typeface="Open Sans" panose="020B0606030504020204" pitchFamily="34" charset="0"/>
-                <a:cs typeface="Open Sans" panose="020B0606030504020204" pitchFamily="34" charset="0"/>
-              </a:rPr>
-              <a:t>A pesar de un decrecimiento en 2015, parece que crece paulatinamente en los subsiguientes años, con lo cual es positivo.</a:t>
-            </a:r>
-          </a:p>
-          <a:p>
-            <a:pPr marL="1257300" lvl="1" indent="-342900">
-              <a:buFont typeface="Arial" charset="0"/>
-              <a:buChar char="•"/>
-            </a:pPr>
-            <a:endParaRPr lang="es-ES_tradnl" sz="2400" dirty="0" smtClean="0">
+            <a:endParaRPr lang="es-ES_tradnl" sz="2200" dirty="0">
               <a:solidFill>
                 <a:schemeClr val="bg2">
                   <a:lumMod val="50000"/>
@@ -8040,11 +6533,76 @@
               <a:cs typeface="Open Sans" panose="020B0606030504020204" pitchFamily="34" charset="0"/>
             </a:endParaRPr>
           </a:p>
-        </p:txBody>
-      </p:sp>
-      <p:sp>
-        <p:nvSpPr>
-          <p:cNvPr id="27" name="TextBox 7"/>
+          <a:p>
+            <a:r>
+              <a:rPr lang="es-ES_tradnl" sz="2200" dirty="0" smtClean="0">
+                <a:solidFill>
+                  <a:schemeClr val="bg2">
+                    <a:lumMod val="50000"/>
+                  </a:schemeClr>
+                </a:solidFill>
+                <a:latin typeface="Open Sans" panose="020B0606030504020204" pitchFamily="34" charset="0"/>
+                <a:ea typeface="Open Sans" panose="020B0606030504020204" pitchFamily="34" charset="0"/>
+                <a:cs typeface="Open Sans" panose="020B0606030504020204" pitchFamily="34" charset="0"/>
+              </a:rPr>
+              <a:t>Parece que la operación es conservadora, de hecho el análisis fundamental realizado de la compañía no se mostraba como uno de los mejores momentos para invertir de ya que no estaba clara la tendencia siguiente. De hecho, en la gráfica general, aunque se observa una tendencia alcista en el canal mostrado, podemos estar en un hombro-cabeza-hombro y que rompa la tendencia comenzando a ser bajista.  De  hecho si vemos el RSI del momento actual, no es muy pronunciado, con lo cual, si invirtiésemos ahora, lo mas seguro sería poner un stop-</a:t>
+            </a:r>
+            <a:r>
+              <a:rPr lang="es-ES_tradnl" sz="2200" dirty="0" err="1" smtClean="0">
+                <a:solidFill>
+                  <a:schemeClr val="bg2">
+                    <a:lumMod val="50000"/>
+                  </a:schemeClr>
+                </a:solidFill>
+                <a:latin typeface="Open Sans" panose="020B0606030504020204" pitchFamily="34" charset="0"/>
+                <a:ea typeface="Open Sans" panose="020B0606030504020204" pitchFamily="34" charset="0"/>
+                <a:cs typeface="Open Sans" panose="020B0606030504020204" pitchFamily="34" charset="0"/>
+              </a:rPr>
+              <a:t>loss</a:t>
+            </a:r>
+            <a:r>
+              <a:rPr lang="es-ES_tradnl" sz="2200" dirty="0" smtClean="0">
+                <a:solidFill>
+                  <a:schemeClr val="bg2">
+                    <a:lumMod val="50000"/>
+                  </a:schemeClr>
+                </a:solidFill>
+                <a:latin typeface="Open Sans" panose="020B0606030504020204" pitchFamily="34" charset="0"/>
+                <a:ea typeface="Open Sans" panose="020B0606030504020204" pitchFamily="34" charset="0"/>
+                <a:cs typeface="Open Sans" panose="020B0606030504020204" pitchFamily="34" charset="0"/>
+              </a:rPr>
+              <a:t> sobre los 18,05</a:t>
+            </a:r>
+          </a:p>
+          <a:p>
+            <a:endParaRPr lang="es-ES_tradnl" sz="2200" dirty="0">
+              <a:solidFill>
+                <a:schemeClr val="bg2">
+                  <a:lumMod val="50000"/>
+                </a:schemeClr>
+              </a:solidFill>
+              <a:latin typeface="Open Sans" panose="020B0606030504020204" pitchFamily="34" charset="0"/>
+              <a:ea typeface="Open Sans" panose="020B0606030504020204" pitchFamily="34" charset="0"/>
+              <a:cs typeface="Open Sans" panose="020B0606030504020204" pitchFamily="34" charset="0"/>
+            </a:endParaRPr>
+          </a:p>
+          <a:p>
+            <a:endParaRPr lang="es-ES_tradnl" sz="2200" dirty="0" smtClean="0">
+              <a:solidFill>
+                <a:schemeClr val="bg2">
+                  <a:lumMod val="50000"/>
+                </a:schemeClr>
+              </a:solidFill>
+              <a:latin typeface="Open Sans" panose="020B0606030504020204" pitchFamily="34" charset="0"/>
+              <a:ea typeface="Open Sans" panose="020B0606030504020204" pitchFamily="34" charset="0"/>
+              <a:cs typeface="Open Sans" panose="020B0606030504020204" pitchFamily="34" charset="0"/>
+            </a:endParaRPr>
+          </a:p>
+        </p:txBody>
+      </p:sp>
+      <p:sp>
+        <p:nvSpPr>
+          <p:cNvPr id="12" name="TextBox 7"/>
           <p:cNvSpPr txBox="1"/>
           <p:nvPr/>
         </p:nvSpPr>
@@ -8089,7 +6647,7 @@
       </p:sp>
       <p:sp>
         <p:nvSpPr>
-          <p:cNvPr id="29" name="TextBox 22"/>
+          <p:cNvPr id="13" name="TextBox 22"/>
           <p:cNvSpPr txBox="1"/>
           <p:nvPr/>
         </p:nvSpPr>
@@ -8132,31 +6690,63 @@
           </a:p>
         </p:txBody>
       </p:sp>
-      <p:sp>
-        <p:nvSpPr>
-          <p:cNvPr id="3" name="Marcador de número de diapositiva 2"/>
-          <p:cNvSpPr>
-            <a:spLocks noGrp="1"/>
-          </p:cNvSpPr>
-          <p:nvPr>
-            <p:ph type="sldNum" sz="quarter" idx="12"/>
-          </p:nvPr>
-        </p:nvSpPr>
-        <p:spPr/>
-        <p:txBody>
-          <a:bodyPr/>
-          <a:lstStyle/>
-          <a:p>
-            <a:r>
-              <a:rPr lang="en-US" dirty="0"/>
-              <a:t>5</a:t>
-            </a:r>
-          </a:p>
-        </p:txBody>
-      </p:sp>
       <p:pic>
         <p:nvPicPr>
-          <p:cNvPr id="2050" name="Picture 2"/>
+          <p:cNvPr id="3075" name="Picture 3"/>
+          <p:cNvPicPr>
+            <a:picLocks noChangeAspect="1" noChangeArrowheads="1"/>
+          </p:cNvPicPr>
+          <p:nvPr/>
+        </p:nvPicPr>
+        <p:blipFill>
+          <a:blip r:embed="rId2">
+            <a:extLst>
+              <a:ext uri="{28A0092B-C50C-407E-A947-70E740481C1C}">
+                <a14:useLocalDpi xmlns:a14="http://schemas.microsoft.com/office/drawing/2010/main" val="0"/>
+              </a:ext>
+            </a:extLst>
+          </a:blip>
+          <a:srcRect/>
+          <a:stretch>
+            <a:fillRect/>
+          </a:stretch>
+        </p:blipFill>
+        <p:spPr bwMode="auto">
+          <a:xfrm>
+            <a:off x="6627178" y="8002627"/>
+            <a:ext cx="4538127" cy="4060430"/>
+          </a:xfrm>
+          <a:prstGeom prst="rect">
+            <a:avLst/>
+          </a:prstGeom>
+          <a:noFill/>
+          <a:ln>
+            <a:noFill/>
+          </a:ln>
+          <a:extLst>
+            <a:ext uri="{909E8E84-426E-40DD-AFC4-6F175D3DCCD1}">
+              <a14:hiddenFill xmlns:a14="http://schemas.microsoft.com/office/drawing/2010/main">
+                <a:solidFill>
+                  <a:schemeClr val="accent1"/>
+                </a:solidFill>
+              </a14:hiddenFill>
+            </a:ext>
+            <a:ext uri="{91240B29-F687-4F45-9708-019B960494DF}">
+              <a14:hiddenLine xmlns:a14="http://schemas.microsoft.com/office/drawing/2010/main" w="9525">
+                <a:solidFill>
+                  <a:schemeClr val="tx1"/>
+                </a:solidFill>
+                <a:miter lim="800000"/>
+                <a:headEnd/>
+                <a:tailEnd/>
+              </a14:hiddenLine>
+            </a:ext>
+          </a:extLst>
+        </p:spPr>
+      </p:pic>
+      <p:pic>
+        <p:nvPicPr>
+          <p:cNvPr id="3076" name="Picture 4"/>
           <p:cNvPicPr>
             <a:picLocks noChangeAspect="1" noChangeArrowheads="1"/>
           </p:cNvPicPr>
@@ -8177,8 +6767,8 @@
         </p:blipFill>
         <p:spPr bwMode="auto">
           <a:xfrm>
-            <a:off x="10508125" y="3762375"/>
-            <a:ext cx="13502552" cy="6296025"/>
+            <a:off x="539711" y="7820526"/>
+            <a:ext cx="4885144" cy="4424633"/>
           </a:xfrm>
           <a:prstGeom prst="rect">
             <a:avLst/>
@@ -8208,10 +6798,118 @@
           </a:extLst>
         </p:spPr>
       </p:pic>
+      <p:pic>
+        <p:nvPicPr>
+          <p:cNvPr id="3077" name="Picture 5"/>
+          <p:cNvPicPr>
+            <a:picLocks noChangeAspect="1" noChangeArrowheads="1"/>
+          </p:cNvPicPr>
+          <p:nvPr/>
+        </p:nvPicPr>
+        <p:blipFill>
+          <a:blip r:embed="rId4">
+            <a:extLst>
+              <a:ext uri="{28A0092B-C50C-407E-A947-70E740481C1C}">
+                <a14:useLocalDpi xmlns:a14="http://schemas.microsoft.com/office/drawing/2010/main" val="0"/>
+              </a:ext>
+            </a:extLst>
+          </a:blip>
+          <a:srcRect/>
+          <a:stretch>
+            <a:fillRect/>
+          </a:stretch>
+        </p:blipFill>
+        <p:spPr bwMode="auto">
+          <a:xfrm>
+            <a:off x="11563862" y="8313955"/>
+            <a:ext cx="5507117" cy="3857520"/>
+          </a:xfrm>
+          <a:prstGeom prst="rect">
+            <a:avLst/>
+          </a:prstGeom>
+          <a:noFill/>
+          <a:ln>
+            <a:noFill/>
+          </a:ln>
+          <a:extLst>
+            <a:ext uri="{909E8E84-426E-40DD-AFC4-6F175D3DCCD1}">
+              <a14:hiddenFill xmlns:a14="http://schemas.microsoft.com/office/drawing/2010/main">
+                <a:solidFill>
+                  <a:schemeClr val="accent1"/>
+                </a:solidFill>
+              </a14:hiddenFill>
+            </a:ext>
+            <a:ext uri="{91240B29-F687-4F45-9708-019B960494DF}">
+              <a14:hiddenLine xmlns:a14="http://schemas.microsoft.com/office/drawing/2010/main" w="9525">
+                <a:solidFill>
+                  <a:schemeClr val="tx1"/>
+                </a:solidFill>
+                <a:miter lim="800000"/>
+                <a:headEnd/>
+                <a:tailEnd/>
+              </a14:hiddenLine>
+            </a:ext>
+          </a:extLst>
+        </p:spPr>
+      </p:pic>
+      <p:pic>
+        <p:nvPicPr>
+          <p:cNvPr id="3078" name="Picture 6"/>
+          <p:cNvPicPr>
+            <a:picLocks noChangeAspect="1" noChangeArrowheads="1"/>
+          </p:cNvPicPr>
+          <p:nvPr/>
+        </p:nvPicPr>
+        <p:blipFill>
+          <a:blip r:embed="rId5">
+            <a:extLst>
+              <a:ext uri="{28A0092B-C50C-407E-A947-70E740481C1C}">
+                <a14:useLocalDpi xmlns:a14="http://schemas.microsoft.com/office/drawing/2010/main" val="0"/>
+              </a:ext>
+            </a:extLst>
+          </a:blip>
+          <a:srcRect/>
+          <a:stretch>
+            <a:fillRect/>
+          </a:stretch>
+        </p:blipFill>
+        <p:spPr bwMode="auto">
+          <a:xfrm>
+            <a:off x="17497925" y="9113950"/>
+            <a:ext cx="6341533" cy="3057525"/>
+          </a:xfrm>
+          <a:prstGeom prst="rect">
+            <a:avLst/>
+          </a:prstGeom>
+          <a:noFill/>
+          <a:ln>
+            <a:noFill/>
+          </a:ln>
+          <a:extLst>
+            <a:ext uri="{909E8E84-426E-40DD-AFC4-6F175D3DCCD1}">
+              <a14:hiddenFill xmlns:a14="http://schemas.microsoft.com/office/drawing/2010/main">
+                <a:solidFill>
+                  <a:schemeClr val="accent1"/>
+                </a:solidFill>
+              </a14:hiddenFill>
+            </a:ext>
+            <a:ext uri="{91240B29-F687-4F45-9708-019B960494DF}">
+              <a14:hiddenLine xmlns:a14="http://schemas.microsoft.com/office/drawing/2010/main" w="9525">
+                <a:solidFill>
+                  <a:schemeClr val="tx1"/>
+                </a:solidFill>
+                <a:miter lim="800000"/>
+                <a:headEnd/>
+                <a:tailEnd/>
+              </a14:hiddenLine>
+            </a:ext>
+          </a:extLst>
+        </p:spPr>
+      </p:pic>
     </p:spTree>
     <p:extLst>
       <p:ext uri="{BB962C8B-B14F-4D97-AF65-F5344CB8AC3E}">
-        <p14:creationId xmlns:p14="http://schemas.microsoft.com/office/powerpoint/2010/main" val="1091435339"/>
+        <p14:creationId xmlns:p14="http://schemas.microsoft.com/office/powerpoint/2010/main" val="2641453407"/>
       </p:ext>
     </p:extLst>
   </p:cSld>
@@ -8267,23 +6965,21 @@
       </p:grpSpPr>
       <p:cxnSp>
         <p:nvCxnSpPr>
-          <p:cNvPr id="14" name="Straight Connector 13"/>
+          <p:cNvPr id="20" name="Straight Connector 19"/>
           <p:cNvCxnSpPr/>
           <p:nvPr/>
         </p:nvCxnSpPr>
         <p:spPr>
-          <a:xfrm flipV="1">
-            <a:off x="3258951" y="2232255"/>
-            <a:ext cx="17706934" cy="16195"/>
+          <a:xfrm>
+            <a:off x="9030290" y="6716541"/>
+            <a:ext cx="6200078" cy="0"/>
           </a:xfrm>
           <a:prstGeom prst="line">
             <a:avLst/>
           </a:prstGeom>
           <a:ln w="50800">
             <a:solidFill>
-              <a:srgbClr val="507392">
-                <a:alpha val="30000"/>
-              </a:srgbClr>
+              <a:srgbClr val="507392"/>
             </a:solidFill>
           </a:ln>
         </p:spPr>
@@ -8302,53 +6998,110 @@
           </a:fontRef>
         </p:style>
       </p:cxnSp>
-      <p:cxnSp>
-        <p:nvCxnSpPr>
-          <p:cNvPr id="20" name="Straight Connector 19"/>
-          <p:cNvCxnSpPr/>
+      <p:sp>
+        <p:nvSpPr>
+          <p:cNvPr id="77" name="TextBox 76"/>
+          <p:cNvSpPr txBox="1"/>
           <p:nvPr/>
-        </p:nvCxnSpPr>
+        </p:nvSpPr>
         <p:spPr>
           <a:xfrm>
-            <a:off x="3258951" y="2248450"/>
-            <a:ext cx="6200078" cy="0"/>
-          </a:xfrm>
-          <a:prstGeom prst="line">
+            <a:off x="7268317" y="7081375"/>
+            <a:ext cx="9861143" cy="1107996"/>
+          </a:xfrm>
+          <a:prstGeom prst="rect">
             <a:avLst/>
           </a:prstGeom>
-          <a:ln w="50800">
-            <a:solidFill>
-              <a:srgbClr val="507392"/>
-            </a:solidFill>
-          </a:ln>
-        </p:spPr>
-        <p:style>
-          <a:lnRef idx="1">
-            <a:schemeClr val="accent1"/>
-          </a:lnRef>
-          <a:fillRef idx="0">
-            <a:schemeClr val="accent1"/>
-          </a:fillRef>
-          <a:effectRef idx="0">
-            <a:schemeClr val="accent1"/>
-          </a:effectRef>
-          <a:fontRef idx="minor">
-            <a:schemeClr val="tx1"/>
-          </a:fontRef>
-        </p:style>
-      </p:cxnSp>
-      <p:sp>
-        <p:nvSpPr>
-          <p:cNvPr id="10" name="Rectangle 9"/>
+          <a:noFill/>
+        </p:spPr>
+        <p:txBody>
+          <a:bodyPr wrap="square" rtlCol="0">
+            <a:spAutoFit/>
+          </a:bodyPr>
+          <a:lstStyle/>
+          <a:p>
+            <a:pPr algn="ctr"/>
+            <a:r>
+              <a:rPr lang="tr-TR" sz="6600" spc="100" dirty="0" smtClean="0">
+                <a:solidFill>
+                  <a:srgbClr val="507392"/>
+                </a:solidFill>
+                <a:latin typeface="Bebas Neue Bold" panose="020B0606020202050201" pitchFamily="34" charset="-94"/>
+                <a:ea typeface="Open Sans" panose="020B0606030504020204" pitchFamily="34" charset="0"/>
+                <a:cs typeface="Open Sans" panose="020B0606030504020204" pitchFamily="34" charset="0"/>
+              </a:rPr>
+              <a:t>MUCHAS GRACIAS</a:t>
+            </a:r>
+            <a:endParaRPr lang="en-US" sz="6600" spc="100" dirty="0">
+              <a:solidFill>
+                <a:srgbClr val="507392"/>
+              </a:solidFill>
+              <a:latin typeface="Bebas Neue Bold" panose="020B0606020202050201" pitchFamily="34" charset="-94"/>
+              <a:ea typeface="Open Sans" panose="020B0606030504020204" pitchFamily="34" charset="0"/>
+              <a:cs typeface="Open Sans" panose="020B0606030504020204" pitchFamily="34" charset="0"/>
+            </a:endParaRPr>
+          </a:p>
+        </p:txBody>
+      </p:sp>
+      <p:pic>
+        <p:nvPicPr>
+          <p:cNvPr id="10" name="Picture 9"/>
+          <p:cNvPicPr>
+            <a:picLocks noChangeAspect="1"/>
+          </p:cNvPicPr>
+          <p:nvPr/>
+        </p:nvPicPr>
+        <p:blipFill>
+          <a:blip r:embed="rId2"/>
+          <a:stretch>
+            <a:fillRect/>
+          </a:stretch>
+        </p:blipFill>
+        <p:spPr>
+          <a:xfrm>
+            <a:off x="11606475" y="4802684"/>
+            <a:ext cx="1091250" cy="933750"/>
+          </a:xfrm>
+          <a:prstGeom prst="rect">
+            <a:avLst/>
+          </a:prstGeom>
+        </p:spPr>
+      </p:pic>
+      <p:sp>
+        <p:nvSpPr>
+          <p:cNvPr id="2" name="Marcador de número de diapositiva 1"/>
+          <p:cNvSpPr>
+            <a:spLocks noGrp="1"/>
+          </p:cNvSpPr>
+          <p:nvPr>
+            <p:ph type="sldNum" sz="quarter" idx="12"/>
+          </p:nvPr>
+        </p:nvSpPr>
+        <p:spPr/>
+        <p:txBody>
+          <a:bodyPr/>
+          <a:lstStyle/>
+          <a:p>
+            <a:fld id="{C7575539-BFBE-477A-BDB6-9CA7B44D81A5}" type="slidenum">
+              <a:rPr lang="en-US" smtClean="0"/>
+              <a:t>7</a:t>
+            </a:fld>
+            <a:endParaRPr lang="en-US"/>
+          </a:p>
+        </p:txBody>
+      </p:sp>
+      <p:sp>
+        <p:nvSpPr>
+          <p:cNvPr id="12" name="Oval 53"/>
           <p:cNvSpPr/>
           <p:nvPr/>
         </p:nvSpPr>
         <p:spPr>
-          <a:xfrm flipH="1">
-            <a:off x="-3" y="1419726"/>
-            <a:ext cx="192507" cy="1528009"/>
-          </a:xfrm>
-          <a:prstGeom prst="rect">
+          <a:xfrm>
+            <a:off x="11163294" y="4235948"/>
+            <a:ext cx="1990539" cy="1990539"/>
+          </a:xfrm>
+          <a:prstGeom prst="ellipse">
             <a:avLst/>
           </a:prstGeom>
           <a:solidFill>
@@ -8380,1935 +7133,39 @@
           <a:p>
             <a:pPr algn="ctr"/>
             <a:endParaRPr lang="en-US">
-              <a:solidFill>
-                <a:srgbClr val="2C9398"/>
-              </a:solidFill>
+              <a:latin typeface="Bebas Neue Bold" panose="020B0606020202050201" pitchFamily="34" charset="-94"/>
             </a:endParaRPr>
-          </a:p>
-        </p:txBody>
-      </p:sp>
-      <p:cxnSp>
-        <p:nvCxnSpPr>
-          <p:cNvPr id="18" name="Straight Connector 17"/>
-          <p:cNvCxnSpPr/>
-          <p:nvPr/>
-        </p:nvCxnSpPr>
-        <p:spPr>
-          <a:xfrm flipV="1">
-            <a:off x="12190592" y="12771979"/>
-            <a:ext cx="21772" cy="504917"/>
-          </a:xfrm>
-          <a:prstGeom prst="line">
-            <a:avLst/>
-          </a:prstGeom>
-          <a:ln w="50800">
-            <a:solidFill>
-              <a:srgbClr val="507392"/>
-            </a:solidFill>
-          </a:ln>
-        </p:spPr>
-        <p:style>
-          <a:lnRef idx="1">
-            <a:schemeClr val="accent1"/>
-          </a:lnRef>
-          <a:fillRef idx="0">
-            <a:schemeClr val="accent1"/>
-          </a:fillRef>
-          <a:effectRef idx="0">
-            <a:schemeClr val="accent1"/>
-          </a:effectRef>
-          <a:fontRef idx="minor">
-            <a:schemeClr val="tx1"/>
-          </a:fontRef>
-        </p:style>
-      </p:cxnSp>
-      <p:sp>
-        <p:nvSpPr>
-          <p:cNvPr id="19" name="TextBox 18"/>
-          <p:cNvSpPr txBox="1"/>
-          <p:nvPr/>
-        </p:nvSpPr>
-        <p:spPr>
-          <a:xfrm>
-            <a:off x="3169056" y="1204036"/>
-            <a:ext cx="9021535" cy="2123658"/>
-          </a:xfrm>
-          <a:prstGeom prst="rect">
-            <a:avLst/>
-          </a:prstGeom>
-          <a:noFill/>
-        </p:spPr>
-        <p:txBody>
-          <a:bodyPr wrap="square" rtlCol="0">
-            <a:spAutoFit/>
-          </a:bodyPr>
-          <a:lstStyle/>
-          <a:p>
-            <a:r>
-              <a:rPr lang="tr-TR" sz="6600" spc="100" dirty="0" smtClean="0">
-                <a:solidFill>
-                  <a:srgbClr val="507392"/>
-                </a:solidFill>
-                <a:latin typeface="Bebas Neue Bold" panose="020B0606020202050201" pitchFamily="34" charset="-94"/>
-                <a:ea typeface="Open Sans" panose="020B0606030504020204" pitchFamily="34" charset="0"/>
-                <a:cs typeface="Open Sans" panose="020B0606030504020204" pitchFamily="34" charset="0"/>
-              </a:rPr>
-              <a:t>A</a:t>
-            </a:r>
-            <a:r>
-              <a:rPr lang="es-ES" sz="6600" spc="100" dirty="0" err="1" smtClean="0">
-                <a:solidFill>
-                  <a:srgbClr val="507392"/>
-                </a:solidFill>
-                <a:latin typeface="Bebas Neue Bold" panose="020B0606020202050201" pitchFamily="34" charset="-94"/>
-                <a:ea typeface="Open Sans" panose="020B0606030504020204" pitchFamily="34" charset="0"/>
-                <a:cs typeface="Open Sans" panose="020B0606030504020204" pitchFamily="34" charset="0"/>
-              </a:rPr>
-              <a:t>nálisis</a:t>
-            </a:r>
-            <a:r>
-              <a:rPr lang="es-ES" sz="6600" spc="100" dirty="0" smtClean="0">
-                <a:solidFill>
-                  <a:srgbClr val="507392"/>
-                </a:solidFill>
-                <a:latin typeface="Bebas Neue Bold" panose="020B0606020202050201" pitchFamily="34" charset="-94"/>
-                <a:ea typeface="Open Sans" panose="020B0606030504020204" pitchFamily="34" charset="0"/>
-                <a:cs typeface="Open Sans" panose="020B0606030504020204" pitchFamily="34" charset="0"/>
-              </a:rPr>
-              <a:t> fundamental</a:t>
-            </a:r>
-            <a:endParaRPr lang="tr-TR" sz="6600" spc="100" dirty="0">
-              <a:solidFill>
-                <a:srgbClr val="507392"/>
-              </a:solidFill>
-              <a:latin typeface="Bebas Neue Bold" panose="020B0606020202050201" pitchFamily="34" charset="-94"/>
-              <a:ea typeface="Open Sans" panose="020B0606030504020204" pitchFamily="34" charset="0"/>
-              <a:cs typeface="Open Sans" panose="020B0606030504020204" pitchFamily="34" charset="0"/>
-            </a:endParaRPr>
-          </a:p>
-          <a:p>
-            <a:r>
-              <a:rPr lang="es-ES" sz="6600" spc="100" dirty="0" smtClean="0">
-                <a:solidFill>
-                  <a:srgbClr val="507392"/>
-                </a:solidFill>
-                <a:latin typeface="Bebas Neue Bold" panose="020B0606020202050201" pitchFamily="34" charset="-94"/>
-                <a:ea typeface="Open Sans" panose="020B0606030504020204" pitchFamily="34" charset="0"/>
-                <a:cs typeface="Open Sans" panose="020B0606030504020204" pitchFamily="34" charset="0"/>
-              </a:rPr>
-              <a:t>Comparativa</a:t>
-            </a:r>
-            <a:endParaRPr lang="tr-TR" sz="6600" spc="100" dirty="0">
-              <a:solidFill>
-                <a:srgbClr val="507392"/>
-              </a:solidFill>
-              <a:latin typeface="Bebas Neue Bold" panose="020B0606020202050201" pitchFamily="34" charset="-94"/>
-              <a:ea typeface="Open Sans" panose="020B0606030504020204" pitchFamily="34" charset="0"/>
-              <a:cs typeface="Open Sans" panose="020B0606030504020204" pitchFamily="34" charset="0"/>
-            </a:endParaRPr>
-          </a:p>
-        </p:txBody>
-      </p:sp>
-      <p:sp>
-        <p:nvSpPr>
-          <p:cNvPr id="7" name="Rectangle 6"/>
-          <p:cNvSpPr/>
-          <p:nvPr/>
-        </p:nvSpPr>
-        <p:spPr>
-          <a:xfrm>
-            <a:off x="1620536" y="9830483"/>
-            <a:ext cx="21807023" cy="2185214"/>
-          </a:xfrm>
-          <a:prstGeom prst="rect">
-            <a:avLst/>
-          </a:prstGeom>
-        </p:spPr>
-        <p:txBody>
-          <a:bodyPr wrap="square">
-            <a:spAutoFit/>
-          </a:bodyPr>
-          <a:lstStyle/>
-          <a:p>
-            <a:pPr marL="342900" indent="-342900">
-              <a:buFont typeface="Arial" charset="0"/>
-              <a:buChar char="•"/>
-            </a:pPr>
-            <a:r>
-              <a:rPr lang="es-ES_tradnl" sz="2400" dirty="0" smtClean="0">
-                <a:solidFill>
-                  <a:schemeClr val="bg2">
-                    <a:lumMod val="50000"/>
-                  </a:schemeClr>
-                </a:solidFill>
-                <a:latin typeface="Open Sans" panose="020B0606030504020204" pitchFamily="34" charset="0"/>
-                <a:ea typeface="Open Sans" panose="020B0606030504020204" pitchFamily="34" charset="0"/>
-                <a:cs typeface="Open Sans" panose="020B0606030504020204" pitchFamily="34" charset="0"/>
-              </a:rPr>
-              <a:t>Comparamos ahora los ratios anteriores entre las dos empresas en los últimos 3 años mas las predicciones de 2017 y 2018:</a:t>
-            </a:r>
-          </a:p>
-          <a:p>
-            <a:pPr marL="342900" indent="-342900">
-              <a:buFont typeface="Arial" charset="0"/>
-              <a:buChar char="•"/>
-            </a:pPr>
-            <a:endParaRPr lang="es-ES_tradnl" sz="2200" dirty="0">
-              <a:solidFill>
-                <a:schemeClr val="bg2">
-                  <a:lumMod val="50000"/>
-                </a:schemeClr>
-              </a:solidFill>
-              <a:latin typeface="Open Sans" panose="020B0606030504020204" pitchFamily="34" charset="0"/>
-              <a:ea typeface="Open Sans" panose="020B0606030504020204" pitchFamily="34" charset="0"/>
-              <a:cs typeface="Open Sans" panose="020B0606030504020204" pitchFamily="34" charset="0"/>
-            </a:endParaRPr>
-          </a:p>
-          <a:p>
-            <a:pPr marL="1257300" lvl="1" indent="-342900">
-              <a:buFont typeface="Arial" charset="0"/>
-              <a:buChar char="•"/>
-            </a:pPr>
-            <a:r>
-              <a:rPr lang="es-ES_tradnl" sz="2200" dirty="0" smtClean="0">
-                <a:solidFill>
-                  <a:schemeClr val="bg2">
-                    <a:lumMod val="50000"/>
-                  </a:schemeClr>
-                </a:solidFill>
-                <a:latin typeface="Open Sans" panose="020B0606030504020204" pitchFamily="34" charset="0"/>
-                <a:ea typeface="Open Sans" panose="020B0606030504020204" pitchFamily="34" charset="0"/>
-                <a:cs typeface="Open Sans" panose="020B0606030504020204" pitchFamily="34" charset="0"/>
-              </a:rPr>
-              <a:t>Respecto al EBITDA vemos que Iberdrola se comporta bastante mejor que ENDESA en los últimos años. </a:t>
-            </a:r>
-          </a:p>
-          <a:p>
-            <a:pPr marL="1257300" lvl="1" indent="-342900">
-              <a:buFont typeface="Arial" charset="0"/>
-              <a:buChar char="•"/>
-            </a:pPr>
-            <a:r>
-              <a:rPr lang="es-ES_tradnl" sz="2200" dirty="0" smtClean="0">
-                <a:solidFill>
-                  <a:schemeClr val="bg2">
-                    <a:lumMod val="50000"/>
-                  </a:schemeClr>
-                </a:solidFill>
-                <a:latin typeface="Open Sans" panose="020B0606030504020204" pitchFamily="34" charset="0"/>
-                <a:ea typeface="Open Sans" panose="020B0606030504020204" pitchFamily="34" charset="0"/>
-                <a:cs typeface="Open Sans" panose="020B0606030504020204" pitchFamily="34" charset="0"/>
-              </a:rPr>
-              <a:t>En el caso del ROE , aunque no es significativo, ENDESA es un poco mas elevado, sin embargo hay que tener en cuenta que el beneficio neto en millones de Iberdrola es mas lineal</a:t>
-            </a:r>
-          </a:p>
-          <a:p>
-            <a:pPr marL="1257300" lvl="1" indent="-342900">
-              <a:buFont typeface="Arial" charset="0"/>
-              <a:buChar char="•"/>
-            </a:pPr>
-            <a:endParaRPr lang="es-ES_tradnl" sz="2400" dirty="0" smtClean="0">
-              <a:solidFill>
-                <a:schemeClr val="bg2">
-                  <a:lumMod val="50000"/>
-                </a:schemeClr>
-              </a:solidFill>
-              <a:latin typeface="Open Sans" panose="020B0606030504020204" pitchFamily="34" charset="0"/>
-              <a:ea typeface="Open Sans" panose="020B0606030504020204" pitchFamily="34" charset="0"/>
-              <a:cs typeface="Open Sans" panose="020B0606030504020204" pitchFamily="34" charset="0"/>
-            </a:endParaRPr>
-          </a:p>
-        </p:txBody>
-      </p:sp>
-      <p:sp>
-        <p:nvSpPr>
-          <p:cNvPr id="27" name="TextBox 7"/>
-          <p:cNvSpPr txBox="1"/>
-          <p:nvPr/>
-        </p:nvSpPr>
-        <p:spPr>
-          <a:xfrm>
-            <a:off x="10508125" y="12793750"/>
-            <a:ext cx="8051729" cy="492443"/>
-          </a:xfrm>
-          <a:prstGeom prst="rect">
-            <a:avLst/>
-          </a:prstGeom>
-          <a:noFill/>
-        </p:spPr>
-        <p:txBody>
-          <a:bodyPr wrap="square" rtlCol="0">
-            <a:spAutoFit/>
-          </a:bodyPr>
-          <a:lstStyle/>
-          <a:p>
-            <a:pPr algn="ctr"/>
-            <a:r>
-              <a:rPr lang="es-ES" sz="2600" spc="300" dirty="0" smtClean="0">
-                <a:solidFill>
-                  <a:srgbClr val="507392"/>
-                </a:solidFill>
-                <a:latin typeface="Bebas Neue Bold" panose="020B0606020202050201" pitchFamily="34" charset="-94"/>
-                <a:ea typeface="Open Sans" panose="020B0606030504020204" pitchFamily="34" charset="0"/>
-                <a:cs typeface="Open Sans" panose="020B0606030504020204" pitchFamily="34" charset="0"/>
-              </a:rPr>
-              <a:t>TRADE &amp; INVESTMENT</a:t>
-            </a:r>
-            <a:endParaRPr lang="en-US" sz="2600" spc="300" dirty="0">
-              <a:solidFill>
-                <a:srgbClr val="507392"/>
-              </a:solidFill>
-              <a:latin typeface="Bebas Neue Bold" panose="020B0606020202050201" pitchFamily="34" charset="-94"/>
-              <a:ea typeface="Open Sans" panose="020B0606030504020204" pitchFamily="34" charset="0"/>
-              <a:cs typeface="Open Sans" panose="020B0606030504020204" pitchFamily="34" charset="0"/>
-            </a:endParaRPr>
-          </a:p>
-        </p:txBody>
-      </p:sp>
-      <p:sp>
-        <p:nvSpPr>
-          <p:cNvPr id="29" name="TextBox 22"/>
-          <p:cNvSpPr txBox="1"/>
-          <p:nvPr/>
-        </p:nvSpPr>
-        <p:spPr>
-          <a:xfrm>
-            <a:off x="18699911" y="12793750"/>
-            <a:ext cx="3021645" cy="492443"/>
-          </a:xfrm>
-          <a:prstGeom prst="rect">
-            <a:avLst/>
-          </a:prstGeom>
-          <a:noFill/>
-        </p:spPr>
-        <p:txBody>
-          <a:bodyPr wrap="square" rtlCol="0">
-            <a:spAutoFit/>
-          </a:bodyPr>
-          <a:lstStyle/>
-          <a:p>
-            <a:pPr algn="ctr"/>
-            <a:r>
-              <a:rPr lang="tr-TR" sz="2600" spc="300" smtClean="0">
-                <a:solidFill>
-                  <a:srgbClr val="507392"/>
-                </a:solidFill>
-                <a:latin typeface="Bebas Neue Bold" panose="020B0606020202050201" pitchFamily="34" charset="-94"/>
-                <a:ea typeface="Open Sans" panose="020B0606030504020204" pitchFamily="34" charset="0"/>
-                <a:cs typeface="Open Sans" panose="020B0606030504020204" pitchFamily="34" charset="0"/>
-              </a:rPr>
-              <a:t>PRACTICA</a:t>
-            </a:r>
-            <a:endParaRPr lang="en-US" sz="2600" spc="300" dirty="0">
-              <a:solidFill>
-                <a:srgbClr val="507392"/>
-              </a:solidFill>
-              <a:latin typeface="Bebas Neue Bold" panose="020B0606020202050201" pitchFamily="34" charset="-94"/>
-              <a:ea typeface="Open Sans" panose="020B0606030504020204" pitchFamily="34" charset="0"/>
-              <a:cs typeface="Open Sans" panose="020B0606030504020204" pitchFamily="34" charset="0"/>
-            </a:endParaRPr>
-          </a:p>
-        </p:txBody>
-      </p:sp>
-      <p:sp>
-        <p:nvSpPr>
-          <p:cNvPr id="3" name="Marcador de número de diapositiva 2"/>
-          <p:cNvSpPr>
-            <a:spLocks noGrp="1"/>
-          </p:cNvSpPr>
-          <p:nvPr>
-            <p:ph type="sldNum" sz="quarter" idx="12"/>
-          </p:nvPr>
-        </p:nvSpPr>
-        <p:spPr/>
-        <p:txBody>
-          <a:bodyPr/>
-          <a:lstStyle/>
-          <a:p>
-            <a:r>
-              <a:rPr lang="en-US" dirty="0"/>
-              <a:t>5</a:t>
-            </a:r>
           </a:p>
         </p:txBody>
       </p:sp>
       <p:pic>
         <p:nvPicPr>
-          <p:cNvPr id="3074" name="Picture 2"/>
+          <p:cNvPr id="13" name="Picture 20"/>
           <p:cNvPicPr>
-            <a:picLocks noChangeAspect="1" noChangeArrowheads="1"/>
+            <a:picLocks noChangeAspect="1"/>
           </p:cNvPicPr>
           <p:nvPr/>
         </p:nvPicPr>
         <p:blipFill>
-          <a:blip r:embed="rId3">
-            <a:extLst>
-              <a:ext uri="{28A0092B-C50C-407E-A947-70E740481C1C}">
-                <a14:useLocalDpi xmlns:a14="http://schemas.microsoft.com/office/drawing/2010/main" val="0"/>
-              </a:ext>
-            </a:extLst>
-          </a:blip>
-          <a:srcRect/>
+          <a:blip r:embed="rId3"/>
           <a:stretch>
             <a:fillRect/>
           </a:stretch>
         </p:blipFill>
-        <p:spPr bwMode="auto">
+        <p:spPr>
           <a:xfrm>
-            <a:off x="462177" y="4115970"/>
-            <a:ext cx="11203274" cy="4669382"/>
+            <a:off x="11648739" y="4834412"/>
+            <a:ext cx="1071662" cy="801333"/>
           </a:xfrm>
           <a:prstGeom prst="rect">
             <a:avLst/>
           </a:prstGeom>
-          <a:noFill/>
-          <a:ln>
-            <a:noFill/>
-          </a:ln>
-          <a:extLst>
-            <a:ext uri="{909E8E84-426E-40DD-AFC4-6F175D3DCCD1}">
-              <a14:hiddenFill xmlns:a14="http://schemas.microsoft.com/office/drawing/2010/main">
-                <a:solidFill>
-                  <a:schemeClr val="accent1"/>
-                </a:solidFill>
-              </a14:hiddenFill>
-            </a:ext>
-            <a:ext uri="{91240B29-F687-4F45-9708-019B960494DF}">
-              <a14:hiddenLine xmlns:a14="http://schemas.microsoft.com/office/drawing/2010/main" w="9525">
-                <a:solidFill>
-                  <a:schemeClr val="tx1"/>
-                </a:solidFill>
-                <a:miter lim="800000"/>
-                <a:headEnd/>
-                <a:tailEnd/>
-              </a14:hiddenLine>
-            </a:ext>
-          </a:extLst>
-        </p:spPr>
-      </p:pic>
-      <p:pic>
-        <p:nvPicPr>
-          <p:cNvPr id="3075" name="Picture 3"/>
-          <p:cNvPicPr>
-            <a:picLocks noChangeAspect="1" noChangeArrowheads="1"/>
-          </p:cNvPicPr>
-          <p:nvPr/>
-        </p:nvPicPr>
-        <p:blipFill>
-          <a:blip r:embed="rId4">
-            <a:extLst>
-              <a:ext uri="{28A0092B-C50C-407E-A947-70E740481C1C}">
-                <a14:useLocalDpi xmlns:a14="http://schemas.microsoft.com/office/drawing/2010/main" val="0"/>
-              </a:ext>
-            </a:extLst>
-          </a:blip>
-          <a:srcRect/>
-          <a:stretch>
-            <a:fillRect/>
-          </a:stretch>
-        </p:blipFill>
-        <p:spPr bwMode="auto">
-          <a:xfrm>
-            <a:off x="12524046" y="4115970"/>
-            <a:ext cx="11009911" cy="4669382"/>
-          </a:xfrm>
-          <a:prstGeom prst="rect">
-            <a:avLst/>
-          </a:prstGeom>
-          <a:noFill/>
-          <a:ln>
-            <a:noFill/>
-          </a:ln>
-          <a:extLst>
-            <a:ext uri="{909E8E84-426E-40DD-AFC4-6F175D3DCCD1}">
-              <a14:hiddenFill xmlns:a14="http://schemas.microsoft.com/office/drawing/2010/main">
-                <a:solidFill>
-                  <a:schemeClr val="accent1"/>
-                </a:solidFill>
-              </a14:hiddenFill>
-            </a:ext>
-            <a:ext uri="{91240B29-F687-4F45-9708-019B960494DF}">
-              <a14:hiddenLine xmlns:a14="http://schemas.microsoft.com/office/drawing/2010/main" w="9525">
-                <a:solidFill>
-                  <a:schemeClr val="tx1"/>
-                </a:solidFill>
-                <a:miter lim="800000"/>
-                <a:headEnd/>
-                <a:tailEnd/>
-              </a14:hiddenLine>
-            </a:ext>
-          </a:extLst>
         </p:spPr>
       </p:pic>
     </p:spTree>
     <p:extLst>
       <p:ext uri="{BB962C8B-B14F-4D97-AF65-F5344CB8AC3E}">
-        <p14:creationId xmlns:p14="http://schemas.microsoft.com/office/powerpoint/2010/main" val="4243822606"/>
-      </p:ext>
-    </p:extLst>
-  </p:cSld>
-  <p:clrMapOvr>
-    <a:masterClrMapping/>
-  </p:clrMapOvr>
-  <mc:AlternateContent xmlns:mc="http://schemas.openxmlformats.org/markup-compatibility/2006" xmlns:p14="http://schemas.microsoft.com/office/powerpoint/2010/main">
-    <mc:Choice Requires="p14">
-      <p:transition spd="med" p14:dur="700">
-        <p:fade/>
-      </p:transition>
-    </mc:Choice>
-    <mc:Fallback xmlns="">
-      <p:transition spd="med">
-        <p:fade/>
-      </p:transition>
-    </mc:Fallback>
-  </mc:AlternateContent>
-  <p:timing>
-    <p:tnLst>
-      <p:par>
-        <p:cTn id="1" dur="indefinite" restart="never" nodeType="tmRoot"/>
-      </p:par>
-    </p:tnLst>
-  </p:timing>
-</p:sld>
-</file>
-
-<file path=ppt/slides/slide8.xml><?xml version="1.0" encoding="utf-8"?>
-<p:sld xmlns:a="http://schemas.openxmlformats.org/drawingml/2006/main" xmlns:r="http://schemas.openxmlformats.org/officeDocument/2006/relationships" xmlns:p="http://schemas.openxmlformats.org/presentationml/2006/main">
-  <p:cSld>
-    <p:bg>
-      <p:bgPr>
-        <a:solidFill>
-          <a:schemeClr val="bg1"/>
-        </a:solidFill>
-        <a:effectLst/>
-      </p:bgPr>
-    </p:bg>
-    <p:spTree>
-      <p:nvGrpSpPr>
-        <p:cNvPr id="1" name=""/>
-        <p:cNvGrpSpPr/>
-        <p:nvPr/>
-      </p:nvGrpSpPr>
-      <p:grpSpPr>
-        <a:xfrm>
-          <a:off x="0" y="0"/>
-          <a:ext cx="0" cy="0"/>
-          <a:chOff x="0" y="0"/>
-          <a:chExt cx="0" cy="0"/>
-        </a:xfrm>
-      </p:grpSpPr>
-      <p:cxnSp>
-        <p:nvCxnSpPr>
-          <p:cNvPr id="14" name="Straight Connector 13"/>
-          <p:cNvCxnSpPr/>
-          <p:nvPr/>
-        </p:nvCxnSpPr>
-        <p:spPr>
-          <a:xfrm flipV="1">
-            <a:off x="3258951" y="2232255"/>
-            <a:ext cx="17706934" cy="16195"/>
-          </a:xfrm>
-          <a:prstGeom prst="line">
-            <a:avLst/>
-          </a:prstGeom>
-          <a:ln w="50800">
-            <a:solidFill>
-              <a:srgbClr val="507392">
-                <a:alpha val="30000"/>
-              </a:srgbClr>
-            </a:solidFill>
-          </a:ln>
-        </p:spPr>
-        <p:style>
-          <a:lnRef idx="1">
-            <a:schemeClr val="accent1"/>
-          </a:lnRef>
-          <a:fillRef idx="0">
-            <a:schemeClr val="accent1"/>
-          </a:fillRef>
-          <a:effectRef idx="0">
-            <a:schemeClr val="accent1"/>
-          </a:effectRef>
-          <a:fontRef idx="minor">
-            <a:schemeClr val="tx1"/>
-          </a:fontRef>
-        </p:style>
-      </p:cxnSp>
-      <p:cxnSp>
-        <p:nvCxnSpPr>
-          <p:cNvPr id="20" name="Straight Connector 19"/>
-          <p:cNvCxnSpPr/>
-          <p:nvPr/>
-        </p:nvCxnSpPr>
-        <p:spPr>
-          <a:xfrm>
-            <a:off x="3258951" y="2248450"/>
-            <a:ext cx="6200078" cy="0"/>
-          </a:xfrm>
-          <a:prstGeom prst="line">
-            <a:avLst/>
-          </a:prstGeom>
-          <a:ln w="50800">
-            <a:solidFill>
-              <a:srgbClr val="507392"/>
-            </a:solidFill>
-          </a:ln>
-        </p:spPr>
-        <p:style>
-          <a:lnRef idx="1">
-            <a:schemeClr val="accent1"/>
-          </a:lnRef>
-          <a:fillRef idx="0">
-            <a:schemeClr val="accent1"/>
-          </a:fillRef>
-          <a:effectRef idx="0">
-            <a:schemeClr val="accent1"/>
-          </a:effectRef>
-          <a:fontRef idx="minor">
-            <a:schemeClr val="tx1"/>
-          </a:fontRef>
-        </p:style>
-      </p:cxnSp>
-      <p:sp>
-        <p:nvSpPr>
-          <p:cNvPr id="10" name="Rectangle 9"/>
-          <p:cNvSpPr/>
-          <p:nvPr/>
-        </p:nvSpPr>
-        <p:spPr>
-          <a:xfrm flipH="1">
-            <a:off x="-3" y="1419726"/>
-            <a:ext cx="192507" cy="1528009"/>
-          </a:xfrm>
-          <a:prstGeom prst="rect">
-            <a:avLst/>
-          </a:prstGeom>
-          <a:solidFill>
-            <a:srgbClr val="507392"/>
-          </a:solidFill>
-          <a:ln>
-            <a:noFill/>
-          </a:ln>
-        </p:spPr>
-        <p:style>
-          <a:lnRef idx="2">
-            <a:schemeClr val="accent1">
-              <a:shade val="50000"/>
-            </a:schemeClr>
-          </a:lnRef>
-          <a:fillRef idx="1">
-            <a:schemeClr val="accent1"/>
-          </a:fillRef>
-          <a:effectRef idx="0">
-            <a:schemeClr val="accent1"/>
-          </a:effectRef>
-          <a:fontRef idx="minor">
-            <a:schemeClr val="lt1"/>
-          </a:fontRef>
-        </p:style>
-        <p:txBody>
-          <a:bodyPr rtlCol="0" anchor="ctr"/>
-          <a:lstStyle/>
-          <a:p>
-            <a:pPr algn="ctr"/>
-            <a:endParaRPr lang="en-US">
-              <a:solidFill>
-                <a:srgbClr val="2C9398"/>
-              </a:solidFill>
-            </a:endParaRPr>
-          </a:p>
-        </p:txBody>
-      </p:sp>
-      <p:cxnSp>
-        <p:nvCxnSpPr>
-          <p:cNvPr id="18" name="Straight Connector 17"/>
-          <p:cNvCxnSpPr/>
-          <p:nvPr/>
-        </p:nvCxnSpPr>
-        <p:spPr>
-          <a:xfrm flipV="1">
-            <a:off x="12190592" y="12771979"/>
-            <a:ext cx="21772" cy="504917"/>
-          </a:xfrm>
-          <a:prstGeom prst="line">
-            <a:avLst/>
-          </a:prstGeom>
-          <a:ln w="50800">
-            <a:solidFill>
-              <a:srgbClr val="507392"/>
-            </a:solidFill>
-          </a:ln>
-        </p:spPr>
-        <p:style>
-          <a:lnRef idx="1">
-            <a:schemeClr val="accent1"/>
-          </a:lnRef>
-          <a:fillRef idx="0">
-            <a:schemeClr val="accent1"/>
-          </a:fillRef>
-          <a:effectRef idx="0">
-            <a:schemeClr val="accent1"/>
-          </a:effectRef>
-          <a:fontRef idx="minor">
-            <a:schemeClr val="tx1"/>
-          </a:fontRef>
-        </p:style>
-      </p:cxnSp>
-      <p:sp>
-        <p:nvSpPr>
-          <p:cNvPr id="19" name="TextBox 18"/>
-          <p:cNvSpPr txBox="1"/>
-          <p:nvPr/>
-        </p:nvSpPr>
-        <p:spPr>
-          <a:xfrm>
-            <a:off x="3169056" y="1204036"/>
-            <a:ext cx="9021535" cy="2123658"/>
-          </a:xfrm>
-          <a:prstGeom prst="rect">
-            <a:avLst/>
-          </a:prstGeom>
-          <a:noFill/>
-        </p:spPr>
-        <p:txBody>
-          <a:bodyPr wrap="square" rtlCol="0">
-            <a:spAutoFit/>
-          </a:bodyPr>
-          <a:lstStyle/>
-          <a:p>
-            <a:r>
-              <a:rPr lang="tr-TR" sz="6600" spc="100" dirty="0" smtClean="0">
-                <a:solidFill>
-                  <a:srgbClr val="507392"/>
-                </a:solidFill>
-                <a:latin typeface="Bebas Neue Bold" panose="020B0606020202050201" pitchFamily="34" charset="-94"/>
-                <a:ea typeface="Open Sans" panose="020B0606030504020204" pitchFamily="34" charset="0"/>
-                <a:cs typeface="Open Sans" panose="020B0606030504020204" pitchFamily="34" charset="0"/>
-              </a:rPr>
-              <a:t>A</a:t>
-            </a:r>
-            <a:r>
-              <a:rPr lang="es-ES" sz="6600" spc="100" dirty="0" err="1" smtClean="0">
-                <a:solidFill>
-                  <a:srgbClr val="507392"/>
-                </a:solidFill>
-                <a:latin typeface="Bebas Neue Bold" panose="020B0606020202050201" pitchFamily="34" charset="-94"/>
-                <a:ea typeface="Open Sans" panose="020B0606030504020204" pitchFamily="34" charset="0"/>
-                <a:cs typeface="Open Sans" panose="020B0606030504020204" pitchFamily="34" charset="0"/>
-              </a:rPr>
-              <a:t>nálisis</a:t>
-            </a:r>
-            <a:r>
-              <a:rPr lang="es-ES" sz="6600" spc="100" dirty="0" smtClean="0">
-                <a:solidFill>
-                  <a:srgbClr val="507392"/>
-                </a:solidFill>
-                <a:latin typeface="Bebas Neue Bold" panose="020B0606020202050201" pitchFamily="34" charset="-94"/>
-                <a:ea typeface="Open Sans" panose="020B0606030504020204" pitchFamily="34" charset="0"/>
-                <a:cs typeface="Open Sans" panose="020B0606030504020204" pitchFamily="34" charset="0"/>
-              </a:rPr>
-              <a:t> fundamental</a:t>
-            </a:r>
-            <a:endParaRPr lang="tr-TR" sz="6600" spc="100" dirty="0">
-              <a:solidFill>
-                <a:srgbClr val="507392"/>
-              </a:solidFill>
-              <a:latin typeface="Bebas Neue Bold" panose="020B0606020202050201" pitchFamily="34" charset="-94"/>
-              <a:ea typeface="Open Sans" panose="020B0606030504020204" pitchFamily="34" charset="0"/>
-              <a:cs typeface="Open Sans" panose="020B0606030504020204" pitchFamily="34" charset="0"/>
-            </a:endParaRPr>
-          </a:p>
-          <a:p>
-            <a:r>
-              <a:rPr lang="es-ES" sz="6600" spc="100" dirty="0" smtClean="0">
-                <a:solidFill>
-                  <a:srgbClr val="507392"/>
-                </a:solidFill>
-                <a:latin typeface="Bebas Neue Bold" panose="020B0606020202050201" pitchFamily="34" charset="-94"/>
-                <a:ea typeface="Open Sans" panose="020B0606030504020204" pitchFamily="34" charset="0"/>
-                <a:cs typeface="Open Sans" panose="020B0606030504020204" pitchFamily="34" charset="0"/>
-              </a:rPr>
-              <a:t>Comparativa</a:t>
-            </a:r>
-            <a:endParaRPr lang="tr-TR" sz="6600" spc="100" dirty="0">
-              <a:solidFill>
-                <a:srgbClr val="507392"/>
-              </a:solidFill>
-              <a:latin typeface="Bebas Neue Bold" panose="020B0606020202050201" pitchFamily="34" charset="-94"/>
-              <a:ea typeface="Open Sans" panose="020B0606030504020204" pitchFamily="34" charset="0"/>
-              <a:cs typeface="Open Sans" panose="020B0606030504020204" pitchFamily="34" charset="0"/>
-            </a:endParaRPr>
-          </a:p>
-        </p:txBody>
-      </p:sp>
-      <p:sp>
-        <p:nvSpPr>
-          <p:cNvPr id="7" name="Rectangle 6"/>
-          <p:cNvSpPr/>
-          <p:nvPr/>
-        </p:nvSpPr>
-        <p:spPr>
-          <a:xfrm>
-            <a:off x="1620536" y="9830483"/>
-            <a:ext cx="21807023" cy="2523768"/>
-          </a:xfrm>
-          <a:prstGeom prst="rect">
-            <a:avLst/>
-          </a:prstGeom>
-        </p:spPr>
-        <p:txBody>
-          <a:bodyPr wrap="square">
-            <a:spAutoFit/>
-          </a:bodyPr>
-          <a:lstStyle/>
-          <a:p>
-            <a:pPr marL="342900" indent="-342900">
-              <a:buFont typeface="Arial" charset="0"/>
-              <a:buChar char="•"/>
-            </a:pPr>
-            <a:r>
-              <a:rPr lang="es-ES_tradnl" sz="2400" dirty="0" smtClean="0">
-                <a:solidFill>
-                  <a:schemeClr val="bg2">
-                    <a:lumMod val="50000"/>
-                  </a:schemeClr>
-                </a:solidFill>
-                <a:latin typeface="Open Sans" panose="020B0606030504020204" pitchFamily="34" charset="0"/>
-                <a:ea typeface="Open Sans" panose="020B0606030504020204" pitchFamily="34" charset="0"/>
-                <a:cs typeface="Open Sans" panose="020B0606030504020204" pitchFamily="34" charset="0"/>
-              </a:rPr>
-              <a:t>Comparamos ahora los ratios anteriores entre las dos empresas en los últimos 3 años mas las predicciones de 2017 y 2018:</a:t>
-            </a:r>
-          </a:p>
-          <a:p>
-            <a:pPr marL="342900" indent="-342900">
-              <a:buFont typeface="Arial" charset="0"/>
-              <a:buChar char="•"/>
-            </a:pPr>
-            <a:endParaRPr lang="es-ES_tradnl" sz="2200" dirty="0">
-              <a:solidFill>
-                <a:schemeClr val="bg2">
-                  <a:lumMod val="50000"/>
-                </a:schemeClr>
-              </a:solidFill>
-              <a:latin typeface="Open Sans" panose="020B0606030504020204" pitchFamily="34" charset="0"/>
-              <a:ea typeface="Open Sans" panose="020B0606030504020204" pitchFamily="34" charset="0"/>
-              <a:cs typeface="Open Sans" panose="020B0606030504020204" pitchFamily="34" charset="0"/>
-            </a:endParaRPr>
-          </a:p>
-          <a:p>
-            <a:pPr marL="1257300" lvl="1" indent="-342900">
-              <a:buFont typeface="Arial" charset="0"/>
-              <a:buChar char="•"/>
-            </a:pPr>
-            <a:r>
-              <a:rPr lang="es-ES_tradnl" sz="2200" dirty="0" smtClean="0">
-                <a:solidFill>
-                  <a:schemeClr val="bg2">
-                    <a:lumMod val="50000"/>
-                  </a:schemeClr>
-                </a:solidFill>
-                <a:latin typeface="Open Sans" panose="020B0606030504020204" pitchFamily="34" charset="0"/>
-                <a:ea typeface="Open Sans" panose="020B0606030504020204" pitchFamily="34" charset="0"/>
-                <a:cs typeface="Open Sans" panose="020B0606030504020204" pitchFamily="34" charset="0"/>
-              </a:rPr>
-              <a:t>En el caso del PER vemos que el valor de Iberdrola está mas barato que Endesa, aunque tendríamos que ver los factores de riesgo de cada empresa para no equivocarnos en esta interpretación.. </a:t>
-            </a:r>
-          </a:p>
-          <a:p>
-            <a:pPr marL="1257300" lvl="1" indent="-342900">
-              <a:buFont typeface="Arial" charset="0"/>
-              <a:buChar char="•"/>
-            </a:pPr>
-            <a:r>
-              <a:rPr lang="es-ES_tradnl" sz="2200" dirty="0" smtClean="0">
-                <a:solidFill>
-                  <a:schemeClr val="bg2">
-                    <a:lumMod val="50000"/>
-                  </a:schemeClr>
-                </a:solidFill>
-                <a:latin typeface="Open Sans" panose="020B0606030504020204" pitchFamily="34" charset="0"/>
-                <a:ea typeface="Open Sans" panose="020B0606030504020204" pitchFamily="34" charset="0"/>
-                <a:cs typeface="Open Sans" panose="020B0606030504020204" pitchFamily="34" charset="0"/>
-              </a:rPr>
-              <a:t>Aunque no podemos tener la gráfica de rentabilidad por dividendo, si podemos ver la gráfica de dividendo por acción, donde Endesa está por encima pero no es significativo. </a:t>
-            </a:r>
-          </a:p>
-          <a:p>
-            <a:pPr marL="1257300" lvl="1" indent="-342900">
-              <a:buFont typeface="Arial" charset="0"/>
-              <a:buChar char="•"/>
-            </a:pPr>
-            <a:endParaRPr lang="es-ES_tradnl" sz="2400" dirty="0" smtClean="0">
-              <a:solidFill>
-                <a:schemeClr val="bg2">
-                  <a:lumMod val="50000"/>
-                </a:schemeClr>
-              </a:solidFill>
-              <a:latin typeface="Open Sans" panose="020B0606030504020204" pitchFamily="34" charset="0"/>
-              <a:ea typeface="Open Sans" panose="020B0606030504020204" pitchFamily="34" charset="0"/>
-              <a:cs typeface="Open Sans" panose="020B0606030504020204" pitchFamily="34" charset="0"/>
-            </a:endParaRPr>
-          </a:p>
-        </p:txBody>
-      </p:sp>
-      <p:sp>
-        <p:nvSpPr>
-          <p:cNvPr id="27" name="TextBox 7"/>
-          <p:cNvSpPr txBox="1"/>
-          <p:nvPr/>
-        </p:nvSpPr>
-        <p:spPr>
-          <a:xfrm>
-            <a:off x="10508125" y="12793750"/>
-            <a:ext cx="8051729" cy="492443"/>
-          </a:xfrm>
-          <a:prstGeom prst="rect">
-            <a:avLst/>
-          </a:prstGeom>
-          <a:noFill/>
-        </p:spPr>
-        <p:txBody>
-          <a:bodyPr wrap="square" rtlCol="0">
-            <a:spAutoFit/>
-          </a:bodyPr>
-          <a:lstStyle/>
-          <a:p>
-            <a:pPr algn="ctr"/>
-            <a:r>
-              <a:rPr lang="es-ES" sz="2600" spc="300" dirty="0" smtClean="0">
-                <a:solidFill>
-                  <a:srgbClr val="507392"/>
-                </a:solidFill>
-                <a:latin typeface="Bebas Neue Bold" panose="020B0606020202050201" pitchFamily="34" charset="-94"/>
-                <a:ea typeface="Open Sans" panose="020B0606030504020204" pitchFamily="34" charset="0"/>
-                <a:cs typeface="Open Sans" panose="020B0606030504020204" pitchFamily="34" charset="0"/>
-              </a:rPr>
-              <a:t>TRADE &amp; INVESTMENT</a:t>
-            </a:r>
-            <a:endParaRPr lang="en-US" sz="2600" spc="300" dirty="0">
-              <a:solidFill>
-                <a:srgbClr val="507392"/>
-              </a:solidFill>
-              <a:latin typeface="Bebas Neue Bold" panose="020B0606020202050201" pitchFamily="34" charset="-94"/>
-              <a:ea typeface="Open Sans" panose="020B0606030504020204" pitchFamily="34" charset="0"/>
-              <a:cs typeface="Open Sans" panose="020B0606030504020204" pitchFamily="34" charset="0"/>
-            </a:endParaRPr>
-          </a:p>
-        </p:txBody>
-      </p:sp>
-      <p:sp>
-        <p:nvSpPr>
-          <p:cNvPr id="29" name="TextBox 22"/>
-          <p:cNvSpPr txBox="1"/>
-          <p:nvPr/>
-        </p:nvSpPr>
-        <p:spPr>
-          <a:xfrm>
-            <a:off x="18699911" y="12793750"/>
-            <a:ext cx="3021645" cy="492443"/>
-          </a:xfrm>
-          <a:prstGeom prst="rect">
-            <a:avLst/>
-          </a:prstGeom>
-          <a:noFill/>
-        </p:spPr>
-        <p:txBody>
-          <a:bodyPr wrap="square" rtlCol="0">
-            <a:spAutoFit/>
-          </a:bodyPr>
-          <a:lstStyle/>
-          <a:p>
-            <a:pPr algn="ctr"/>
-            <a:r>
-              <a:rPr lang="tr-TR" sz="2600" spc="300" smtClean="0">
-                <a:solidFill>
-                  <a:srgbClr val="507392"/>
-                </a:solidFill>
-                <a:latin typeface="Bebas Neue Bold" panose="020B0606020202050201" pitchFamily="34" charset="-94"/>
-                <a:ea typeface="Open Sans" panose="020B0606030504020204" pitchFamily="34" charset="0"/>
-                <a:cs typeface="Open Sans" panose="020B0606030504020204" pitchFamily="34" charset="0"/>
-              </a:rPr>
-              <a:t>PRACTICA</a:t>
-            </a:r>
-            <a:endParaRPr lang="en-US" sz="2600" spc="300" dirty="0">
-              <a:solidFill>
-                <a:srgbClr val="507392"/>
-              </a:solidFill>
-              <a:latin typeface="Bebas Neue Bold" panose="020B0606020202050201" pitchFamily="34" charset="-94"/>
-              <a:ea typeface="Open Sans" panose="020B0606030504020204" pitchFamily="34" charset="0"/>
-              <a:cs typeface="Open Sans" panose="020B0606030504020204" pitchFamily="34" charset="0"/>
-            </a:endParaRPr>
-          </a:p>
-        </p:txBody>
-      </p:sp>
-      <p:sp>
-        <p:nvSpPr>
-          <p:cNvPr id="3" name="Marcador de número de diapositiva 2"/>
-          <p:cNvSpPr>
-            <a:spLocks noGrp="1"/>
-          </p:cNvSpPr>
-          <p:nvPr>
-            <p:ph type="sldNum" sz="quarter" idx="12"/>
-          </p:nvPr>
-        </p:nvSpPr>
-        <p:spPr/>
-        <p:txBody>
-          <a:bodyPr/>
-          <a:lstStyle/>
-          <a:p>
-            <a:r>
-              <a:rPr lang="en-US" dirty="0"/>
-              <a:t>5</a:t>
-            </a:r>
-          </a:p>
-        </p:txBody>
-      </p:sp>
-      <p:pic>
-        <p:nvPicPr>
-          <p:cNvPr id="4098" name="Picture 2"/>
-          <p:cNvPicPr>
-            <a:picLocks noChangeAspect="1" noChangeArrowheads="1"/>
-          </p:cNvPicPr>
-          <p:nvPr/>
-        </p:nvPicPr>
-        <p:blipFill>
-          <a:blip r:embed="rId3">
-            <a:extLst>
-              <a:ext uri="{28A0092B-C50C-407E-A947-70E740481C1C}">
-                <a14:useLocalDpi xmlns:a14="http://schemas.microsoft.com/office/drawing/2010/main" val="0"/>
-              </a:ext>
-            </a:extLst>
-          </a:blip>
-          <a:srcRect/>
-          <a:stretch>
-            <a:fillRect/>
-          </a:stretch>
-        </p:blipFill>
-        <p:spPr bwMode="auto">
-          <a:xfrm>
-            <a:off x="733425" y="4095750"/>
-            <a:ext cx="10963966" cy="4689602"/>
-          </a:xfrm>
-          <a:prstGeom prst="rect">
-            <a:avLst/>
-          </a:prstGeom>
-          <a:noFill/>
-          <a:ln>
-            <a:noFill/>
-          </a:ln>
-          <a:extLst>
-            <a:ext uri="{909E8E84-426E-40DD-AFC4-6F175D3DCCD1}">
-              <a14:hiddenFill xmlns:a14="http://schemas.microsoft.com/office/drawing/2010/main">
-                <a:solidFill>
-                  <a:schemeClr val="accent1"/>
-                </a:solidFill>
-              </a14:hiddenFill>
-            </a:ext>
-            <a:ext uri="{91240B29-F687-4F45-9708-019B960494DF}">
-              <a14:hiddenLine xmlns:a14="http://schemas.microsoft.com/office/drawing/2010/main" w="9525">
-                <a:solidFill>
-                  <a:schemeClr val="tx1"/>
-                </a:solidFill>
-                <a:miter lim="800000"/>
-                <a:headEnd/>
-                <a:tailEnd/>
-              </a14:hiddenLine>
-            </a:ext>
-          </a:extLst>
-        </p:spPr>
-      </p:pic>
-      <p:pic>
-        <p:nvPicPr>
-          <p:cNvPr id="4100" name="Picture 4"/>
-          <p:cNvPicPr>
-            <a:picLocks noChangeAspect="1" noChangeArrowheads="1"/>
-          </p:cNvPicPr>
-          <p:nvPr/>
-        </p:nvPicPr>
-        <p:blipFill>
-          <a:blip r:embed="rId4">
-            <a:extLst>
-              <a:ext uri="{28A0092B-C50C-407E-A947-70E740481C1C}">
-                <a14:useLocalDpi xmlns:a14="http://schemas.microsoft.com/office/drawing/2010/main" val="0"/>
-              </a:ext>
-            </a:extLst>
-          </a:blip>
-          <a:srcRect/>
-          <a:stretch>
-            <a:fillRect/>
-          </a:stretch>
-        </p:blipFill>
-        <p:spPr bwMode="auto">
-          <a:xfrm>
-            <a:off x="12292819" y="4200525"/>
-            <a:ext cx="11289520" cy="4584827"/>
-          </a:xfrm>
-          <a:prstGeom prst="rect">
-            <a:avLst/>
-          </a:prstGeom>
-          <a:noFill/>
-          <a:ln>
-            <a:noFill/>
-          </a:ln>
-          <a:extLst>
-            <a:ext uri="{909E8E84-426E-40DD-AFC4-6F175D3DCCD1}">
-              <a14:hiddenFill xmlns:a14="http://schemas.microsoft.com/office/drawing/2010/main">
-                <a:solidFill>
-                  <a:schemeClr val="accent1"/>
-                </a:solidFill>
-              </a14:hiddenFill>
-            </a:ext>
-            <a:ext uri="{91240B29-F687-4F45-9708-019B960494DF}">
-              <a14:hiddenLine xmlns:a14="http://schemas.microsoft.com/office/drawing/2010/main" w="9525">
-                <a:solidFill>
-                  <a:schemeClr val="tx1"/>
-                </a:solidFill>
-                <a:miter lim="800000"/>
-                <a:headEnd/>
-                <a:tailEnd/>
-              </a14:hiddenLine>
-            </a:ext>
-          </a:extLst>
-        </p:spPr>
-      </p:pic>
-    </p:spTree>
-    <p:extLst>
-      <p:ext uri="{BB962C8B-B14F-4D97-AF65-F5344CB8AC3E}">
-        <p14:creationId xmlns:p14="http://schemas.microsoft.com/office/powerpoint/2010/main" val="1269977413"/>
-      </p:ext>
-    </p:extLst>
-  </p:cSld>
-  <p:clrMapOvr>
-    <a:masterClrMapping/>
-  </p:clrMapOvr>
-  <mc:AlternateContent xmlns:mc="http://schemas.openxmlformats.org/markup-compatibility/2006" xmlns:p14="http://schemas.microsoft.com/office/powerpoint/2010/main">
-    <mc:Choice Requires="p14">
-      <p:transition spd="med" p14:dur="700">
-        <p:fade/>
-      </p:transition>
-    </mc:Choice>
-    <mc:Fallback xmlns="">
-      <p:transition spd="med">
-        <p:fade/>
-      </p:transition>
-    </mc:Fallback>
-  </mc:AlternateContent>
-  <p:timing>
-    <p:tnLst>
-      <p:par>
-        <p:cTn id="1" dur="indefinite" restart="never" nodeType="tmRoot"/>
-      </p:par>
-    </p:tnLst>
-  </p:timing>
-</p:sld>
-</file>
-
-<file path=ppt/slides/slide9.xml><?xml version="1.0" encoding="utf-8"?>
-<p:sld xmlns:a="http://schemas.openxmlformats.org/drawingml/2006/main" xmlns:r="http://schemas.openxmlformats.org/officeDocument/2006/relationships" xmlns:p="http://schemas.openxmlformats.org/presentationml/2006/main">
-  <p:cSld>
-    <p:bg>
-      <p:bgPr>
-        <a:solidFill>
-          <a:schemeClr val="bg1"/>
-        </a:solidFill>
-        <a:effectLst/>
-      </p:bgPr>
-    </p:bg>
-    <p:spTree>
-      <p:nvGrpSpPr>
-        <p:cNvPr id="1" name=""/>
-        <p:cNvGrpSpPr/>
-        <p:nvPr/>
-      </p:nvGrpSpPr>
-      <p:grpSpPr>
-        <a:xfrm>
-          <a:off x="0" y="0"/>
-          <a:ext cx="0" cy="0"/>
-          <a:chOff x="0" y="0"/>
-          <a:chExt cx="0" cy="0"/>
-        </a:xfrm>
-      </p:grpSpPr>
-      <p:cxnSp>
-        <p:nvCxnSpPr>
-          <p:cNvPr id="14" name="Straight Connector 13"/>
-          <p:cNvCxnSpPr/>
-          <p:nvPr/>
-        </p:nvCxnSpPr>
-        <p:spPr>
-          <a:xfrm flipV="1">
-            <a:off x="3258951" y="2232255"/>
-            <a:ext cx="17706934" cy="16195"/>
-          </a:xfrm>
-          <a:prstGeom prst="line">
-            <a:avLst/>
-          </a:prstGeom>
-          <a:ln w="50800">
-            <a:solidFill>
-              <a:srgbClr val="507392">
-                <a:alpha val="30000"/>
-              </a:srgbClr>
-            </a:solidFill>
-          </a:ln>
-        </p:spPr>
-        <p:style>
-          <a:lnRef idx="1">
-            <a:schemeClr val="accent1"/>
-          </a:lnRef>
-          <a:fillRef idx="0">
-            <a:schemeClr val="accent1"/>
-          </a:fillRef>
-          <a:effectRef idx="0">
-            <a:schemeClr val="accent1"/>
-          </a:effectRef>
-          <a:fontRef idx="minor">
-            <a:schemeClr val="tx1"/>
-          </a:fontRef>
-        </p:style>
-      </p:cxnSp>
-      <p:cxnSp>
-        <p:nvCxnSpPr>
-          <p:cNvPr id="20" name="Straight Connector 19"/>
-          <p:cNvCxnSpPr/>
-          <p:nvPr/>
-        </p:nvCxnSpPr>
-        <p:spPr>
-          <a:xfrm>
-            <a:off x="3258951" y="2248450"/>
-            <a:ext cx="6200078" cy="0"/>
-          </a:xfrm>
-          <a:prstGeom prst="line">
-            <a:avLst/>
-          </a:prstGeom>
-          <a:ln w="50800">
-            <a:solidFill>
-              <a:srgbClr val="507392"/>
-            </a:solidFill>
-          </a:ln>
-        </p:spPr>
-        <p:style>
-          <a:lnRef idx="1">
-            <a:schemeClr val="accent1"/>
-          </a:lnRef>
-          <a:fillRef idx="0">
-            <a:schemeClr val="accent1"/>
-          </a:fillRef>
-          <a:effectRef idx="0">
-            <a:schemeClr val="accent1"/>
-          </a:effectRef>
-          <a:fontRef idx="minor">
-            <a:schemeClr val="tx1"/>
-          </a:fontRef>
-        </p:style>
-      </p:cxnSp>
-      <p:sp>
-        <p:nvSpPr>
-          <p:cNvPr id="10" name="Rectangle 9"/>
-          <p:cNvSpPr/>
-          <p:nvPr/>
-        </p:nvSpPr>
-        <p:spPr>
-          <a:xfrm flipH="1">
-            <a:off x="-3" y="1419726"/>
-            <a:ext cx="192507" cy="1528009"/>
-          </a:xfrm>
-          <a:prstGeom prst="rect">
-            <a:avLst/>
-          </a:prstGeom>
-          <a:solidFill>
-            <a:srgbClr val="507392"/>
-          </a:solidFill>
-          <a:ln>
-            <a:noFill/>
-          </a:ln>
-        </p:spPr>
-        <p:style>
-          <a:lnRef idx="2">
-            <a:schemeClr val="accent1">
-              <a:shade val="50000"/>
-            </a:schemeClr>
-          </a:lnRef>
-          <a:fillRef idx="1">
-            <a:schemeClr val="accent1"/>
-          </a:fillRef>
-          <a:effectRef idx="0">
-            <a:schemeClr val="accent1"/>
-          </a:effectRef>
-          <a:fontRef idx="minor">
-            <a:schemeClr val="lt1"/>
-          </a:fontRef>
-        </p:style>
-        <p:txBody>
-          <a:bodyPr rtlCol="0" anchor="ctr"/>
-          <a:lstStyle/>
-          <a:p>
-            <a:pPr algn="ctr"/>
-            <a:endParaRPr lang="en-US">
-              <a:solidFill>
-                <a:srgbClr val="2C9398"/>
-              </a:solidFill>
-            </a:endParaRPr>
-          </a:p>
-        </p:txBody>
-      </p:sp>
-      <p:cxnSp>
-        <p:nvCxnSpPr>
-          <p:cNvPr id="18" name="Straight Connector 17"/>
-          <p:cNvCxnSpPr/>
-          <p:nvPr/>
-        </p:nvCxnSpPr>
-        <p:spPr>
-          <a:xfrm flipV="1">
-            <a:off x="12190592" y="12771979"/>
-            <a:ext cx="21772" cy="504917"/>
-          </a:xfrm>
-          <a:prstGeom prst="line">
-            <a:avLst/>
-          </a:prstGeom>
-          <a:ln w="50800">
-            <a:solidFill>
-              <a:srgbClr val="507392"/>
-            </a:solidFill>
-          </a:ln>
-        </p:spPr>
-        <p:style>
-          <a:lnRef idx="1">
-            <a:schemeClr val="accent1"/>
-          </a:lnRef>
-          <a:fillRef idx="0">
-            <a:schemeClr val="accent1"/>
-          </a:fillRef>
-          <a:effectRef idx="0">
-            <a:schemeClr val="accent1"/>
-          </a:effectRef>
-          <a:fontRef idx="minor">
-            <a:schemeClr val="tx1"/>
-          </a:fontRef>
-        </p:style>
-      </p:cxnSp>
-      <p:sp>
-        <p:nvSpPr>
-          <p:cNvPr id="19" name="TextBox 18"/>
-          <p:cNvSpPr txBox="1"/>
-          <p:nvPr/>
-        </p:nvSpPr>
-        <p:spPr>
-          <a:xfrm>
-            <a:off x="3169056" y="1204036"/>
-            <a:ext cx="9021535" cy="2123658"/>
-          </a:xfrm>
-          <a:prstGeom prst="rect">
-            <a:avLst/>
-          </a:prstGeom>
-          <a:noFill/>
-        </p:spPr>
-        <p:txBody>
-          <a:bodyPr wrap="square" rtlCol="0">
-            <a:spAutoFit/>
-          </a:bodyPr>
-          <a:lstStyle/>
-          <a:p>
-            <a:r>
-              <a:rPr lang="tr-TR" sz="6600" spc="100" dirty="0" smtClean="0">
-                <a:solidFill>
-                  <a:srgbClr val="507392"/>
-                </a:solidFill>
-                <a:latin typeface="Bebas Neue Bold" panose="020B0606020202050201" pitchFamily="34" charset="-94"/>
-                <a:ea typeface="Open Sans" panose="020B0606030504020204" pitchFamily="34" charset="0"/>
-                <a:cs typeface="Open Sans" panose="020B0606030504020204" pitchFamily="34" charset="0"/>
-              </a:rPr>
-              <a:t>A</a:t>
-            </a:r>
-            <a:r>
-              <a:rPr lang="es-ES" sz="6600" spc="100" dirty="0" err="1" smtClean="0">
-                <a:solidFill>
-                  <a:srgbClr val="507392"/>
-                </a:solidFill>
-                <a:latin typeface="Bebas Neue Bold" panose="020B0606020202050201" pitchFamily="34" charset="-94"/>
-                <a:ea typeface="Open Sans" panose="020B0606030504020204" pitchFamily="34" charset="0"/>
-                <a:cs typeface="Open Sans" panose="020B0606030504020204" pitchFamily="34" charset="0"/>
-              </a:rPr>
-              <a:t>nálisis</a:t>
-            </a:r>
-            <a:r>
-              <a:rPr lang="es-ES" sz="6600" spc="100" dirty="0" smtClean="0">
-                <a:solidFill>
-                  <a:srgbClr val="507392"/>
-                </a:solidFill>
-                <a:latin typeface="Bebas Neue Bold" panose="020B0606020202050201" pitchFamily="34" charset="-94"/>
-                <a:ea typeface="Open Sans" panose="020B0606030504020204" pitchFamily="34" charset="0"/>
-                <a:cs typeface="Open Sans" panose="020B0606030504020204" pitchFamily="34" charset="0"/>
-              </a:rPr>
-              <a:t> técnico</a:t>
-            </a:r>
-            <a:endParaRPr lang="tr-TR" sz="6600" spc="100" dirty="0">
-              <a:solidFill>
-                <a:srgbClr val="507392"/>
-              </a:solidFill>
-              <a:latin typeface="Bebas Neue Bold" panose="020B0606020202050201" pitchFamily="34" charset="-94"/>
-              <a:ea typeface="Open Sans" panose="020B0606030504020204" pitchFamily="34" charset="0"/>
-              <a:cs typeface="Open Sans" panose="020B0606030504020204" pitchFamily="34" charset="0"/>
-            </a:endParaRPr>
-          </a:p>
-          <a:p>
-            <a:r>
-              <a:rPr lang="es-ES" sz="6600" spc="100" dirty="0" err="1" smtClean="0">
-                <a:solidFill>
-                  <a:srgbClr val="507392"/>
-                </a:solidFill>
-                <a:latin typeface="Bebas Neue Bold" panose="020B0606020202050201" pitchFamily="34" charset="-94"/>
-                <a:ea typeface="Open Sans" panose="020B0606030504020204" pitchFamily="34" charset="0"/>
-                <a:cs typeface="Open Sans" panose="020B0606030504020204" pitchFamily="34" charset="0"/>
-              </a:rPr>
-              <a:t>Chartista</a:t>
-            </a:r>
-            <a:endParaRPr lang="tr-TR" sz="6600" spc="100" dirty="0">
-              <a:solidFill>
-                <a:srgbClr val="507392"/>
-              </a:solidFill>
-              <a:latin typeface="Bebas Neue Bold" panose="020B0606020202050201" pitchFamily="34" charset="-94"/>
-              <a:ea typeface="Open Sans" panose="020B0606030504020204" pitchFamily="34" charset="0"/>
-              <a:cs typeface="Open Sans" panose="020B0606030504020204" pitchFamily="34" charset="0"/>
-            </a:endParaRPr>
-          </a:p>
-        </p:txBody>
-      </p:sp>
-      <p:sp>
-        <p:nvSpPr>
-          <p:cNvPr id="7" name="Rectangle 6"/>
-          <p:cNvSpPr/>
-          <p:nvPr/>
-        </p:nvSpPr>
-        <p:spPr>
-          <a:xfrm>
-            <a:off x="1620536" y="9830483"/>
-            <a:ext cx="21807023" cy="3416320"/>
-          </a:xfrm>
-          <a:prstGeom prst="rect">
-            <a:avLst/>
-          </a:prstGeom>
-        </p:spPr>
-        <p:txBody>
-          <a:bodyPr wrap="square">
-            <a:spAutoFit/>
-          </a:bodyPr>
-          <a:lstStyle/>
-          <a:p>
-            <a:pPr marL="342900" indent="-342900">
-              <a:buFont typeface="Arial" charset="0"/>
-              <a:buChar char="•"/>
-            </a:pPr>
-            <a:r>
-              <a:rPr lang="es-ES_tradnl" sz="2400" dirty="0" smtClean="0">
-                <a:solidFill>
-                  <a:schemeClr val="bg2">
-                    <a:lumMod val="50000"/>
-                  </a:schemeClr>
-                </a:solidFill>
-                <a:latin typeface="Open Sans" panose="020B0606030504020204" pitchFamily="34" charset="0"/>
-                <a:ea typeface="Open Sans" panose="020B0606030504020204" pitchFamily="34" charset="0"/>
-                <a:cs typeface="Open Sans" panose="020B0606030504020204" pitchFamily="34" charset="0"/>
-              </a:rPr>
-              <a:t>En la gráfica anterior con una profundidad histórica de 2 años, vemos que la tendencia histórica por el canal es negativa</a:t>
-            </a:r>
-          </a:p>
-          <a:p>
-            <a:pPr marL="342900" indent="-342900">
-              <a:buFont typeface="Arial" charset="0"/>
-              <a:buChar char="•"/>
-            </a:pPr>
-            <a:r>
-              <a:rPr lang="es-ES_tradnl" sz="2400" dirty="0" smtClean="0">
-                <a:solidFill>
-                  <a:schemeClr val="bg2">
-                    <a:lumMod val="50000"/>
-                  </a:schemeClr>
-                </a:solidFill>
-                <a:latin typeface="Open Sans" panose="020B0606030504020204" pitchFamily="34" charset="0"/>
-                <a:ea typeface="Open Sans" panose="020B0606030504020204" pitchFamily="34" charset="0"/>
-                <a:cs typeface="Open Sans" panose="020B0606030504020204" pitchFamily="34" charset="0"/>
-              </a:rPr>
-              <a:t>Sin embargo a corto plazo vemos tendencias mas alcistas</a:t>
-            </a:r>
-          </a:p>
-          <a:p>
-            <a:pPr marL="342900" indent="-342900">
-              <a:buFont typeface="Arial" charset="0"/>
-              <a:buChar char="•"/>
-            </a:pPr>
-            <a:r>
-              <a:rPr lang="es-ES_tradnl" sz="2400" dirty="0" smtClean="0">
-                <a:solidFill>
-                  <a:schemeClr val="bg2">
-                    <a:lumMod val="50000"/>
-                  </a:schemeClr>
-                </a:solidFill>
-                <a:latin typeface="Open Sans" panose="020B0606030504020204" pitchFamily="34" charset="0"/>
-                <a:ea typeface="Open Sans" panose="020B0606030504020204" pitchFamily="34" charset="0"/>
-                <a:cs typeface="Open Sans" panose="020B0606030504020204" pitchFamily="34" charset="0"/>
-              </a:rPr>
-              <a:t>Sin embargo, el RSI está a mínimo lo que indica que no hay ninguna fuerza</a:t>
-            </a:r>
-          </a:p>
-          <a:p>
-            <a:pPr marL="342900" indent="-342900">
-              <a:buFont typeface="Arial" charset="0"/>
-              <a:buChar char="•"/>
-            </a:pPr>
-            <a:r>
-              <a:rPr lang="es-ES_tradnl" sz="2400" dirty="0" smtClean="0">
-                <a:solidFill>
-                  <a:schemeClr val="bg2">
-                    <a:lumMod val="50000"/>
-                  </a:schemeClr>
-                </a:solidFill>
-                <a:latin typeface="Open Sans" panose="020B0606030504020204" pitchFamily="34" charset="0"/>
-                <a:ea typeface="Open Sans" panose="020B0606030504020204" pitchFamily="34" charset="0"/>
-                <a:cs typeface="Open Sans" panose="020B0606030504020204" pitchFamily="34" charset="0"/>
-              </a:rPr>
-              <a:t>También el volumen nos indica que no hay mucho volumen en movimiento lo que indica que no es buen momento de invertir</a:t>
-            </a:r>
-          </a:p>
-          <a:p>
-            <a:pPr marL="342900" indent="-342900">
-              <a:buFont typeface="Arial" charset="0"/>
-              <a:buChar char="•"/>
-            </a:pPr>
-            <a:r>
-              <a:rPr lang="es-ES_tradnl" sz="2400" dirty="0" smtClean="0">
-                <a:solidFill>
-                  <a:schemeClr val="bg2">
-                    <a:lumMod val="50000"/>
-                  </a:schemeClr>
-                </a:solidFill>
-                <a:latin typeface="Open Sans" panose="020B0606030504020204" pitchFamily="34" charset="0"/>
-                <a:ea typeface="Open Sans" panose="020B0606030504020204" pitchFamily="34" charset="0"/>
-                <a:cs typeface="Open Sans" panose="020B0606030504020204" pitchFamily="34" charset="0"/>
-              </a:rPr>
-              <a:t>Las medias móviles no se cruzan, por lo que tampoco es indicativo de que sea un buen momento, ni para vender ni para comprar.</a:t>
-            </a:r>
-          </a:p>
-          <a:p>
-            <a:pPr marL="342900" indent="-342900">
-              <a:buFont typeface="Arial" charset="0"/>
-              <a:buChar char="•"/>
-            </a:pPr>
-            <a:endParaRPr lang="es-ES_tradnl" sz="2400" dirty="0">
-              <a:solidFill>
-                <a:schemeClr val="bg2">
-                  <a:lumMod val="50000"/>
-                </a:schemeClr>
-              </a:solidFill>
-              <a:latin typeface="Open Sans" panose="020B0606030504020204" pitchFamily="34" charset="0"/>
-              <a:ea typeface="Open Sans" panose="020B0606030504020204" pitchFamily="34" charset="0"/>
-              <a:cs typeface="Open Sans" panose="020B0606030504020204" pitchFamily="34" charset="0"/>
-            </a:endParaRPr>
-          </a:p>
-          <a:p>
-            <a:pPr marL="342900" indent="-342900">
-              <a:buFont typeface="Arial" charset="0"/>
-              <a:buChar char="•"/>
-            </a:pPr>
-            <a:r>
-              <a:rPr lang="es-ES_tradnl" sz="2400" dirty="0" smtClean="0">
-                <a:solidFill>
-                  <a:schemeClr val="bg2">
-                    <a:lumMod val="50000"/>
-                  </a:schemeClr>
-                </a:solidFill>
-                <a:latin typeface="Open Sans" panose="020B0606030504020204" pitchFamily="34" charset="0"/>
-                <a:ea typeface="Open Sans" panose="020B0606030504020204" pitchFamily="34" charset="0"/>
-                <a:cs typeface="Open Sans" panose="020B0606030504020204" pitchFamily="34" charset="0"/>
-              </a:rPr>
-              <a:t>La conclusión es que es un momento que es muy difícil predecir el comportamiento de la acción, y los indicadores utilizados nos muestran efectivamente que ahora mismo no es el momento.</a:t>
-            </a:r>
-            <a:endParaRPr lang="es-ES_tradnl" sz="2200" dirty="0" smtClean="0">
-              <a:solidFill>
-                <a:schemeClr val="bg2">
-                  <a:lumMod val="50000"/>
-                </a:schemeClr>
-              </a:solidFill>
-              <a:latin typeface="Open Sans" panose="020B0606030504020204" pitchFamily="34" charset="0"/>
-              <a:ea typeface="Open Sans" panose="020B0606030504020204" pitchFamily="34" charset="0"/>
-              <a:cs typeface="Open Sans" panose="020B0606030504020204" pitchFamily="34" charset="0"/>
-            </a:endParaRPr>
-          </a:p>
-          <a:p>
-            <a:pPr marL="1257300" lvl="1" indent="-342900">
-              <a:buFont typeface="Arial" charset="0"/>
-              <a:buChar char="•"/>
-            </a:pPr>
-            <a:endParaRPr lang="es-ES_tradnl" sz="2400" dirty="0" smtClean="0">
-              <a:solidFill>
-                <a:schemeClr val="bg2">
-                  <a:lumMod val="50000"/>
-                </a:schemeClr>
-              </a:solidFill>
-              <a:latin typeface="Open Sans" panose="020B0606030504020204" pitchFamily="34" charset="0"/>
-              <a:ea typeface="Open Sans" panose="020B0606030504020204" pitchFamily="34" charset="0"/>
-              <a:cs typeface="Open Sans" panose="020B0606030504020204" pitchFamily="34" charset="0"/>
-            </a:endParaRPr>
-          </a:p>
-        </p:txBody>
-      </p:sp>
-      <p:sp>
-        <p:nvSpPr>
-          <p:cNvPr id="27" name="TextBox 7"/>
-          <p:cNvSpPr txBox="1"/>
-          <p:nvPr/>
-        </p:nvSpPr>
-        <p:spPr>
-          <a:xfrm>
-            <a:off x="10508125" y="12793750"/>
-            <a:ext cx="8051729" cy="492443"/>
-          </a:xfrm>
-          <a:prstGeom prst="rect">
-            <a:avLst/>
-          </a:prstGeom>
-          <a:noFill/>
-        </p:spPr>
-        <p:txBody>
-          <a:bodyPr wrap="square" rtlCol="0">
-            <a:spAutoFit/>
-          </a:bodyPr>
-          <a:lstStyle/>
-          <a:p>
-            <a:pPr algn="ctr"/>
-            <a:r>
-              <a:rPr lang="es-ES" sz="2600" spc="300" dirty="0" smtClean="0">
-                <a:solidFill>
-                  <a:srgbClr val="507392"/>
-                </a:solidFill>
-                <a:latin typeface="Bebas Neue Bold" panose="020B0606020202050201" pitchFamily="34" charset="-94"/>
-                <a:ea typeface="Open Sans" panose="020B0606030504020204" pitchFamily="34" charset="0"/>
-                <a:cs typeface="Open Sans" panose="020B0606030504020204" pitchFamily="34" charset="0"/>
-              </a:rPr>
-              <a:t>TRADE &amp; INVESTMENT</a:t>
-            </a:r>
-            <a:endParaRPr lang="en-US" sz="2600" spc="300" dirty="0">
-              <a:solidFill>
-                <a:srgbClr val="507392"/>
-              </a:solidFill>
-              <a:latin typeface="Bebas Neue Bold" panose="020B0606020202050201" pitchFamily="34" charset="-94"/>
-              <a:ea typeface="Open Sans" panose="020B0606030504020204" pitchFamily="34" charset="0"/>
-              <a:cs typeface="Open Sans" panose="020B0606030504020204" pitchFamily="34" charset="0"/>
-            </a:endParaRPr>
-          </a:p>
-        </p:txBody>
-      </p:sp>
-      <p:sp>
-        <p:nvSpPr>
-          <p:cNvPr id="29" name="TextBox 22"/>
-          <p:cNvSpPr txBox="1"/>
-          <p:nvPr/>
-        </p:nvSpPr>
-        <p:spPr>
-          <a:xfrm>
-            <a:off x="18699911" y="12793750"/>
-            <a:ext cx="3021645" cy="492443"/>
-          </a:xfrm>
-          <a:prstGeom prst="rect">
-            <a:avLst/>
-          </a:prstGeom>
-          <a:noFill/>
-        </p:spPr>
-        <p:txBody>
-          <a:bodyPr wrap="square" rtlCol="0">
-            <a:spAutoFit/>
-          </a:bodyPr>
-          <a:lstStyle/>
-          <a:p>
-            <a:pPr algn="ctr"/>
-            <a:r>
-              <a:rPr lang="tr-TR" sz="2600" spc="300" smtClean="0">
-                <a:solidFill>
-                  <a:srgbClr val="507392"/>
-                </a:solidFill>
-                <a:latin typeface="Bebas Neue Bold" panose="020B0606020202050201" pitchFamily="34" charset="-94"/>
-                <a:ea typeface="Open Sans" panose="020B0606030504020204" pitchFamily="34" charset="0"/>
-                <a:cs typeface="Open Sans" panose="020B0606030504020204" pitchFamily="34" charset="0"/>
-              </a:rPr>
-              <a:t>PRACTICA</a:t>
-            </a:r>
-            <a:endParaRPr lang="en-US" sz="2600" spc="300" dirty="0">
-              <a:solidFill>
-                <a:srgbClr val="507392"/>
-              </a:solidFill>
-              <a:latin typeface="Bebas Neue Bold" panose="020B0606020202050201" pitchFamily="34" charset="-94"/>
-              <a:ea typeface="Open Sans" panose="020B0606030504020204" pitchFamily="34" charset="0"/>
-              <a:cs typeface="Open Sans" panose="020B0606030504020204" pitchFamily="34" charset="0"/>
-            </a:endParaRPr>
-          </a:p>
-        </p:txBody>
-      </p:sp>
-      <p:sp>
-        <p:nvSpPr>
-          <p:cNvPr id="3" name="Marcador de número de diapositiva 2"/>
-          <p:cNvSpPr>
-            <a:spLocks noGrp="1"/>
-          </p:cNvSpPr>
-          <p:nvPr>
-            <p:ph type="sldNum" sz="quarter" idx="12"/>
-          </p:nvPr>
-        </p:nvSpPr>
-        <p:spPr/>
-        <p:txBody>
-          <a:bodyPr/>
-          <a:lstStyle/>
-          <a:p>
-            <a:r>
-              <a:rPr lang="en-US" dirty="0"/>
-              <a:t>5</a:t>
-            </a:r>
-          </a:p>
-        </p:txBody>
-      </p:sp>
-      <p:pic>
-        <p:nvPicPr>
-          <p:cNvPr id="6146" name="Picture 2"/>
-          <p:cNvPicPr>
-            <a:picLocks noChangeAspect="1" noChangeArrowheads="1"/>
-          </p:cNvPicPr>
-          <p:nvPr/>
-        </p:nvPicPr>
-        <p:blipFill>
-          <a:blip r:embed="rId3">
-            <a:extLst>
-              <a:ext uri="{28A0092B-C50C-407E-A947-70E740481C1C}">
-                <a14:useLocalDpi xmlns:a14="http://schemas.microsoft.com/office/drawing/2010/main" val="0"/>
-              </a:ext>
-            </a:extLst>
-          </a:blip>
-          <a:srcRect/>
-          <a:stretch>
-            <a:fillRect/>
-          </a:stretch>
-        </p:blipFill>
-        <p:spPr bwMode="auto">
-          <a:xfrm>
-            <a:off x="8177276" y="2533610"/>
-            <a:ext cx="15250283" cy="6592484"/>
-          </a:xfrm>
-          <a:prstGeom prst="rect">
-            <a:avLst/>
-          </a:prstGeom>
-          <a:noFill/>
-          <a:ln>
-            <a:noFill/>
-          </a:ln>
-          <a:extLst>
-            <a:ext uri="{909E8E84-426E-40DD-AFC4-6F175D3DCCD1}">
-              <a14:hiddenFill xmlns:a14="http://schemas.microsoft.com/office/drawing/2010/main">
-                <a:solidFill>
-                  <a:schemeClr val="accent1"/>
-                </a:solidFill>
-              </a14:hiddenFill>
-            </a:ext>
-            <a:ext uri="{91240B29-F687-4F45-9708-019B960494DF}">
-              <a14:hiddenLine xmlns:a14="http://schemas.microsoft.com/office/drawing/2010/main" w="9525">
-                <a:solidFill>
-                  <a:schemeClr val="tx1"/>
-                </a:solidFill>
-                <a:miter lim="800000"/>
-                <a:headEnd/>
-                <a:tailEnd/>
-              </a14:hiddenLine>
-            </a:ext>
-          </a:extLst>
-        </p:spPr>
-      </p:pic>
-      <p:sp>
-        <p:nvSpPr>
-          <p:cNvPr id="15" name="Rectangle 14"/>
-          <p:cNvSpPr/>
-          <p:nvPr/>
-        </p:nvSpPr>
-        <p:spPr>
-          <a:xfrm>
-            <a:off x="1620536" y="3943040"/>
-            <a:ext cx="4242853" cy="3416320"/>
-          </a:xfrm>
-          <a:prstGeom prst="rect">
-            <a:avLst/>
-          </a:prstGeom>
-        </p:spPr>
-        <p:txBody>
-          <a:bodyPr wrap="square">
-            <a:spAutoFit/>
-          </a:bodyPr>
-          <a:lstStyle/>
-          <a:p>
-            <a:pPr marL="342900" indent="-342900">
-              <a:buFont typeface="Arial" charset="0"/>
-              <a:buChar char="•"/>
-            </a:pPr>
-            <a:r>
-              <a:rPr lang="es-ES_tradnl" sz="2400" dirty="0" smtClean="0">
-                <a:solidFill>
-                  <a:schemeClr val="bg2">
-                    <a:lumMod val="50000"/>
-                  </a:schemeClr>
-                </a:solidFill>
-                <a:latin typeface="Open Sans" panose="020B0606030504020204" pitchFamily="34" charset="0"/>
-                <a:ea typeface="Open Sans" panose="020B0606030504020204" pitchFamily="34" charset="0"/>
-                <a:cs typeface="Open Sans" panose="020B0606030504020204" pitchFamily="34" charset="0"/>
-              </a:rPr>
-              <a:t>Se ha utilizado en el gráfico 5 tipos de información distinta:</a:t>
-            </a:r>
-          </a:p>
-          <a:p>
-            <a:pPr marL="342900" indent="-342900">
-              <a:buFont typeface="Arial" charset="0"/>
-              <a:buChar char="•"/>
-            </a:pPr>
-            <a:r>
-              <a:rPr lang="es-ES_tradnl" sz="2400" dirty="0" smtClean="0">
-                <a:solidFill>
-                  <a:schemeClr val="bg2">
-                    <a:lumMod val="50000"/>
-                  </a:schemeClr>
-                </a:solidFill>
-                <a:latin typeface="Open Sans" panose="020B0606030504020204" pitchFamily="34" charset="0"/>
-                <a:ea typeface="Open Sans" panose="020B0606030504020204" pitchFamily="34" charset="0"/>
-                <a:cs typeface="Open Sans" panose="020B0606030504020204" pitchFamily="34" charset="0"/>
-              </a:rPr>
-              <a:t>Canales</a:t>
-            </a:r>
-          </a:p>
-          <a:p>
-            <a:pPr marL="342900" indent="-342900">
-              <a:buFont typeface="Arial" charset="0"/>
-              <a:buChar char="•"/>
-            </a:pPr>
-            <a:r>
-              <a:rPr lang="es-ES_tradnl" sz="2400" dirty="0" smtClean="0">
-                <a:solidFill>
-                  <a:schemeClr val="bg2">
-                    <a:lumMod val="50000"/>
-                  </a:schemeClr>
-                </a:solidFill>
-                <a:latin typeface="Open Sans" panose="020B0606030504020204" pitchFamily="34" charset="0"/>
-                <a:ea typeface="Open Sans" panose="020B0606030504020204" pitchFamily="34" charset="0"/>
-                <a:cs typeface="Open Sans" panose="020B0606030504020204" pitchFamily="34" charset="0"/>
-              </a:rPr>
-              <a:t>Líneas de tendencia</a:t>
-            </a:r>
-          </a:p>
-          <a:p>
-            <a:pPr marL="342900" indent="-342900">
-              <a:buFont typeface="Arial" charset="0"/>
-              <a:buChar char="•"/>
-            </a:pPr>
-            <a:r>
-              <a:rPr lang="es-ES_tradnl" sz="2400" dirty="0" smtClean="0">
-                <a:solidFill>
-                  <a:schemeClr val="bg2">
-                    <a:lumMod val="50000"/>
-                  </a:schemeClr>
-                </a:solidFill>
-                <a:latin typeface="Open Sans" panose="020B0606030504020204" pitchFamily="34" charset="0"/>
-                <a:ea typeface="Open Sans" panose="020B0606030504020204" pitchFamily="34" charset="0"/>
-                <a:cs typeface="Open Sans" panose="020B0606030504020204" pitchFamily="34" charset="0"/>
-              </a:rPr>
-              <a:t>Volumen</a:t>
-            </a:r>
-          </a:p>
-          <a:p>
-            <a:pPr marL="342900" indent="-342900">
-              <a:buFont typeface="Arial" charset="0"/>
-              <a:buChar char="•"/>
-            </a:pPr>
-            <a:r>
-              <a:rPr lang="es-ES_tradnl" sz="2400" dirty="0" smtClean="0">
-                <a:solidFill>
-                  <a:schemeClr val="bg2">
-                    <a:lumMod val="50000"/>
-                  </a:schemeClr>
-                </a:solidFill>
-                <a:latin typeface="Open Sans" panose="020B0606030504020204" pitchFamily="34" charset="0"/>
-                <a:ea typeface="Open Sans" panose="020B0606030504020204" pitchFamily="34" charset="0"/>
-                <a:cs typeface="Open Sans" panose="020B0606030504020204" pitchFamily="34" charset="0"/>
-              </a:rPr>
-              <a:t>RSI </a:t>
-            </a:r>
-          </a:p>
-          <a:p>
-            <a:pPr marL="342900" indent="-342900">
-              <a:buFont typeface="Arial" charset="0"/>
-              <a:buChar char="•"/>
-            </a:pPr>
-            <a:r>
-              <a:rPr lang="es-ES_tradnl" sz="2400" dirty="0" smtClean="0">
-                <a:solidFill>
-                  <a:schemeClr val="bg2">
-                    <a:lumMod val="50000"/>
-                  </a:schemeClr>
-                </a:solidFill>
-                <a:latin typeface="Open Sans" panose="020B0606030504020204" pitchFamily="34" charset="0"/>
-                <a:ea typeface="Open Sans" panose="020B0606030504020204" pitchFamily="34" charset="0"/>
-                <a:cs typeface="Open Sans" panose="020B0606030504020204" pitchFamily="34" charset="0"/>
-              </a:rPr>
-              <a:t>Medias </a:t>
-            </a:r>
-            <a:r>
-              <a:rPr lang="es-ES_tradnl" sz="2400" dirty="0" err="1" smtClean="0">
-                <a:solidFill>
-                  <a:schemeClr val="bg2">
-                    <a:lumMod val="50000"/>
-                  </a:schemeClr>
-                </a:solidFill>
-                <a:latin typeface="Open Sans" panose="020B0606030504020204" pitchFamily="34" charset="0"/>
-                <a:ea typeface="Open Sans" panose="020B0606030504020204" pitchFamily="34" charset="0"/>
-                <a:cs typeface="Open Sans" panose="020B0606030504020204" pitchFamily="34" charset="0"/>
-              </a:rPr>
-              <a:t>Moviles</a:t>
-            </a:r>
-            <a:r>
-              <a:rPr lang="es-ES_tradnl" sz="2400" dirty="0" smtClean="0">
-                <a:solidFill>
-                  <a:schemeClr val="bg2">
-                    <a:lumMod val="50000"/>
-                  </a:schemeClr>
-                </a:solidFill>
-                <a:latin typeface="Open Sans" panose="020B0606030504020204" pitchFamily="34" charset="0"/>
-                <a:ea typeface="Open Sans" panose="020B0606030504020204" pitchFamily="34" charset="0"/>
-                <a:cs typeface="Open Sans" panose="020B0606030504020204" pitchFamily="34" charset="0"/>
-              </a:rPr>
-              <a:t> </a:t>
-            </a:r>
-            <a:endParaRPr lang="es-ES_tradnl" sz="2200" dirty="0" smtClean="0">
-              <a:solidFill>
-                <a:schemeClr val="bg2">
-                  <a:lumMod val="50000"/>
-                </a:schemeClr>
-              </a:solidFill>
-              <a:latin typeface="Open Sans" panose="020B0606030504020204" pitchFamily="34" charset="0"/>
-              <a:ea typeface="Open Sans" panose="020B0606030504020204" pitchFamily="34" charset="0"/>
-              <a:cs typeface="Open Sans" panose="020B0606030504020204" pitchFamily="34" charset="0"/>
-            </a:endParaRPr>
-          </a:p>
-          <a:p>
-            <a:pPr marL="1257300" lvl="1" indent="-342900">
-              <a:buFont typeface="Arial" charset="0"/>
-              <a:buChar char="•"/>
-            </a:pPr>
-            <a:endParaRPr lang="es-ES_tradnl" sz="2400" dirty="0" smtClean="0">
-              <a:solidFill>
-                <a:schemeClr val="bg2">
-                  <a:lumMod val="50000"/>
-                </a:schemeClr>
-              </a:solidFill>
-              <a:latin typeface="Open Sans" panose="020B0606030504020204" pitchFamily="34" charset="0"/>
-              <a:ea typeface="Open Sans" panose="020B0606030504020204" pitchFamily="34" charset="0"/>
-              <a:cs typeface="Open Sans" panose="020B0606030504020204" pitchFamily="34" charset="0"/>
-            </a:endParaRPr>
-          </a:p>
-        </p:txBody>
-      </p:sp>
-    </p:spTree>
-    <p:extLst>
-      <p:ext uri="{BB962C8B-B14F-4D97-AF65-F5344CB8AC3E}">
-        <p14:creationId xmlns:p14="http://schemas.microsoft.com/office/powerpoint/2010/main" val="3803596102"/>
+        <p14:creationId xmlns:p14="http://schemas.microsoft.com/office/powerpoint/2010/main" val="3152439242"/>
       </p:ext>
     </p:extLst>
   </p:cSld>
